--- a/JDH_poster_draft.pptx
+++ b/JDH_poster_draft.pptx
@@ -2,12 +2,12 @@
 <file path=ppt/presentation.xml><?xml version="1.0" encoding="utf-8"?>
 <p:presentation xmlns:a="http://schemas.openxmlformats.org/drawingml/2006/main" xmlns:r="http://schemas.openxmlformats.org/officeDocument/2006/relationships" xmlns:p="http://schemas.openxmlformats.org/presentationml/2006/main" saveSubsetFonts="1" autoCompressPictures="0">
   <p:sldMasterIdLst>
-    <p:sldMasterId id="2147483720" r:id="rId1"/>
+    <p:sldMasterId id="2147483744" r:id="rId1"/>
   </p:sldMasterIdLst>
   <p:sldIdLst>
     <p:sldId id="256" r:id="rId2"/>
   </p:sldIdLst>
-  <p:sldSz cx="31089600" cy="34747200"/>
+  <p:sldSz cx="32918400" cy="36576000"/>
   <p:notesSz cx="6858000" cy="9144000"/>
   <p:defaultTextStyle>
     <a:defPPr>
@@ -141,15 +141,15 @@
         </p:nvSpPr>
         <p:spPr>
           <a:xfrm>
-            <a:off x="2331720" y="5686639"/>
-            <a:ext cx="26426160" cy="12097173"/>
+            <a:off x="2468880" y="5985936"/>
+            <a:ext cx="27980640" cy="12733867"/>
           </a:xfrm>
         </p:spPr>
         <p:txBody>
           <a:bodyPr anchor="b"/>
           <a:lstStyle>
             <a:lvl1pPr algn="ctr">
-              <a:defRPr sz="20400"/>
+              <a:defRPr sz="21600"/>
             </a:lvl1pPr>
           </a:lstStyle>
           <a:p>
@@ -173,8 +173,8 @@
         </p:nvSpPr>
         <p:spPr>
           <a:xfrm>
-            <a:off x="3886200" y="18250326"/>
-            <a:ext cx="23317200" cy="8389194"/>
+            <a:off x="4114800" y="19210869"/>
+            <a:ext cx="24688800" cy="8830731"/>
           </a:xfrm>
         </p:spPr>
         <p:txBody>
@@ -182,39 +182,39 @@
           <a:lstStyle>
             <a:lvl1pPr marL="0" indent="0" algn="ctr">
               <a:buNone/>
-              <a:defRPr sz="8160"/>
+              <a:defRPr sz="8640"/>
             </a:lvl1pPr>
-            <a:lvl2pPr marL="1554480" indent="0" algn="ctr">
+            <a:lvl2pPr marL="1645920" indent="0" algn="ctr">
               <a:buNone/>
-              <a:defRPr sz="6800"/>
+              <a:defRPr sz="7200"/>
             </a:lvl2pPr>
-            <a:lvl3pPr marL="3108960" indent="0" algn="ctr">
+            <a:lvl3pPr marL="3291840" indent="0" algn="ctr">
               <a:buNone/>
-              <a:defRPr sz="6120"/>
+              <a:defRPr sz="6480"/>
             </a:lvl3pPr>
-            <a:lvl4pPr marL="4663440" indent="0" algn="ctr">
+            <a:lvl4pPr marL="4937760" indent="0" algn="ctr">
               <a:buNone/>
-              <a:defRPr sz="5440"/>
+              <a:defRPr sz="5760"/>
             </a:lvl4pPr>
-            <a:lvl5pPr marL="6217920" indent="0" algn="ctr">
+            <a:lvl5pPr marL="6583680" indent="0" algn="ctr">
               <a:buNone/>
-              <a:defRPr sz="5440"/>
+              <a:defRPr sz="5760"/>
             </a:lvl5pPr>
-            <a:lvl6pPr marL="7772400" indent="0" algn="ctr">
+            <a:lvl6pPr marL="8229600" indent="0" algn="ctr">
               <a:buNone/>
-              <a:defRPr sz="5440"/>
+              <a:defRPr sz="5760"/>
             </a:lvl6pPr>
-            <a:lvl7pPr marL="9326880" indent="0" algn="ctr">
+            <a:lvl7pPr marL="9875520" indent="0" algn="ctr">
               <a:buNone/>
-              <a:defRPr sz="5440"/>
+              <a:defRPr sz="5760"/>
             </a:lvl7pPr>
-            <a:lvl8pPr marL="10881360" indent="0" algn="ctr">
+            <a:lvl8pPr marL="11521440" indent="0" algn="ctr">
               <a:buNone/>
-              <a:defRPr sz="5440"/>
+              <a:defRPr sz="5760"/>
             </a:lvl8pPr>
-            <a:lvl9pPr marL="12435840" indent="0" algn="ctr">
+            <a:lvl9pPr marL="13167360" indent="0" algn="ctr">
               <a:buNone/>
-              <a:defRPr sz="5440"/>
+              <a:defRPr sz="5760"/>
             </a:lvl9pPr>
           </a:lstStyle>
           <a:p>
@@ -294,7 +294,7 @@
     </p:spTree>
     <p:extLst>
       <p:ext uri="{BB962C8B-B14F-4D97-AF65-F5344CB8AC3E}">
-        <p14:creationId xmlns:p14="http://schemas.microsoft.com/office/powerpoint/2010/main" val="1757263557"/>
+        <p14:creationId xmlns:p14="http://schemas.microsoft.com/office/powerpoint/2010/main" val="3702514092"/>
       </p:ext>
     </p:extLst>
   </p:cSld>
@@ -464,7 +464,7 @@
     </p:spTree>
     <p:extLst>
       <p:ext uri="{BB962C8B-B14F-4D97-AF65-F5344CB8AC3E}">
-        <p14:creationId xmlns:p14="http://schemas.microsoft.com/office/powerpoint/2010/main" val="1414723808"/>
+        <p14:creationId xmlns:p14="http://schemas.microsoft.com/office/powerpoint/2010/main" val="205354720"/>
       </p:ext>
     </p:extLst>
   </p:cSld>
@@ -503,8 +503,8 @@
         </p:nvSpPr>
         <p:spPr>
           <a:xfrm>
-            <a:off x="22248497" y="1849967"/>
-            <a:ext cx="6703695" cy="29446646"/>
+            <a:off x="23557232" y="1947334"/>
+            <a:ext cx="7098030" cy="30996469"/>
           </a:xfrm>
         </p:spPr>
         <p:txBody>
@@ -531,8 +531,8 @@
         </p:nvSpPr>
         <p:spPr>
           <a:xfrm>
-            <a:off x="2137412" y="1849967"/>
-            <a:ext cx="19722465" cy="29446646"/>
+            <a:off x="2263142" y="1947334"/>
+            <a:ext cx="20882610" cy="30996469"/>
           </a:xfrm>
         </p:spPr>
         <p:txBody>
@@ -644,7 +644,7 @@
     </p:spTree>
     <p:extLst>
       <p:ext uri="{BB962C8B-B14F-4D97-AF65-F5344CB8AC3E}">
-        <p14:creationId xmlns:p14="http://schemas.microsoft.com/office/powerpoint/2010/main" val="1719646087"/>
+        <p14:creationId xmlns:p14="http://schemas.microsoft.com/office/powerpoint/2010/main" val="2003430773"/>
       </p:ext>
     </p:extLst>
   </p:cSld>
@@ -814,7 +814,7 @@
     </p:spTree>
     <p:extLst>
       <p:ext uri="{BB962C8B-B14F-4D97-AF65-F5344CB8AC3E}">
-        <p14:creationId xmlns:p14="http://schemas.microsoft.com/office/powerpoint/2010/main" val="911756336"/>
+        <p14:creationId xmlns:p14="http://schemas.microsoft.com/office/powerpoint/2010/main" val="3316412471"/>
       </p:ext>
     </p:extLst>
   </p:cSld>
@@ -853,15 +853,15 @@
         </p:nvSpPr>
         <p:spPr>
           <a:xfrm>
-            <a:off x="2121219" y="8662680"/>
-            <a:ext cx="26814780" cy="14453867"/>
+            <a:off x="2245997" y="9118611"/>
+            <a:ext cx="28392120" cy="15214597"/>
           </a:xfrm>
         </p:spPr>
         <p:txBody>
           <a:bodyPr anchor="b"/>
           <a:lstStyle>
             <a:lvl1pPr>
-              <a:defRPr sz="20400"/>
+              <a:defRPr sz="21600"/>
             </a:lvl1pPr>
           </a:lstStyle>
           <a:p>
@@ -885,8 +885,8 @@
         </p:nvSpPr>
         <p:spPr>
           <a:xfrm>
-            <a:off x="2121219" y="23253287"/>
-            <a:ext cx="26814780" cy="7600947"/>
+            <a:off x="2245997" y="24477144"/>
+            <a:ext cx="28392120" cy="8000997"/>
           </a:xfrm>
         </p:spPr>
         <p:txBody>
@@ -894,15 +894,15 @@
           <a:lstStyle>
             <a:lvl1pPr marL="0" indent="0">
               <a:buNone/>
-              <a:defRPr sz="8160">
+              <a:defRPr sz="8640">
                 <a:solidFill>
                   <a:schemeClr val="tx1"/>
                 </a:solidFill>
               </a:defRPr>
             </a:lvl1pPr>
-            <a:lvl2pPr marL="1554480" indent="0">
+            <a:lvl2pPr marL="1645920" indent="0">
               <a:buNone/>
-              <a:defRPr sz="6800">
+              <a:defRPr sz="7200">
                 <a:solidFill>
                   <a:schemeClr val="tx1">
                     <a:tint val="75000"/>
@@ -910,9 +910,9 @@
                 </a:solidFill>
               </a:defRPr>
             </a:lvl2pPr>
-            <a:lvl3pPr marL="3108960" indent="0">
+            <a:lvl3pPr marL="3291840" indent="0">
               <a:buNone/>
-              <a:defRPr sz="6120">
+              <a:defRPr sz="6480">
                 <a:solidFill>
                   <a:schemeClr val="tx1">
                     <a:tint val="75000"/>
@@ -920,9 +920,9 @@
                 </a:solidFill>
               </a:defRPr>
             </a:lvl3pPr>
-            <a:lvl4pPr marL="4663440" indent="0">
+            <a:lvl4pPr marL="4937760" indent="0">
               <a:buNone/>
-              <a:defRPr sz="5440">
+              <a:defRPr sz="5760">
                 <a:solidFill>
                   <a:schemeClr val="tx1">
                     <a:tint val="75000"/>
@@ -930,9 +930,9 @@
                 </a:solidFill>
               </a:defRPr>
             </a:lvl4pPr>
-            <a:lvl5pPr marL="6217920" indent="0">
+            <a:lvl5pPr marL="6583680" indent="0">
               <a:buNone/>
-              <a:defRPr sz="5440">
+              <a:defRPr sz="5760">
                 <a:solidFill>
                   <a:schemeClr val="tx1">
                     <a:tint val="75000"/>
@@ -940,9 +940,9 @@
                 </a:solidFill>
               </a:defRPr>
             </a:lvl5pPr>
-            <a:lvl6pPr marL="7772400" indent="0">
+            <a:lvl6pPr marL="8229600" indent="0">
               <a:buNone/>
-              <a:defRPr sz="5440">
+              <a:defRPr sz="5760">
                 <a:solidFill>
                   <a:schemeClr val="tx1">
                     <a:tint val="75000"/>
@@ -950,9 +950,9 @@
                 </a:solidFill>
               </a:defRPr>
             </a:lvl6pPr>
-            <a:lvl7pPr marL="9326880" indent="0">
+            <a:lvl7pPr marL="9875520" indent="0">
               <a:buNone/>
-              <a:defRPr sz="5440">
+              <a:defRPr sz="5760">
                 <a:solidFill>
                   <a:schemeClr val="tx1">
                     <a:tint val="75000"/>
@@ -960,9 +960,9 @@
                 </a:solidFill>
               </a:defRPr>
             </a:lvl7pPr>
-            <a:lvl8pPr marL="10881360" indent="0">
+            <a:lvl8pPr marL="11521440" indent="0">
               <a:buNone/>
-              <a:defRPr sz="5440">
+              <a:defRPr sz="5760">
                 <a:solidFill>
                   <a:schemeClr val="tx1">
                     <a:tint val="75000"/>
@@ -970,9 +970,9 @@
                 </a:solidFill>
               </a:defRPr>
             </a:lvl8pPr>
-            <a:lvl9pPr marL="12435840" indent="0">
+            <a:lvl9pPr marL="13167360" indent="0">
               <a:buNone/>
-              <a:defRPr sz="5440">
+              <a:defRPr sz="5760">
                 <a:solidFill>
                   <a:schemeClr val="tx1">
                     <a:tint val="75000"/>
@@ -1058,7 +1058,7 @@
     </p:spTree>
     <p:extLst>
       <p:ext uri="{BB962C8B-B14F-4D97-AF65-F5344CB8AC3E}">
-        <p14:creationId xmlns:p14="http://schemas.microsoft.com/office/powerpoint/2010/main" val="3659821978"/>
+        <p14:creationId xmlns:p14="http://schemas.microsoft.com/office/powerpoint/2010/main" val="3309923890"/>
       </p:ext>
     </p:extLst>
   </p:cSld>
@@ -1120,8 +1120,8 @@
         </p:nvSpPr>
         <p:spPr>
           <a:xfrm>
-            <a:off x="2137410" y="9249833"/>
-            <a:ext cx="13213080" cy="22046779"/>
+            <a:off x="2263140" y="9736667"/>
+            <a:ext cx="13990320" cy="23207136"/>
           </a:xfrm>
         </p:spPr>
         <p:txBody>
@@ -1177,8 +1177,8 @@
         </p:nvSpPr>
         <p:spPr>
           <a:xfrm>
-            <a:off x="15739110" y="9249833"/>
-            <a:ext cx="13213080" cy="22046779"/>
+            <a:off x="16664940" y="9736667"/>
+            <a:ext cx="13990320" cy="23207136"/>
           </a:xfrm>
         </p:spPr>
         <p:txBody>
@@ -1290,7 +1290,7 @@
     </p:spTree>
     <p:extLst>
       <p:ext uri="{BB962C8B-B14F-4D97-AF65-F5344CB8AC3E}">
-        <p14:creationId xmlns:p14="http://schemas.microsoft.com/office/powerpoint/2010/main" val="3928104893"/>
+        <p14:creationId xmlns:p14="http://schemas.microsoft.com/office/powerpoint/2010/main" val="3785937458"/>
       </p:ext>
     </p:extLst>
   </p:cSld>
@@ -1329,8 +1329,8 @@
         </p:nvSpPr>
         <p:spPr>
           <a:xfrm>
-            <a:off x="2141459" y="1849974"/>
-            <a:ext cx="26814780" cy="6716186"/>
+            <a:off x="2267428" y="1947342"/>
+            <a:ext cx="28392120" cy="7069669"/>
           </a:xfrm>
         </p:spPr>
         <p:txBody>
@@ -1357,8 +1357,8 @@
         </p:nvSpPr>
         <p:spPr>
           <a:xfrm>
-            <a:off x="2141463" y="8517893"/>
-            <a:ext cx="13152356" cy="4174487"/>
+            <a:off x="2267431" y="8966203"/>
+            <a:ext cx="13926024" cy="4394197"/>
           </a:xfrm>
         </p:spPr>
         <p:txBody>
@@ -1366,39 +1366,39 @@
           <a:lstStyle>
             <a:lvl1pPr marL="0" indent="0">
               <a:buNone/>
-              <a:defRPr sz="8160" b="1"/>
+              <a:defRPr sz="8640" b="1"/>
             </a:lvl1pPr>
-            <a:lvl2pPr marL="1554480" indent="0">
+            <a:lvl2pPr marL="1645920" indent="0">
               <a:buNone/>
-              <a:defRPr sz="6800" b="1"/>
+              <a:defRPr sz="7200" b="1"/>
             </a:lvl2pPr>
-            <a:lvl3pPr marL="3108960" indent="0">
+            <a:lvl3pPr marL="3291840" indent="0">
               <a:buNone/>
-              <a:defRPr sz="6120" b="1"/>
+              <a:defRPr sz="6480" b="1"/>
             </a:lvl3pPr>
-            <a:lvl4pPr marL="4663440" indent="0">
+            <a:lvl4pPr marL="4937760" indent="0">
               <a:buNone/>
-              <a:defRPr sz="5440" b="1"/>
+              <a:defRPr sz="5760" b="1"/>
             </a:lvl4pPr>
-            <a:lvl5pPr marL="6217920" indent="0">
+            <a:lvl5pPr marL="6583680" indent="0">
               <a:buNone/>
-              <a:defRPr sz="5440" b="1"/>
+              <a:defRPr sz="5760" b="1"/>
             </a:lvl5pPr>
-            <a:lvl6pPr marL="7772400" indent="0">
+            <a:lvl6pPr marL="8229600" indent="0">
               <a:buNone/>
-              <a:defRPr sz="5440" b="1"/>
+              <a:defRPr sz="5760" b="1"/>
             </a:lvl6pPr>
-            <a:lvl7pPr marL="9326880" indent="0">
+            <a:lvl7pPr marL="9875520" indent="0">
               <a:buNone/>
-              <a:defRPr sz="5440" b="1"/>
+              <a:defRPr sz="5760" b="1"/>
             </a:lvl7pPr>
-            <a:lvl8pPr marL="10881360" indent="0">
+            <a:lvl8pPr marL="11521440" indent="0">
               <a:buNone/>
-              <a:defRPr sz="5440" b="1"/>
+              <a:defRPr sz="5760" b="1"/>
             </a:lvl8pPr>
-            <a:lvl9pPr marL="12435840" indent="0">
+            <a:lvl9pPr marL="13167360" indent="0">
               <a:buNone/>
-              <a:defRPr sz="5440" b="1"/>
+              <a:defRPr sz="5760" b="1"/>
             </a:lvl9pPr>
           </a:lstStyle>
           <a:p>
@@ -1422,8 +1422,8 @@
         </p:nvSpPr>
         <p:spPr>
           <a:xfrm>
-            <a:off x="2141463" y="12692380"/>
-            <a:ext cx="13152356" cy="18668579"/>
+            <a:off x="2267431" y="13360400"/>
+            <a:ext cx="13926024" cy="19651136"/>
           </a:xfrm>
         </p:spPr>
         <p:txBody>
@@ -1479,8 +1479,8 @@
         </p:nvSpPr>
         <p:spPr>
           <a:xfrm>
-            <a:off x="15739112" y="8517893"/>
-            <a:ext cx="13217129" cy="4174487"/>
+            <a:off x="16664942" y="8966203"/>
+            <a:ext cx="13994608" cy="4394197"/>
           </a:xfrm>
         </p:spPr>
         <p:txBody>
@@ -1488,39 +1488,39 @@
           <a:lstStyle>
             <a:lvl1pPr marL="0" indent="0">
               <a:buNone/>
-              <a:defRPr sz="8160" b="1"/>
+              <a:defRPr sz="8640" b="1"/>
             </a:lvl1pPr>
-            <a:lvl2pPr marL="1554480" indent="0">
+            <a:lvl2pPr marL="1645920" indent="0">
               <a:buNone/>
-              <a:defRPr sz="6800" b="1"/>
+              <a:defRPr sz="7200" b="1"/>
             </a:lvl2pPr>
-            <a:lvl3pPr marL="3108960" indent="0">
+            <a:lvl3pPr marL="3291840" indent="0">
               <a:buNone/>
-              <a:defRPr sz="6120" b="1"/>
+              <a:defRPr sz="6480" b="1"/>
             </a:lvl3pPr>
-            <a:lvl4pPr marL="4663440" indent="0">
+            <a:lvl4pPr marL="4937760" indent="0">
               <a:buNone/>
-              <a:defRPr sz="5440" b="1"/>
+              <a:defRPr sz="5760" b="1"/>
             </a:lvl4pPr>
-            <a:lvl5pPr marL="6217920" indent="0">
+            <a:lvl5pPr marL="6583680" indent="0">
               <a:buNone/>
-              <a:defRPr sz="5440" b="1"/>
+              <a:defRPr sz="5760" b="1"/>
             </a:lvl5pPr>
-            <a:lvl6pPr marL="7772400" indent="0">
+            <a:lvl6pPr marL="8229600" indent="0">
               <a:buNone/>
-              <a:defRPr sz="5440" b="1"/>
+              <a:defRPr sz="5760" b="1"/>
             </a:lvl6pPr>
-            <a:lvl7pPr marL="9326880" indent="0">
+            <a:lvl7pPr marL="9875520" indent="0">
               <a:buNone/>
-              <a:defRPr sz="5440" b="1"/>
+              <a:defRPr sz="5760" b="1"/>
             </a:lvl7pPr>
-            <a:lvl8pPr marL="10881360" indent="0">
+            <a:lvl8pPr marL="11521440" indent="0">
               <a:buNone/>
-              <a:defRPr sz="5440" b="1"/>
+              <a:defRPr sz="5760" b="1"/>
             </a:lvl8pPr>
-            <a:lvl9pPr marL="12435840" indent="0">
+            <a:lvl9pPr marL="13167360" indent="0">
               <a:buNone/>
-              <a:defRPr sz="5440" b="1"/>
+              <a:defRPr sz="5760" b="1"/>
             </a:lvl9pPr>
           </a:lstStyle>
           <a:p>
@@ -1544,8 +1544,8 @@
         </p:nvSpPr>
         <p:spPr>
           <a:xfrm>
-            <a:off x="15739112" y="12692380"/>
-            <a:ext cx="13217129" cy="18668579"/>
+            <a:off x="16664942" y="13360400"/>
+            <a:ext cx="13994608" cy="19651136"/>
           </a:xfrm>
         </p:spPr>
         <p:txBody>
@@ -1657,7 +1657,7 @@
     </p:spTree>
     <p:extLst>
       <p:ext uri="{BB962C8B-B14F-4D97-AF65-F5344CB8AC3E}">
-        <p14:creationId xmlns:p14="http://schemas.microsoft.com/office/powerpoint/2010/main" val="1227355176"/>
+        <p14:creationId xmlns:p14="http://schemas.microsoft.com/office/powerpoint/2010/main" val="3666267710"/>
       </p:ext>
     </p:extLst>
   </p:cSld>
@@ -1775,7 +1775,7 @@
     </p:spTree>
     <p:extLst>
       <p:ext uri="{BB962C8B-B14F-4D97-AF65-F5344CB8AC3E}">
-        <p14:creationId xmlns:p14="http://schemas.microsoft.com/office/powerpoint/2010/main" val="1906983409"/>
+        <p14:creationId xmlns:p14="http://schemas.microsoft.com/office/powerpoint/2010/main" val="2431128287"/>
       </p:ext>
     </p:extLst>
   </p:cSld>
@@ -1870,7 +1870,7 @@
     </p:spTree>
     <p:extLst>
       <p:ext uri="{BB962C8B-B14F-4D97-AF65-F5344CB8AC3E}">
-        <p14:creationId xmlns:p14="http://schemas.microsoft.com/office/powerpoint/2010/main" val="3043507652"/>
+        <p14:creationId xmlns:p14="http://schemas.microsoft.com/office/powerpoint/2010/main" val="1485619666"/>
       </p:ext>
     </p:extLst>
   </p:cSld>
@@ -1909,15 +1909,15 @@
         </p:nvSpPr>
         <p:spPr>
           <a:xfrm>
-            <a:off x="2141460" y="2316480"/>
-            <a:ext cx="10027205" cy="8107680"/>
+            <a:off x="2267428" y="2438400"/>
+            <a:ext cx="10617041" cy="8534400"/>
           </a:xfrm>
         </p:spPr>
         <p:txBody>
           <a:bodyPr anchor="b"/>
           <a:lstStyle>
             <a:lvl1pPr>
-              <a:defRPr sz="10880"/>
+              <a:defRPr sz="11520"/>
             </a:lvl1pPr>
           </a:lstStyle>
           <a:p>
@@ -1941,39 +1941,39 @@
         </p:nvSpPr>
         <p:spPr>
           <a:xfrm>
-            <a:off x="13217129" y="5002961"/>
-            <a:ext cx="15739110" cy="24693033"/>
+            <a:off x="13994608" y="5266275"/>
+            <a:ext cx="16664940" cy="25992667"/>
           </a:xfrm>
         </p:spPr>
         <p:txBody>
           <a:bodyPr/>
           <a:lstStyle>
             <a:lvl1pPr>
-              <a:defRPr sz="10880"/>
+              <a:defRPr sz="11520"/>
             </a:lvl1pPr>
             <a:lvl2pPr>
-              <a:defRPr sz="9520"/>
+              <a:defRPr sz="10080"/>
             </a:lvl2pPr>
             <a:lvl3pPr>
-              <a:defRPr sz="8160"/>
+              <a:defRPr sz="8640"/>
             </a:lvl3pPr>
             <a:lvl4pPr>
-              <a:defRPr sz="6800"/>
+              <a:defRPr sz="7200"/>
             </a:lvl4pPr>
             <a:lvl5pPr>
-              <a:defRPr sz="6800"/>
+              <a:defRPr sz="7200"/>
             </a:lvl5pPr>
             <a:lvl6pPr>
-              <a:defRPr sz="6800"/>
+              <a:defRPr sz="7200"/>
             </a:lvl6pPr>
             <a:lvl7pPr>
-              <a:defRPr sz="6800"/>
+              <a:defRPr sz="7200"/>
             </a:lvl7pPr>
             <a:lvl8pPr>
-              <a:defRPr sz="6800"/>
+              <a:defRPr sz="7200"/>
             </a:lvl8pPr>
             <a:lvl9pPr>
-              <a:defRPr sz="6800"/>
+              <a:defRPr sz="7200"/>
             </a:lvl9pPr>
           </a:lstStyle>
           <a:p>
@@ -2026,8 +2026,8 @@
         </p:nvSpPr>
         <p:spPr>
           <a:xfrm>
-            <a:off x="2141460" y="10424160"/>
-            <a:ext cx="10027205" cy="19312046"/>
+            <a:off x="2267428" y="10972800"/>
+            <a:ext cx="10617041" cy="20328469"/>
           </a:xfrm>
         </p:spPr>
         <p:txBody>
@@ -2035,39 +2035,39 @@
           <a:lstStyle>
             <a:lvl1pPr marL="0" indent="0">
               <a:buNone/>
-              <a:defRPr sz="5440"/>
+              <a:defRPr sz="5760"/>
             </a:lvl1pPr>
-            <a:lvl2pPr marL="1554480" indent="0">
+            <a:lvl2pPr marL="1645920" indent="0">
               <a:buNone/>
-              <a:defRPr sz="4760"/>
+              <a:defRPr sz="5040"/>
             </a:lvl2pPr>
-            <a:lvl3pPr marL="3108960" indent="0">
+            <a:lvl3pPr marL="3291840" indent="0">
               <a:buNone/>
-              <a:defRPr sz="4080"/>
+              <a:defRPr sz="4320"/>
             </a:lvl3pPr>
-            <a:lvl4pPr marL="4663440" indent="0">
+            <a:lvl4pPr marL="4937760" indent="0">
               <a:buNone/>
-              <a:defRPr sz="3400"/>
+              <a:defRPr sz="3600"/>
             </a:lvl4pPr>
-            <a:lvl5pPr marL="6217920" indent="0">
+            <a:lvl5pPr marL="6583680" indent="0">
               <a:buNone/>
-              <a:defRPr sz="3400"/>
+              <a:defRPr sz="3600"/>
             </a:lvl5pPr>
-            <a:lvl6pPr marL="7772400" indent="0">
+            <a:lvl6pPr marL="8229600" indent="0">
               <a:buNone/>
-              <a:defRPr sz="3400"/>
+              <a:defRPr sz="3600"/>
             </a:lvl6pPr>
-            <a:lvl7pPr marL="9326880" indent="0">
+            <a:lvl7pPr marL="9875520" indent="0">
               <a:buNone/>
-              <a:defRPr sz="3400"/>
+              <a:defRPr sz="3600"/>
             </a:lvl7pPr>
-            <a:lvl8pPr marL="10881360" indent="0">
+            <a:lvl8pPr marL="11521440" indent="0">
               <a:buNone/>
-              <a:defRPr sz="3400"/>
+              <a:defRPr sz="3600"/>
             </a:lvl8pPr>
-            <a:lvl9pPr marL="12435840" indent="0">
+            <a:lvl9pPr marL="13167360" indent="0">
               <a:buNone/>
-              <a:defRPr sz="3400"/>
+              <a:defRPr sz="3600"/>
             </a:lvl9pPr>
           </a:lstStyle>
           <a:p>
@@ -2147,7 +2147,7 @@
     </p:spTree>
     <p:extLst>
       <p:ext uri="{BB962C8B-B14F-4D97-AF65-F5344CB8AC3E}">
-        <p14:creationId xmlns:p14="http://schemas.microsoft.com/office/powerpoint/2010/main" val="2053951709"/>
+        <p14:creationId xmlns:p14="http://schemas.microsoft.com/office/powerpoint/2010/main" val="681001929"/>
       </p:ext>
     </p:extLst>
   </p:cSld>
@@ -2186,15 +2186,15 @@
         </p:nvSpPr>
         <p:spPr>
           <a:xfrm>
-            <a:off x="2141460" y="2316480"/>
-            <a:ext cx="10027205" cy="8107680"/>
+            <a:off x="2267428" y="2438400"/>
+            <a:ext cx="10617041" cy="8534400"/>
           </a:xfrm>
         </p:spPr>
         <p:txBody>
           <a:bodyPr anchor="b"/>
           <a:lstStyle>
             <a:lvl1pPr>
-              <a:defRPr sz="10880"/>
+              <a:defRPr sz="11520"/>
             </a:lvl1pPr>
           </a:lstStyle>
           <a:p>
@@ -2218,8 +2218,8 @@
         </p:nvSpPr>
         <p:spPr>
           <a:xfrm>
-            <a:off x="13217129" y="5002961"/>
-            <a:ext cx="15739110" cy="24693033"/>
+            <a:off x="13994608" y="5266275"/>
+            <a:ext cx="16664940" cy="25992667"/>
           </a:xfrm>
         </p:spPr>
         <p:txBody>
@@ -2227,39 +2227,39 @@
           <a:lstStyle>
             <a:lvl1pPr marL="0" indent="0">
               <a:buNone/>
-              <a:defRPr sz="10880"/>
+              <a:defRPr sz="11520"/>
             </a:lvl1pPr>
-            <a:lvl2pPr marL="1554480" indent="0">
+            <a:lvl2pPr marL="1645920" indent="0">
               <a:buNone/>
-              <a:defRPr sz="9520"/>
+              <a:defRPr sz="10080"/>
             </a:lvl2pPr>
-            <a:lvl3pPr marL="3108960" indent="0">
+            <a:lvl3pPr marL="3291840" indent="0">
               <a:buNone/>
-              <a:defRPr sz="8160"/>
+              <a:defRPr sz="8640"/>
             </a:lvl3pPr>
-            <a:lvl4pPr marL="4663440" indent="0">
+            <a:lvl4pPr marL="4937760" indent="0">
               <a:buNone/>
-              <a:defRPr sz="6800"/>
+              <a:defRPr sz="7200"/>
             </a:lvl4pPr>
-            <a:lvl5pPr marL="6217920" indent="0">
+            <a:lvl5pPr marL="6583680" indent="0">
               <a:buNone/>
-              <a:defRPr sz="6800"/>
+              <a:defRPr sz="7200"/>
             </a:lvl5pPr>
-            <a:lvl6pPr marL="7772400" indent="0">
+            <a:lvl6pPr marL="8229600" indent="0">
               <a:buNone/>
-              <a:defRPr sz="6800"/>
+              <a:defRPr sz="7200"/>
             </a:lvl6pPr>
-            <a:lvl7pPr marL="9326880" indent="0">
+            <a:lvl7pPr marL="9875520" indent="0">
               <a:buNone/>
-              <a:defRPr sz="6800"/>
+              <a:defRPr sz="7200"/>
             </a:lvl7pPr>
-            <a:lvl8pPr marL="10881360" indent="0">
+            <a:lvl8pPr marL="11521440" indent="0">
               <a:buNone/>
-              <a:defRPr sz="6800"/>
+              <a:defRPr sz="7200"/>
             </a:lvl8pPr>
-            <a:lvl9pPr marL="12435840" indent="0">
+            <a:lvl9pPr marL="13167360" indent="0">
               <a:buNone/>
-              <a:defRPr sz="6800"/>
+              <a:defRPr sz="7200"/>
             </a:lvl9pPr>
           </a:lstStyle>
           <a:p>
@@ -2283,8 +2283,8 @@
         </p:nvSpPr>
         <p:spPr>
           <a:xfrm>
-            <a:off x="2141460" y="10424160"/>
-            <a:ext cx="10027205" cy="19312046"/>
+            <a:off x="2267428" y="10972800"/>
+            <a:ext cx="10617041" cy="20328469"/>
           </a:xfrm>
         </p:spPr>
         <p:txBody>
@@ -2292,39 +2292,39 @@
           <a:lstStyle>
             <a:lvl1pPr marL="0" indent="0">
               <a:buNone/>
-              <a:defRPr sz="5440"/>
+              <a:defRPr sz="5760"/>
             </a:lvl1pPr>
-            <a:lvl2pPr marL="1554480" indent="0">
+            <a:lvl2pPr marL="1645920" indent="0">
               <a:buNone/>
-              <a:defRPr sz="4760"/>
+              <a:defRPr sz="5040"/>
             </a:lvl2pPr>
-            <a:lvl3pPr marL="3108960" indent="0">
+            <a:lvl3pPr marL="3291840" indent="0">
               <a:buNone/>
-              <a:defRPr sz="4080"/>
+              <a:defRPr sz="4320"/>
             </a:lvl3pPr>
-            <a:lvl4pPr marL="4663440" indent="0">
+            <a:lvl4pPr marL="4937760" indent="0">
               <a:buNone/>
-              <a:defRPr sz="3400"/>
+              <a:defRPr sz="3600"/>
             </a:lvl4pPr>
-            <a:lvl5pPr marL="6217920" indent="0">
+            <a:lvl5pPr marL="6583680" indent="0">
               <a:buNone/>
-              <a:defRPr sz="3400"/>
+              <a:defRPr sz="3600"/>
             </a:lvl5pPr>
-            <a:lvl6pPr marL="7772400" indent="0">
+            <a:lvl6pPr marL="8229600" indent="0">
               <a:buNone/>
-              <a:defRPr sz="3400"/>
+              <a:defRPr sz="3600"/>
             </a:lvl6pPr>
-            <a:lvl7pPr marL="9326880" indent="0">
+            <a:lvl7pPr marL="9875520" indent="0">
               <a:buNone/>
-              <a:defRPr sz="3400"/>
+              <a:defRPr sz="3600"/>
             </a:lvl7pPr>
-            <a:lvl8pPr marL="10881360" indent="0">
+            <a:lvl8pPr marL="11521440" indent="0">
               <a:buNone/>
-              <a:defRPr sz="3400"/>
+              <a:defRPr sz="3600"/>
             </a:lvl8pPr>
-            <a:lvl9pPr marL="12435840" indent="0">
+            <a:lvl9pPr marL="13167360" indent="0">
               <a:buNone/>
-              <a:defRPr sz="3400"/>
+              <a:defRPr sz="3600"/>
             </a:lvl9pPr>
           </a:lstStyle>
           <a:p>
@@ -2404,7 +2404,7 @@
     </p:spTree>
     <p:extLst>
       <p:ext uri="{BB962C8B-B14F-4D97-AF65-F5344CB8AC3E}">
-        <p14:creationId xmlns:p14="http://schemas.microsoft.com/office/powerpoint/2010/main" val="1818611184"/>
+        <p14:creationId xmlns:p14="http://schemas.microsoft.com/office/powerpoint/2010/main" val="3099368780"/>
       </p:ext>
     </p:extLst>
   </p:cSld>
@@ -2448,8 +2448,8 @@
         </p:nvSpPr>
         <p:spPr>
           <a:xfrm>
-            <a:off x="2137410" y="1849974"/>
-            <a:ext cx="26814780" cy="6716186"/>
+            <a:off x="2263140" y="1947342"/>
+            <a:ext cx="28392120" cy="7069669"/>
           </a:xfrm>
           <a:prstGeom prst="rect">
             <a:avLst/>
@@ -2481,8 +2481,8 @@
         </p:nvSpPr>
         <p:spPr>
           <a:xfrm>
-            <a:off x="2137410" y="9249833"/>
-            <a:ext cx="26814780" cy="22046779"/>
+            <a:off x="2263140" y="9736667"/>
+            <a:ext cx="28392120" cy="23207136"/>
           </a:xfrm>
           <a:prstGeom prst="rect">
             <a:avLst/>
@@ -2543,8 +2543,8 @@
         </p:nvSpPr>
         <p:spPr>
           <a:xfrm>
-            <a:off x="2137410" y="32205514"/>
-            <a:ext cx="6995160" cy="1849967"/>
+            <a:off x="2263140" y="33900542"/>
+            <a:ext cx="7406640" cy="1947333"/>
           </a:xfrm>
           <a:prstGeom prst="rect">
             <a:avLst/>
@@ -2554,7 +2554,7 @@
           <a:bodyPr vert="horz" lIns="91440" tIns="45720" rIns="91440" bIns="45720" rtlCol="0" anchor="ctr"/>
           <a:lstStyle>
             <a:lvl1pPr algn="l">
-              <a:defRPr sz="4080">
+              <a:defRPr sz="4320">
                 <a:solidFill>
                   <a:schemeClr val="tx1">
                     <a:tint val="75000"/>
@@ -2584,8 +2584,8 @@
         </p:nvSpPr>
         <p:spPr>
           <a:xfrm>
-            <a:off x="10298430" y="32205514"/>
-            <a:ext cx="10492740" cy="1849967"/>
+            <a:off x="10904220" y="33900542"/>
+            <a:ext cx="11109960" cy="1947333"/>
           </a:xfrm>
           <a:prstGeom prst="rect">
             <a:avLst/>
@@ -2595,7 +2595,7 @@
           <a:bodyPr vert="horz" lIns="91440" tIns="45720" rIns="91440" bIns="45720" rtlCol="0" anchor="ctr"/>
           <a:lstStyle>
             <a:lvl1pPr algn="ctr">
-              <a:defRPr sz="4080">
+              <a:defRPr sz="4320">
                 <a:solidFill>
                   <a:schemeClr val="tx1">
                     <a:tint val="75000"/>
@@ -2621,8 +2621,8 @@
         </p:nvSpPr>
         <p:spPr>
           <a:xfrm>
-            <a:off x="21957030" y="32205514"/>
-            <a:ext cx="6995160" cy="1849967"/>
+            <a:off x="23248620" y="33900542"/>
+            <a:ext cx="7406640" cy="1947333"/>
           </a:xfrm>
           <a:prstGeom prst="rect">
             <a:avLst/>
@@ -2632,7 +2632,7 @@
           <a:bodyPr vert="horz" lIns="91440" tIns="45720" rIns="91440" bIns="45720" rtlCol="0" anchor="ctr"/>
           <a:lstStyle>
             <a:lvl1pPr algn="r">
-              <a:defRPr sz="4080">
+              <a:defRPr sz="4320">
                 <a:solidFill>
                   <a:schemeClr val="tx1">
                     <a:tint val="75000"/>
@@ -2653,27 +2653,27 @@
     </p:spTree>
     <p:extLst>
       <p:ext uri="{BB962C8B-B14F-4D97-AF65-F5344CB8AC3E}">
-        <p14:creationId xmlns:p14="http://schemas.microsoft.com/office/powerpoint/2010/main" val="1560105337"/>
+        <p14:creationId xmlns:p14="http://schemas.microsoft.com/office/powerpoint/2010/main" val="417843240"/>
       </p:ext>
     </p:extLst>
   </p:cSld>
   <p:clrMap bg1="lt1" tx1="dk1" bg2="lt2" tx2="dk2" accent1="accent1" accent2="accent2" accent3="accent3" accent4="accent4" accent5="accent5" accent6="accent6" hlink="hlink" folHlink="folHlink"/>
   <p:sldLayoutIdLst>
-    <p:sldLayoutId id="2147483721" r:id="rId1"/>
-    <p:sldLayoutId id="2147483722" r:id="rId2"/>
-    <p:sldLayoutId id="2147483723" r:id="rId3"/>
-    <p:sldLayoutId id="2147483724" r:id="rId4"/>
-    <p:sldLayoutId id="2147483725" r:id="rId5"/>
-    <p:sldLayoutId id="2147483726" r:id="rId6"/>
-    <p:sldLayoutId id="2147483727" r:id="rId7"/>
-    <p:sldLayoutId id="2147483728" r:id="rId8"/>
-    <p:sldLayoutId id="2147483729" r:id="rId9"/>
-    <p:sldLayoutId id="2147483730" r:id="rId10"/>
-    <p:sldLayoutId id="2147483731" r:id="rId11"/>
+    <p:sldLayoutId id="2147483745" r:id="rId1"/>
+    <p:sldLayoutId id="2147483746" r:id="rId2"/>
+    <p:sldLayoutId id="2147483747" r:id="rId3"/>
+    <p:sldLayoutId id="2147483748" r:id="rId4"/>
+    <p:sldLayoutId id="2147483749" r:id="rId5"/>
+    <p:sldLayoutId id="2147483750" r:id="rId6"/>
+    <p:sldLayoutId id="2147483751" r:id="rId7"/>
+    <p:sldLayoutId id="2147483752" r:id="rId8"/>
+    <p:sldLayoutId id="2147483753" r:id="rId9"/>
+    <p:sldLayoutId id="2147483754" r:id="rId10"/>
+    <p:sldLayoutId id="2147483755" r:id="rId11"/>
   </p:sldLayoutIdLst>
   <p:txStyles>
     <p:titleStyle>
-      <a:lvl1pPr algn="l" defTabSz="3108960" rtl="0" eaLnBrk="1" latinLnBrk="0" hangingPunct="1">
+      <a:lvl1pPr algn="l" defTabSz="3291840" rtl="0" eaLnBrk="1" latinLnBrk="0" hangingPunct="1">
         <a:lnSpc>
           <a:spcPct val="90000"/>
         </a:lnSpc>
@@ -2681,7 +2681,7 @@
           <a:spcPct val="0"/>
         </a:spcBef>
         <a:buNone/>
-        <a:defRPr sz="14960" kern="1200">
+        <a:defRPr sz="15840" kern="1200">
           <a:solidFill>
             <a:schemeClr val="tx1"/>
           </a:solidFill>
@@ -2692,16 +2692,16 @@
       </a:lvl1pPr>
     </p:titleStyle>
     <p:bodyStyle>
-      <a:lvl1pPr marL="777240" indent="-777240" algn="l" defTabSz="3108960" rtl="0" eaLnBrk="1" latinLnBrk="0" hangingPunct="1">
+      <a:lvl1pPr marL="822960" indent="-822960" algn="l" defTabSz="3291840" rtl="0" eaLnBrk="1" latinLnBrk="0" hangingPunct="1">
         <a:lnSpc>
           <a:spcPct val="90000"/>
         </a:lnSpc>
         <a:spcBef>
-          <a:spcPts val="3400"/>
+          <a:spcPts val="3600"/>
         </a:spcBef>
         <a:buFont typeface="Arial" panose="020B0604020202020204" pitchFamily="34" charset="0"/>
         <a:buChar char="•"/>
-        <a:defRPr sz="9520" kern="1200">
+        <a:defRPr sz="10080" kern="1200">
           <a:solidFill>
             <a:schemeClr val="tx1"/>
           </a:solidFill>
@@ -2710,16 +2710,16 @@
           <a:cs typeface="+mn-cs"/>
         </a:defRPr>
       </a:lvl1pPr>
-      <a:lvl2pPr marL="2331720" indent="-777240" algn="l" defTabSz="3108960" rtl="0" eaLnBrk="1" latinLnBrk="0" hangingPunct="1">
+      <a:lvl2pPr marL="2468880" indent="-822960" algn="l" defTabSz="3291840" rtl="0" eaLnBrk="1" latinLnBrk="0" hangingPunct="1">
         <a:lnSpc>
           <a:spcPct val="90000"/>
         </a:lnSpc>
         <a:spcBef>
-          <a:spcPts val="1700"/>
+          <a:spcPts val="1800"/>
         </a:spcBef>
         <a:buFont typeface="Arial" panose="020B0604020202020204" pitchFamily="34" charset="0"/>
         <a:buChar char="•"/>
-        <a:defRPr sz="8160" kern="1200">
+        <a:defRPr sz="8640" kern="1200">
           <a:solidFill>
             <a:schemeClr val="tx1"/>
           </a:solidFill>
@@ -2728,16 +2728,16 @@
           <a:cs typeface="+mn-cs"/>
         </a:defRPr>
       </a:lvl2pPr>
-      <a:lvl3pPr marL="3886200" indent="-777240" algn="l" defTabSz="3108960" rtl="0" eaLnBrk="1" latinLnBrk="0" hangingPunct="1">
+      <a:lvl3pPr marL="4114800" indent="-822960" algn="l" defTabSz="3291840" rtl="0" eaLnBrk="1" latinLnBrk="0" hangingPunct="1">
         <a:lnSpc>
           <a:spcPct val="90000"/>
         </a:lnSpc>
         <a:spcBef>
-          <a:spcPts val="1700"/>
+          <a:spcPts val="1800"/>
         </a:spcBef>
         <a:buFont typeface="Arial" panose="020B0604020202020204" pitchFamily="34" charset="0"/>
         <a:buChar char="•"/>
-        <a:defRPr sz="6800" kern="1200">
+        <a:defRPr sz="7200" kern="1200">
           <a:solidFill>
             <a:schemeClr val="tx1"/>
           </a:solidFill>
@@ -2746,16 +2746,16 @@
           <a:cs typeface="+mn-cs"/>
         </a:defRPr>
       </a:lvl3pPr>
-      <a:lvl4pPr marL="5440680" indent="-777240" algn="l" defTabSz="3108960" rtl="0" eaLnBrk="1" latinLnBrk="0" hangingPunct="1">
+      <a:lvl4pPr marL="5760720" indent="-822960" algn="l" defTabSz="3291840" rtl="0" eaLnBrk="1" latinLnBrk="0" hangingPunct="1">
         <a:lnSpc>
           <a:spcPct val="90000"/>
         </a:lnSpc>
         <a:spcBef>
-          <a:spcPts val="1700"/>
+          <a:spcPts val="1800"/>
         </a:spcBef>
         <a:buFont typeface="Arial" panose="020B0604020202020204" pitchFamily="34" charset="0"/>
         <a:buChar char="•"/>
-        <a:defRPr sz="6120" kern="1200">
+        <a:defRPr sz="6480" kern="1200">
           <a:solidFill>
             <a:schemeClr val="tx1"/>
           </a:solidFill>
@@ -2764,16 +2764,16 @@
           <a:cs typeface="+mn-cs"/>
         </a:defRPr>
       </a:lvl4pPr>
-      <a:lvl5pPr marL="6995160" indent="-777240" algn="l" defTabSz="3108960" rtl="0" eaLnBrk="1" latinLnBrk="0" hangingPunct="1">
+      <a:lvl5pPr marL="7406640" indent="-822960" algn="l" defTabSz="3291840" rtl="0" eaLnBrk="1" latinLnBrk="0" hangingPunct="1">
         <a:lnSpc>
           <a:spcPct val="90000"/>
         </a:lnSpc>
         <a:spcBef>
-          <a:spcPts val="1700"/>
+          <a:spcPts val="1800"/>
         </a:spcBef>
         <a:buFont typeface="Arial" panose="020B0604020202020204" pitchFamily="34" charset="0"/>
         <a:buChar char="•"/>
-        <a:defRPr sz="6120" kern="1200">
+        <a:defRPr sz="6480" kern="1200">
           <a:solidFill>
             <a:schemeClr val="tx1"/>
           </a:solidFill>
@@ -2782,16 +2782,16 @@
           <a:cs typeface="+mn-cs"/>
         </a:defRPr>
       </a:lvl5pPr>
-      <a:lvl6pPr marL="8549640" indent="-777240" algn="l" defTabSz="3108960" rtl="0" eaLnBrk="1" latinLnBrk="0" hangingPunct="1">
+      <a:lvl6pPr marL="9052560" indent="-822960" algn="l" defTabSz="3291840" rtl="0" eaLnBrk="1" latinLnBrk="0" hangingPunct="1">
         <a:lnSpc>
           <a:spcPct val="90000"/>
         </a:lnSpc>
         <a:spcBef>
-          <a:spcPts val="1700"/>
+          <a:spcPts val="1800"/>
         </a:spcBef>
         <a:buFont typeface="Arial" panose="020B0604020202020204" pitchFamily="34" charset="0"/>
         <a:buChar char="•"/>
-        <a:defRPr sz="6120" kern="1200">
+        <a:defRPr sz="6480" kern="1200">
           <a:solidFill>
             <a:schemeClr val="tx1"/>
           </a:solidFill>
@@ -2800,16 +2800,16 @@
           <a:cs typeface="+mn-cs"/>
         </a:defRPr>
       </a:lvl6pPr>
-      <a:lvl7pPr marL="10104120" indent="-777240" algn="l" defTabSz="3108960" rtl="0" eaLnBrk="1" latinLnBrk="0" hangingPunct="1">
+      <a:lvl7pPr marL="10698480" indent="-822960" algn="l" defTabSz="3291840" rtl="0" eaLnBrk="1" latinLnBrk="0" hangingPunct="1">
         <a:lnSpc>
           <a:spcPct val="90000"/>
         </a:lnSpc>
         <a:spcBef>
-          <a:spcPts val="1700"/>
+          <a:spcPts val="1800"/>
         </a:spcBef>
         <a:buFont typeface="Arial" panose="020B0604020202020204" pitchFamily="34" charset="0"/>
         <a:buChar char="•"/>
-        <a:defRPr sz="6120" kern="1200">
+        <a:defRPr sz="6480" kern="1200">
           <a:solidFill>
             <a:schemeClr val="tx1"/>
           </a:solidFill>
@@ -2818,16 +2818,16 @@
           <a:cs typeface="+mn-cs"/>
         </a:defRPr>
       </a:lvl7pPr>
-      <a:lvl8pPr marL="11658600" indent="-777240" algn="l" defTabSz="3108960" rtl="0" eaLnBrk="1" latinLnBrk="0" hangingPunct="1">
+      <a:lvl8pPr marL="12344400" indent="-822960" algn="l" defTabSz="3291840" rtl="0" eaLnBrk="1" latinLnBrk="0" hangingPunct="1">
         <a:lnSpc>
           <a:spcPct val="90000"/>
         </a:lnSpc>
         <a:spcBef>
-          <a:spcPts val="1700"/>
+          <a:spcPts val="1800"/>
         </a:spcBef>
         <a:buFont typeface="Arial" panose="020B0604020202020204" pitchFamily="34" charset="0"/>
         <a:buChar char="•"/>
-        <a:defRPr sz="6120" kern="1200">
+        <a:defRPr sz="6480" kern="1200">
           <a:solidFill>
             <a:schemeClr val="tx1"/>
           </a:solidFill>
@@ -2836,16 +2836,16 @@
           <a:cs typeface="+mn-cs"/>
         </a:defRPr>
       </a:lvl8pPr>
-      <a:lvl9pPr marL="13213080" indent="-777240" algn="l" defTabSz="3108960" rtl="0" eaLnBrk="1" latinLnBrk="0" hangingPunct="1">
+      <a:lvl9pPr marL="13990320" indent="-822960" algn="l" defTabSz="3291840" rtl="0" eaLnBrk="1" latinLnBrk="0" hangingPunct="1">
         <a:lnSpc>
           <a:spcPct val="90000"/>
         </a:lnSpc>
         <a:spcBef>
-          <a:spcPts val="1700"/>
+          <a:spcPts val="1800"/>
         </a:spcBef>
         <a:buFont typeface="Arial" panose="020B0604020202020204" pitchFamily="34" charset="0"/>
         <a:buChar char="•"/>
-        <a:defRPr sz="6120" kern="1200">
+        <a:defRPr sz="6480" kern="1200">
           <a:solidFill>
             <a:schemeClr val="tx1"/>
           </a:solidFill>
@@ -2859,8 +2859,8 @@
       <a:defPPr>
         <a:defRPr lang="en-US"/>
       </a:defPPr>
-      <a:lvl1pPr marL="0" algn="l" defTabSz="3108960" rtl="0" eaLnBrk="1" latinLnBrk="0" hangingPunct="1">
-        <a:defRPr sz="6120" kern="1200">
+      <a:lvl1pPr marL="0" algn="l" defTabSz="3291840" rtl="0" eaLnBrk="1" latinLnBrk="0" hangingPunct="1">
+        <a:defRPr sz="6480" kern="1200">
           <a:solidFill>
             <a:schemeClr val="tx1"/>
           </a:solidFill>
@@ -2869,8 +2869,8 @@
           <a:cs typeface="+mn-cs"/>
         </a:defRPr>
       </a:lvl1pPr>
-      <a:lvl2pPr marL="1554480" algn="l" defTabSz="3108960" rtl="0" eaLnBrk="1" latinLnBrk="0" hangingPunct="1">
-        <a:defRPr sz="6120" kern="1200">
+      <a:lvl2pPr marL="1645920" algn="l" defTabSz="3291840" rtl="0" eaLnBrk="1" latinLnBrk="0" hangingPunct="1">
+        <a:defRPr sz="6480" kern="1200">
           <a:solidFill>
             <a:schemeClr val="tx1"/>
           </a:solidFill>
@@ -2879,8 +2879,8 @@
           <a:cs typeface="+mn-cs"/>
         </a:defRPr>
       </a:lvl2pPr>
-      <a:lvl3pPr marL="3108960" algn="l" defTabSz="3108960" rtl="0" eaLnBrk="1" latinLnBrk="0" hangingPunct="1">
-        <a:defRPr sz="6120" kern="1200">
+      <a:lvl3pPr marL="3291840" algn="l" defTabSz="3291840" rtl="0" eaLnBrk="1" latinLnBrk="0" hangingPunct="1">
+        <a:defRPr sz="6480" kern="1200">
           <a:solidFill>
             <a:schemeClr val="tx1"/>
           </a:solidFill>
@@ -2889,8 +2889,8 @@
           <a:cs typeface="+mn-cs"/>
         </a:defRPr>
       </a:lvl3pPr>
-      <a:lvl4pPr marL="4663440" algn="l" defTabSz="3108960" rtl="0" eaLnBrk="1" latinLnBrk="0" hangingPunct="1">
-        <a:defRPr sz="6120" kern="1200">
+      <a:lvl4pPr marL="4937760" algn="l" defTabSz="3291840" rtl="0" eaLnBrk="1" latinLnBrk="0" hangingPunct="1">
+        <a:defRPr sz="6480" kern="1200">
           <a:solidFill>
             <a:schemeClr val="tx1"/>
           </a:solidFill>
@@ -2899,8 +2899,8 @@
           <a:cs typeface="+mn-cs"/>
         </a:defRPr>
       </a:lvl4pPr>
-      <a:lvl5pPr marL="6217920" algn="l" defTabSz="3108960" rtl="0" eaLnBrk="1" latinLnBrk="0" hangingPunct="1">
-        <a:defRPr sz="6120" kern="1200">
+      <a:lvl5pPr marL="6583680" algn="l" defTabSz="3291840" rtl="0" eaLnBrk="1" latinLnBrk="0" hangingPunct="1">
+        <a:defRPr sz="6480" kern="1200">
           <a:solidFill>
             <a:schemeClr val="tx1"/>
           </a:solidFill>
@@ -2909,8 +2909,8 @@
           <a:cs typeface="+mn-cs"/>
         </a:defRPr>
       </a:lvl5pPr>
-      <a:lvl6pPr marL="7772400" algn="l" defTabSz="3108960" rtl="0" eaLnBrk="1" latinLnBrk="0" hangingPunct="1">
-        <a:defRPr sz="6120" kern="1200">
+      <a:lvl6pPr marL="8229600" algn="l" defTabSz="3291840" rtl="0" eaLnBrk="1" latinLnBrk="0" hangingPunct="1">
+        <a:defRPr sz="6480" kern="1200">
           <a:solidFill>
             <a:schemeClr val="tx1"/>
           </a:solidFill>
@@ -2919,8 +2919,8 @@
           <a:cs typeface="+mn-cs"/>
         </a:defRPr>
       </a:lvl6pPr>
-      <a:lvl7pPr marL="9326880" algn="l" defTabSz="3108960" rtl="0" eaLnBrk="1" latinLnBrk="0" hangingPunct="1">
-        <a:defRPr sz="6120" kern="1200">
+      <a:lvl7pPr marL="9875520" algn="l" defTabSz="3291840" rtl="0" eaLnBrk="1" latinLnBrk="0" hangingPunct="1">
+        <a:defRPr sz="6480" kern="1200">
           <a:solidFill>
             <a:schemeClr val="tx1"/>
           </a:solidFill>
@@ -2929,8 +2929,8 @@
           <a:cs typeface="+mn-cs"/>
         </a:defRPr>
       </a:lvl7pPr>
-      <a:lvl8pPr marL="10881360" algn="l" defTabSz="3108960" rtl="0" eaLnBrk="1" latinLnBrk="0" hangingPunct="1">
-        <a:defRPr sz="6120" kern="1200">
+      <a:lvl8pPr marL="11521440" algn="l" defTabSz="3291840" rtl="0" eaLnBrk="1" latinLnBrk="0" hangingPunct="1">
+        <a:defRPr sz="6480" kern="1200">
           <a:solidFill>
             <a:schemeClr val="tx1"/>
           </a:solidFill>
@@ -2939,8 +2939,8 @@
           <a:cs typeface="+mn-cs"/>
         </a:defRPr>
       </a:lvl8pPr>
-      <a:lvl9pPr marL="12435840" algn="l" defTabSz="3108960" rtl="0" eaLnBrk="1" latinLnBrk="0" hangingPunct="1">
-        <a:defRPr sz="6120" kern="1200">
+      <a:lvl9pPr marL="13167360" algn="l" defTabSz="3291840" rtl="0" eaLnBrk="1" latinLnBrk="0" hangingPunct="1">
+        <a:defRPr sz="6480" kern="1200">
           <a:solidFill>
             <a:schemeClr val="tx1"/>
           </a:solidFill>
@@ -2971,6 +2971,186 @@
           <a:chExt cx="0" cy="0"/>
         </a:xfrm>
       </p:grpSpPr>
+      <p:pic>
+        <p:nvPicPr>
+          <p:cNvPr id="400" name="Picture 399">
+            <a:extLst>
+              <a:ext uri="{FF2B5EF4-FFF2-40B4-BE49-F238E27FC236}">
+                <a16:creationId xmlns:a16="http://schemas.microsoft.com/office/drawing/2014/main" id="{B9D58ADB-86EF-A5CF-8F69-31544B1C3744}"/>
+              </a:ext>
+            </a:extLst>
+          </p:cNvPr>
+          <p:cNvPicPr>
+            <a:picLocks noChangeAspect="1"/>
+          </p:cNvPicPr>
+          <p:nvPr/>
+        </p:nvPicPr>
+        <p:blipFill>
+          <a:blip r:embed="rId2"/>
+          <a:stretch>
+            <a:fillRect/>
+          </a:stretch>
+        </p:blipFill>
+        <p:spPr>
+          <a:xfrm>
+            <a:off x="27636326" y="12952173"/>
+            <a:ext cx="4237387" cy="3255264"/>
+          </a:xfrm>
+          <a:prstGeom prst="rect">
+            <a:avLst/>
+          </a:prstGeom>
+        </p:spPr>
+      </p:pic>
+      <p:pic>
+        <p:nvPicPr>
+          <p:cNvPr id="416" name="Picture 415">
+            <a:extLst>
+              <a:ext uri="{FF2B5EF4-FFF2-40B4-BE49-F238E27FC236}">
+                <a16:creationId xmlns:a16="http://schemas.microsoft.com/office/drawing/2014/main" id="{B497DCD6-FCF3-5EC8-F791-FD52965A1730}"/>
+              </a:ext>
+            </a:extLst>
+          </p:cNvPr>
+          <p:cNvPicPr>
+            <a:picLocks noChangeAspect="1"/>
+          </p:cNvPicPr>
+          <p:nvPr/>
+        </p:nvPicPr>
+        <p:blipFill>
+          <a:blip r:embed="rId3"/>
+          <a:stretch>
+            <a:fillRect/>
+          </a:stretch>
+        </p:blipFill>
+        <p:spPr>
+          <a:xfrm>
+            <a:off x="18205692" y="12917086"/>
+            <a:ext cx="4303300" cy="3255264"/>
+          </a:xfrm>
+          <a:prstGeom prst="rect">
+            <a:avLst/>
+          </a:prstGeom>
+        </p:spPr>
+      </p:pic>
+      <p:pic>
+        <p:nvPicPr>
+          <p:cNvPr id="395" name="Picture 394">
+            <a:extLst>
+              <a:ext uri="{FF2B5EF4-FFF2-40B4-BE49-F238E27FC236}">
+                <a16:creationId xmlns:a16="http://schemas.microsoft.com/office/drawing/2014/main" id="{179D2ED8-39D3-0570-BE86-5CF13AAD0769}"/>
+              </a:ext>
+            </a:extLst>
+          </p:cNvPr>
+          <p:cNvPicPr>
+            <a:picLocks noChangeAspect="1"/>
+          </p:cNvPicPr>
+          <p:nvPr/>
+        </p:nvPicPr>
+        <p:blipFill>
+          <a:blip r:embed="rId4"/>
+          <a:stretch>
+            <a:fillRect/>
+          </a:stretch>
+        </p:blipFill>
+        <p:spPr>
+          <a:xfrm>
+            <a:off x="23347288" y="12954444"/>
+            <a:ext cx="4237387" cy="3255264"/>
+          </a:xfrm>
+          <a:prstGeom prst="rect">
+            <a:avLst/>
+          </a:prstGeom>
+        </p:spPr>
+      </p:pic>
+      <p:pic>
+        <p:nvPicPr>
+          <p:cNvPr id="393" name="Picture 392">
+            <a:extLst>
+              <a:ext uri="{FF2B5EF4-FFF2-40B4-BE49-F238E27FC236}">
+                <a16:creationId xmlns:a16="http://schemas.microsoft.com/office/drawing/2014/main" id="{482A40E5-273F-0049-9804-0229C0C9745F}"/>
+              </a:ext>
+            </a:extLst>
+          </p:cNvPr>
+          <p:cNvPicPr>
+            <a:picLocks noChangeAspect="1"/>
+          </p:cNvPicPr>
+          <p:nvPr/>
+        </p:nvPicPr>
+        <p:blipFill>
+          <a:blip r:embed="rId5"/>
+          <a:stretch>
+            <a:fillRect/>
+          </a:stretch>
+        </p:blipFill>
+        <p:spPr>
+          <a:xfrm>
+            <a:off x="18304546" y="8417953"/>
+            <a:ext cx="4208591" cy="3255264"/>
+          </a:xfrm>
+          <a:prstGeom prst="rect">
+            <a:avLst/>
+          </a:prstGeom>
+        </p:spPr>
+      </p:pic>
+      <p:pic>
+        <p:nvPicPr>
+          <p:cNvPr id="388" name="Picture 387">
+            <a:extLst>
+              <a:ext uri="{FF2B5EF4-FFF2-40B4-BE49-F238E27FC236}">
+                <a16:creationId xmlns:a16="http://schemas.microsoft.com/office/drawing/2014/main" id="{93E0FE1A-F24B-3E43-20CD-C0C88F3C9763}"/>
+              </a:ext>
+            </a:extLst>
+          </p:cNvPr>
+          <p:cNvPicPr>
+            <a:picLocks noChangeAspect="1"/>
+          </p:cNvPicPr>
+          <p:nvPr/>
+        </p:nvPicPr>
+        <p:blipFill>
+          <a:blip r:embed="rId6"/>
+          <a:stretch>
+            <a:fillRect/>
+          </a:stretch>
+        </p:blipFill>
+        <p:spPr>
+          <a:xfrm>
+            <a:off x="27518862" y="8417258"/>
+            <a:ext cx="4267141" cy="3255264"/>
+          </a:xfrm>
+          <a:prstGeom prst="rect">
+            <a:avLst/>
+          </a:prstGeom>
+        </p:spPr>
+      </p:pic>
+      <p:pic>
+        <p:nvPicPr>
+          <p:cNvPr id="376" name="Picture 375">
+            <a:extLst>
+              <a:ext uri="{FF2B5EF4-FFF2-40B4-BE49-F238E27FC236}">
+                <a16:creationId xmlns:a16="http://schemas.microsoft.com/office/drawing/2014/main" id="{447D31A7-E908-3B95-5DC1-D81AA39D9601}"/>
+              </a:ext>
+            </a:extLst>
+          </p:cNvPr>
+          <p:cNvPicPr>
+            <a:picLocks noChangeAspect="1"/>
+          </p:cNvPicPr>
+          <p:nvPr/>
+        </p:nvPicPr>
+        <p:blipFill>
+          <a:blip r:embed="rId7"/>
+          <a:stretch>
+            <a:fillRect/>
+          </a:stretch>
+        </p:blipFill>
+        <p:spPr>
+          <a:xfrm>
+            <a:off x="23257554" y="8411622"/>
+            <a:ext cx="4261306" cy="3250813"/>
+          </a:xfrm>
+          <a:prstGeom prst="rect">
+            <a:avLst/>
+          </a:prstGeom>
+        </p:spPr>
+      </p:pic>
       <p:sp>
         <p:nvSpPr>
           <p:cNvPr id="230" name="Google Shape;320;p28">
@@ -2985,8 +3165,8 @@
         </p:nvSpPr>
         <p:spPr>
           <a:xfrm rot="16200000">
-            <a:off x="19598555" y="12907627"/>
-            <a:ext cx="5813460" cy="738633"/>
+            <a:off x="20044901" y="14137717"/>
+            <a:ext cx="5813460" cy="569356"/>
           </a:xfrm>
           <a:prstGeom prst="rect">
             <a:avLst/>
@@ -3002,23 +3182,15 @@
           </a:bodyPr>
           <a:lstStyle/>
           <a:p>
-            <a:pPr marL="0" lvl="0" indent="0" algn="ctr" rtl="0">
-              <a:spcBef>
-                <a:spcPts val="0"/>
-              </a:spcBef>
-              <a:spcAft>
-                <a:spcPts val="0"/>
-              </a:spcAft>
-              <a:buNone/>
-            </a:pPr>
-            <a:r>
-              <a:rPr lang="en" sz="3600" b="1" dirty="0">
+            <a:pPr algn="ctr"/>
+            <a:r>
+              <a:rPr lang="en" sz="2500" b="1" dirty="0">
                 <a:latin typeface="Times New Roman" panose="02020603050405020304" pitchFamily="18" charset="0"/>
                 <a:cs typeface="Times New Roman" panose="02020603050405020304" pitchFamily="18" charset="0"/>
               </a:rPr>
               <a:t>Population Density</a:t>
             </a:r>
-            <a:endParaRPr sz="3600" b="1" dirty="0">
+            <a:endParaRPr sz="2500" b="1" dirty="0">
               <a:latin typeface="Times New Roman" panose="02020603050405020304" pitchFamily="18" charset="0"/>
               <a:cs typeface="Times New Roman" panose="02020603050405020304" pitchFamily="18" charset="0"/>
             </a:endParaRPr>
@@ -3039,8 +3211,8 @@
         </p:nvSpPr>
         <p:spPr>
           <a:xfrm rot="16200000">
-            <a:off x="19638364" y="8459027"/>
-            <a:ext cx="5813460" cy="738633"/>
+            <a:off x="20047438" y="9815843"/>
+            <a:ext cx="5813460" cy="569356"/>
           </a:xfrm>
           <a:prstGeom prst="rect">
             <a:avLst/>
@@ -3056,23 +3228,15 @@
           </a:bodyPr>
           <a:lstStyle/>
           <a:p>
-            <a:pPr marL="0" lvl="0" indent="0" algn="ctr" rtl="0">
-              <a:spcBef>
-                <a:spcPts val="0"/>
-              </a:spcBef>
-              <a:spcAft>
-                <a:spcPts val="0"/>
-              </a:spcAft>
-              <a:buNone/>
-            </a:pPr>
-            <a:r>
-              <a:rPr lang="en" sz="3600" b="1" dirty="0">
+            <a:pPr algn="ctr"/>
+            <a:r>
+              <a:rPr lang="en" sz="2500" b="1" dirty="0">
                 <a:latin typeface="Times New Roman" panose="02020603050405020304" pitchFamily="18" charset="0"/>
                 <a:cs typeface="Times New Roman" panose="02020603050405020304" pitchFamily="18" charset="0"/>
               </a:rPr>
               <a:t>Population Density</a:t>
             </a:r>
-            <a:endParaRPr sz="3600" b="1" dirty="0">
+            <a:endParaRPr sz="2500" b="1" dirty="0">
               <a:latin typeface="Times New Roman" panose="02020603050405020304" pitchFamily="18" charset="0"/>
               <a:cs typeface="Times New Roman" panose="02020603050405020304" pitchFamily="18" charset="0"/>
             </a:endParaRPr>
@@ -3094,7 +3258,7 @@
           <p:nvPr/>
         </p:nvPicPr>
         <p:blipFill>
-          <a:blip r:embed="rId2">
+          <a:blip r:embed="rId8">
             <a:extLst>
               <a:ext uri="{28A0092B-C50C-407E-A947-70E740481C1C}">
                 <a14:useLocalDpi xmlns:a14="http://schemas.microsoft.com/office/drawing/2010/main" val="0"/>
@@ -3107,7 +3271,7 @@
         </p:blipFill>
         <p:spPr>
           <a:xfrm>
-            <a:off x="1238324" y="804342"/>
+            <a:off x="2152726" y="1718744"/>
             <a:ext cx="5840749" cy="2640091"/>
           </a:xfrm>
           <a:prstGeom prst="rect">
@@ -3129,7 +3293,7 @@
         </p:nvSpPr>
         <p:spPr>
           <a:xfrm>
-            <a:off x="8001000" y="13935"/>
+            <a:off x="8915402" y="928337"/>
             <a:ext cx="15087601" cy="5512109"/>
           </a:xfrm>
           <a:prstGeom prst="rect">
@@ -3162,7 +3326,6 @@
                 <a:solidFill>
                   <a:srgbClr val="000000"/>
                 </a:solidFill>
-                <a:effectLst/>
                 <a:latin typeface="Avenir Book" panose="02000503020000020003" pitchFamily="2" charset="0"/>
               </a:rPr>
               <a:t>Population Dynamics of Temperate Phage and the Potential Emergence of Phage-Host Coalitions</a:t>
@@ -3502,14 +3665,14 @@
           <p:nvPr/>
         </p:nvPicPr>
         <p:blipFill>
-          <a:blip r:embed="rId3"/>
+          <a:blip r:embed="rId9"/>
           <a:stretch>
             <a:fillRect/>
           </a:stretch>
         </p:blipFill>
         <p:spPr>
           <a:xfrm>
-            <a:off x="24473629" y="445338"/>
+            <a:off x="25388029" y="1359738"/>
             <a:ext cx="3665838" cy="3440516"/>
           </a:xfrm>
           <a:prstGeom prst="rect">
@@ -3531,8 +3694,8 @@
         </p:nvSpPr>
         <p:spPr>
           <a:xfrm>
-            <a:off x="171759" y="22654134"/>
-            <a:ext cx="15081048" cy="1815882"/>
+            <a:off x="1074396" y="23568534"/>
+            <a:ext cx="15093483" cy="1631216"/>
           </a:xfrm>
           <a:prstGeom prst="rect">
             <a:avLst/>
@@ -3547,96 +3710,96 @@
           <a:p>
             <a:pPr algn="just"/>
             <a:r>
-              <a:rPr lang="en-US" sz="2800" b="1" dirty="0">
+              <a:rPr lang="en-US" sz="2500" b="1" dirty="0">
                 <a:latin typeface="Avenir Book" panose="02000503020000020003" pitchFamily="2" charset="0"/>
               </a:rPr>
               <a:t>Figure 2. Nonlinear dynamical systems model: </a:t>
             </a:r>
             <a:r>
-              <a:rPr lang="en-US" sz="2800" dirty="0">
+              <a:rPr lang="en-US" sz="2500" dirty="0">
                 <a:latin typeface="Avenir Book" panose="02000503020000020003" pitchFamily="2" charset="0"/>
               </a:rPr>
               <a:t>temperate phages, </a:t>
             </a:r>
             <a:r>
-              <a:rPr lang="en-US" sz="2800" i="1" dirty="0">
+              <a:rPr lang="en-US" sz="2500" i="1" dirty="0">
                 <a:latin typeface="Avenir Book" panose="02000503020000020003" pitchFamily="2" charset="0"/>
               </a:rPr>
               <a:t>V</a:t>
             </a:r>
             <a:r>
-              <a:rPr lang="en-US" sz="2800" i="1" baseline="-25000" dirty="0">
+              <a:rPr lang="en-US" sz="2500" i="1" baseline="-25000" dirty="0">
                 <a:latin typeface="Avenir Book" panose="02000503020000020003" pitchFamily="2" charset="0"/>
               </a:rPr>
               <a:t>A</a:t>
             </a:r>
             <a:r>
-              <a:rPr lang="en-US" sz="2800" dirty="0">
+              <a:rPr lang="en-US" sz="2500" dirty="0">
                 <a:latin typeface="Avenir Book" panose="02000503020000020003" pitchFamily="2" charset="0"/>
               </a:rPr>
               <a:t> and </a:t>
             </a:r>
             <a:r>
-              <a:rPr lang="en-US" sz="2800" i="1" dirty="0">
+              <a:rPr lang="en-US" sz="2500" i="1" dirty="0">
                 <a:latin typeface="Avenir Book" panose="02000503020000020003" pitchFamily="2" charset="0"/>
               </a:rPr>
               <a:t>V</a:t>
             </a:r>
             <a:r>
-              <a:rPr lang="en-US" sz="2800" i="1" baseline="-25000" dirty="0">
+              <a:rPr lang="en-US" sz="2500" i="1" baseline="-25000" dirty="0">
                 <a:latin typeface="Avenir Book" panose="02000503020000020003" pitchFamily="2" charset="0"/>
               </a:rPr>
               <a:t>B</a:t>
             </a:r>
             <a:r>
-              <a:rPr lang="en-US" sz="2800" dirty="0">
+              <a:rPr lang="en-US" sz="2500" dirty="0">
                 <a:latin typeface="Avenir Book" panose="02000503020000020003" pitchFamily="2" charset="0"/>
               </a:rPr>
               <a:t>, with their lysogenized hosts, </a:t>
             </a:r>
             <a:r>
-              <a:rPr lang="en-US" sz="2800" i="1" dirty="0">
+              <a:rPr lang="en-US" sz="2500" i="1" dirty="0">
                 <a:latin typeface="Avenir Book" panose="02000503020000020003" pitchFamily="2" charset="0"/>
               </a:rPr>
               <a:t>L</a:t>
             </a:r>
             <a:r>
-              <a:rPr lang="en-US" sz="2800" i="1" baseline="-25000" dirty="0">
+              <a:rPr lang="en-US" sz="2500" i="1" baseline="-25000" dirty="0">
                 <a:latin typeface="Avenir Book" panose="02000503020000020003" pitchFamily="2" charset="0"/>
               </a:rPr>
               <a:t>A</a:t>
             </a:r>
             <a:r>
-              <a:rPr lang="en-US" sz="2800" dirty="0">
+              <a:rPr lang="en-US" sz="2500" dirty="0">
                 <a:latin typeface="Avenir Book" panose="02000503020000020003" pitchFamily="2" charset="0"/>
               </a:rPr>
               <a:t> and </a:t>
             </a:r>
             <a:r>
-              <a:rPr lang="en-US" sz="2800" i="1" dirty="0">
+              <a:rPr lang="en-US" sz="2500" i="1" dirty="0">
                 <a:latin typeface="Avenir Book" panose="02000503020000020003" pitchFamily="2" charset="0"/>
               </a:rPr>
               <a:t>L</a:t>
             </a:r>
             <a:r>
-              <a:rPr lang="en-US" sz="2800" i="1" baseline="-25000" dirty="0">
+              <a:rPr lang="en-US" sz="2500" i="1" baseline="-25000" dirty="0">
                 <a:latin typeface="Avenir Book" panose="02000503020000020003" pitchFamily="2" charset="0"/>
               </a:rPr>
               <a:t>B</a:t>
             </a:r>
             <a:r>
-              <a:rPr lang="en-US" sz="2800" i="1" dirty="0">
+              <a:rPr lang="en-US" sz="2500" i="1" dirty="0">
                 <a:latin typeface="Avenir Book" panose="02000503020000020003" pitchFamily="2" charset="0"/>
               </a:rPr>
               <a:t>. </a:t>
             </a:r>
             <a:r>
-              <a:rPr lang="en-US" sz="2800" dirty="0">
+              <a:rPr lang="en-US" sz="2500" dirty="0">
                 <a:latin typeface="Avenir Book" panose="02000503020000020003" pitchFamily="2" charset="0"/>
               </a:rPr>
               <a:t>Lysogens spontaneously induce (dashed arrows), leaving small pools of free phages. These temperate phages can adsorb to their corresponding lysogens (solid arrows) and lyse opposing lysogens (blunt arrows). </a:t>
             </a:r>
-            <a:endParaRPr lang="en-US" sz="2800" baseline="-25000" dirty="0">
+            <a:endParaRPr lang="en-US" sz="2500" baseline="-25000" dirty="0">
               <a:latin typeface="Avenir Book" panose="02000503020000020003" pitchFamily="2" charset="0"/>
             </a:endParaRPr>
           </a:p>
@@ -3656,7 +3819,7 @@
         </p:nvSpPr>
         <p:spPr>
           <a:xfrm>
-            <a:off x="2129051" y="6744795"/>
+            <a:off x="3043451" y="7889853"/>
             <a:ext cx="12002522" cy="1569660"/>
           </a:xfrm>
           <a:prstGeom prst="rect">
@@ -3698,7 +3861,7 @@
         </p:nvSpPr>
         <p:spPr>
           <a:xfrm>
-            <a:off x="171759" y="17322813"/>
+            <a:off x="1086159" y="18360785"/>
             <a:ext cx="15087600" cy="830997"/>
           </a:xfrm>
           <a:prstGeom prst="rect">
@@ -3760,7 +3923,7 @@
         </p:nvSpPr>
         <p:spPr>
           <a:xfrm>
-            <a:off x="171759" y="5921614"/>
+            <a:off x="1086159" y="6836016"/>
             <a:ext cx="15087600" cy="830997"/>
           </a:xfrm>
           <a:prstGeom prst="rect">
@@ -3824,7 +3987,7 @@
         </p:nvSpPr>
         <p:spPr>
           <a:xfrm>
-            <a:off x="15830242" y="5899001"/>
+            <a:off x="16744642" y="6813403"/>
             <a:ext cx="15087600" cy="830997"/>
           </a:xfrm>
           <a:prstGeom prst="rect">
@@ -3880,7 +4043,7 @@
         </p:nvSpPr>
         <p:spPr>
           <a:xfrm>
-            <a:off x="15828264" y="27224214"/>
+            <a:off x="16742664" y="28138616"/>
             <a:ext cx="15087600" cy="830997"/>
           </a:xfrm>
           <a:prstGeom prst="rect">
@@ -3936,7 +4099,7 @@
         </p:nvSpPr>
         <p:spPr>
           <a:xfrm>
-            <a:off x="15871711" y="31083976"/>
+            <a:off x="16786111" y="32034954"/>
             <a:ext cx="15087600" cy="830997"/>
           </a:xfrm>
           <a:prstGeom prst="rect">
@@ -3992,8 +4155,8 @@
         </p:nvSpPr>
         <p:spPr>
           <a:xfrm>
-            <a:off x="15855233" y="31947620"/>
-            <a:ext cx="15060632" cy="2677656"/>
+            <a:off x="16769633" y="32971748"/>
+            <a:ext cx="15060632" cy="1631216"/>
           </a:xfrm>
           <a:prstGeom prst="rect">
             <a:avLst/>
@@ -4008,37 +4171,34 @@
           <a:p>
             <a:pPr algn="just"/>
             <a:r>
-              <a:rPr lang="en-US" sz="2800" dirty="0">
+              <a:rPr lang="en-US" sz="2500" dirty="0">
                 <a:latin typeface="Avenir Book" panose="02000503020000020003" pitchFamily="2" charset="0"/>
               </a:rPr>
               <a:t>[1] </a:t>
             </a:r>
             <a:r>
-              <a:rPr lang="en-US" sz="2800" b="0" i="0" dirty="0">
+              <a:rPr lang="en-US" sz="2500" dirty="0">
                 <a:solidFill>
                   <a:srgbClr val="222222"/>
                 </a:solidFill>
-                <a:effectLst/>
                 <a:latin typeface="Avenir Book" panose="02000503020000020003" pitchFamily="2" charset="0"/>
               </a:rPr>
               <a:t>Basso, Jonelle, et al., Buchan, Alison. "Genetically similar temperate phages form coalitions with their shared host that lead to niche-specific fitness effects." </a:t>
             </a:r>
             <a:r>
-              <a:rPr lang="en-US" sz="2800" b="0" i="1" dirty="0">
+              <a:rPr lang="en-US" sz="2500" i="1" dirty="0">
                 <a:solidFill>
                   <a:srgbClr val="222222"/>
                 </a:solidFill>
-                <a:effectLst/>
                 <a:latin typeface="Avenir Book" panose="02000503020000020003" pitchFamily="2" charset="0"/>
               </a:rPr>
               <a:t>The ISME journal</a:t>
             </a:r>
             <a:r>
-              <a:rPr lang="en-US" sz="2800" b="0" i="0" dirty="0">
+              <a:rPr lang="en-US" sz="2500" dirty="0">
                 <a:solidFill>
                   <a:srgbClr val="222222"/>
                 </a:solidFill>
-                <a:effectLst/>
                 <a:latin typeface="Avenir Book" panose="02000503020000020003" pitchFamily="2" charset="0"/>
               </a:rPr>
               <a:t> 14.7 (2020): 1688-1700.</a:t>
@@ -4047,57 +4207,52 @@
           <a:p>
             <a:pPr algn="just"/>
             <a:r>
-              <a:rPr lang="en-US" sz="2800" dirty="0">
+              <a:rPr lang="en-US" sz="2500" dirty="0">
                 <a:latin typeface="Avenir Book" panose="02000503020000020003" pitchFamily="2" charset="0"/>
               </a:rPr>
               <a:t>[2] </a:t>
             </a:r>
             <a:r>
-              <a:rPr lang="en-US" sz="2800" b="0" i="0" dirty="0">
+              <a:rPr lang="en-US" sz="2500" dirty="0">
                 <a:solidFill>
                   <a:srgbClr val="222222"/>
                 </a:solidFill>
-                <a:effectLst/>
                 <a:latin typeface="Avenir Book" panose="02000503020000020003" pitchFamily="2" charset="0"/>
               </a:rPr>
               <a:t>Harrison, Ellie, and Michael A. </a:t>
             </a:r>
             <a:r>
-              <a:rPr lang="en-US" sz="2800" b="0" i="0" dirty="0" err="1">
+              <a:rPr lang="en-US" sz="2500" dirty="0" err="1">
                 <a:solidFill>
                   <a:srgbClr val="222222"/>
                 </a:solidFill>
-                <a:effectLst/>
                 <a:latin typeface="Avenir Book" panose="02000503020000020003" pitchFamily="2" charset="0"/>
               </a:rPr>
               <a:t>Brockhurst</a:t>
             </a:r>
             <a:r>
-              <a:rPr lang="en-US" sz="2800" b="0" i="0" dirty="0">
+              <a:rPr lang="en-US" sz="2500" dirty="0">
                 <a:solidFill>
                   <a:srgbClr val="222222"/>
                 </a:solidFill>
-                <a:effectLst/>
                 <a:latin typeface="Avenir Book" panose="02000503020000020003" pitchFamily="2" charset="0"/>
               </a:rPr>
               <a:t>. "Ecological and evolutionary benefits of temperate phage: what does or doesn't kill you makes you stronger." </a:t>
             </a:r>
             <a:r>
-              <a:rPr lang="en-US" sz="2800" b="0" i="1" dirty="0" err="1">
+              <a:rPr lang="en-US" sz="2500" i="1" dirty="0" err="1">
                 <a:solidFill>
                   <a:srgbClr val="222222"/>
                 </a:solidFill>
-                <a:effectLst/>
                 <a:latin typeface="Avenir Book" panose="02000503020000020003" pitchFamily="2" charset="0"/>
               </a:rPr>
               <a:t>BioEssays</a:t>
             </a:r>
             <a:r>
-              <a:rPr lang="en-US" sz="2800" b="0" i="0" dirty="0">
+              <a:rPr lang="en-US" sz="2500" dirty="0">
                 <a:solidFill>
                   <a:srgbClr val="222222"/>
                 </a:solidFill>
-                <a:effectLst/>
                 <a:latin typeface="Avenir Book" panose="02000503020000020003" pitchFamily="2" charset="0"/>
               </a:rPr>
               <a:t> 39.12 (2017): 1700112.</a:t>
@@ -4120,14 +4275,14 @@
           <p:nvPr/>
         </p:nvPicPr>
         <p:blipFill>
-          <a:blip r:embed="rId4"/>
+          <a:blip r:embed="rId10"/>
           <a:stretch>
             <a:fillRect/>
           </a:stretch>
         </p:blipFill>
         <p:spPr>
           <a:xfrm>
-            <a:off x="6659148" y="18404220"/>
+            <a:off x="7573550" y="19318620"/>
             <a:ext cx="7897887" cy="4094800"/>
           </a:xfrm>
           <a:prstGeom prst="rect">
@@ -4150,14 +4305,14 @@
           <p:nvPr/>
         </p:nvPicPr>
         <p:blipFill>
-          <a:blip r:embed="rId5"/>
+          <a:blip r:embed="rId11"/>
           <a:stretch>
             <a:fillRect/>
           </a:stretch>
         </p:blipFill>
         <p:spPr>
           <a:xfrm>
-            <a:off x="599497" y="19631398"/>
+            <a:off x="1513897" y="20545800"/>
             <a:ext cx="5376452" cy="1788945"/>
           </a:xfrm>
           <a:prstGeom prst="rect">
@@ -4179,8 +4334,8 @@
         </p:nvSpPr>
         <p:spPr>
           <a:xfrm>
-            <a:off x="15828264" y="28133089"/>
-            <a:ext cx="12913045" cy="1384995"/>
+            <a:off x="16742666" y="29193795"/>
+            <a:ext cx="12913045" cy="1246495"/>
           </a:xfrm>
           <a:prstGeom prst="rect">
             <a:avLst/>
@@ -4194,7 +4349,7 @@
           <a:lstStyle/>
           <a:p>
             <a:r>
-              <a:rPr lang="en-US" sz="2800" b="1" dirty="0">
+              <a:rPr lang="en-US" sz="2500" b="1" dirty="0">
                 <a:latin typeface="Avenir Book" panose="02000503020000020003" pitchFamily="2" charset="0"/>
               </a:rPr>
               <a:t>Phages act in cahoots with hosts in competition:</a:t>
@@ -4206,7 +4361,7 @@
               <a:buAutoNum type="arabicPeriod"/>
             </a:pPr>
             <a:r>
-              <a:rPr lang="en-US" sz="2800" dirty="0">
+              <a:rPr lang="en-US" sz="2500" dirty="0">
                 <a:latin typeface="Avenir Book" panose="02000503020000020003" pitchFamily="2" charset="0"/>
               </a:rPr>
               <a:t> a “buffer” against invasion </a:t>
@@ -4218,7 +4373,7 @@
               <a:buAutoNum type="arabicPeriod"/>
             </a:pPr>
             <a:r>
-              <a:rPr lang="en-US" sz="2800" dirty="0">
+              <a:rPr lang="en-US" sz="2500" dirty="0">
                 <a:latin typeface="Avenir Book" panose="02000503020000020003" pitchFamily="2" charset="0"/>
               </a:rPr>
               <a:t> “weapons” to deploy during invasion</a:t>
@@ -4240,7 +4395,7 @@
         </p:nvSpPr>
         <p:spPr>
           <a:xfrm>
-            <a:off x="2199603" y="4632473"/>
+            <a:off x="3114005" y="5546873"/>
             <a:ext cx="6904441" cy="1005916"/>
           </a:xfrm>
           <a:prstGeom prst="rect">
@@ -4263,7 +4418,7 @@
               <a:rPr lang="en-US" sz="2800" b="1" dirty="0">
                 <a:latin typeface="Avenir Book" panose="02000503020000020003" pitchFamily="2" charset="0"/>
               </a:rPr>
-              <a:t>email:</a:t>
+              <a:t>Email:</a:t>
             </a:r>
             <a:r>
               <a:rPr lang="en-US" sz="2800" dirty="0">
@@ -4291,7 +4446,7 @@
               <a:rPr lang="en-US" sz="2800" b="1" dirty="0">
                 <a:latin typeface="Avenir Book" panose="02000503020000020003" pitchFamily="2" charset="0"/>
               </a:rPr>
-              <a:t>website: </a:t>
+              <a:t>Website: </a:t>
             </a:r>
             <a:r>
               <a:rPr lang="en-US" sz="2800" dirty="0">
@@ -4340,7 +4495,7 @@
         </p:nvGrpSpPr>
         <p:grpSpPr>
           <a:xfrm>
-            <a:off x="23667960" y="4577138"/>
+            <a:off x="24582362" y="5491538"/>
             <a:ext cx="6451425" cy="952266"/>
             <a:chOff x="22777555" y="4559733"/>
             <a:chExt cx="6451425" cy="952266"/>
@@ -4361,7 +4516,7 @@
             <p:nvPr/>
           </p:nvPicPr>
           <p:blipFill>
-            <a:blip r:embed="rId6"/>
+            <a:blip r:embed="rId12"/>
             <a:stretch>
               <a:fillRect/>
             </a:stretch>
@@ -4465,7 +4620,7 @@
         </p:nvGrpSpPr>
         <p:grpSpPr>
           <a:xfrm>
-            <a:off x="600882" y="9064264"/>
+            <a:off x="1515282" y="10209322"/>
             <a:ext cx="15362208" cy="6209202"/>
             <a:chOff x="815941" y="9164051"/>
             <a:chExt cx="15362208" cy="6209202"/>
@@ -4486,7 +4641,7 @@
             <p:nvPr/>
           </p:nvPicPr>
           <p:blipFill>
-            <a:blip r:embed="rId7"/>
+            <a:blip r:embed="rId13"/>
             <a:stretch>
               <a:fillRect/>
             </a:stretch>
@@ -4553,7 +4708,7 @@
             <p:nvPr/>
           </p:nvPicPr>
           <p:blipFill>
-            <a:blip r:embed="rId8"/>
+            <a:blip r:embed="rId14"/>
             <a:stretch>
               <a:fillRect/>
             </a:stretch>
@@ -4620,7 +4775,7 @@
         </p:nvSpPr>
         <p:spPr>
           <a:xfrm>
-            <a:off x="1251706" y="8301810"/>
+            <a:off x="2166106" y="9446870"/>
             <a:ext cx="5486400" cy="1323439"/>
           </a:xfrm>
           <a:prstGeom prst="rect">
@@ -4667,7 +4822,7 @@
         </p:nvSpPr>
         <p:spPr>
           <a:xfrm>
-            <a:off x="8767361" y="8301810"/>
+            <a:off x="9681761" y="9446870"/>
             <a:ext cx="5486400" cy="1323439"/>
           </a:xfrm>
           <a:prstGeom prst="rect">
@@ -4714,8 +4869,8 @@
         </p:nvSpPr>
         <p:spPr>
           <a:xfrm>
-            <a:off x="15870673" y="29390540"/>
-            <a:ext cx="12913045" cy="1384995"/>
+            <a:off x="16785075" y="30451246"/>
+            <a:ext cx="12913045" cy="1246495"/>
           </a:xfrm>
           <a:prstGeom prst="rect">
             <a:avLst/>
@@ -4729,7 +4884,7 @@
           <a:lstStyle/>
           <a:p>
             <a:r>
-              <a:rPr lang="en-US" sz="2800" b="1" dirty="0">
+              <a:rPr lang="en-US" sz="2500" b="1" dirty="0">
                 <a:latin typeface="Avenir Book" panose="02000503020000020003" pitchFamily="2" charset="0"/>
               </a:rPr>
               <a:t>Future Directions:</a:t>
@@ -4741,7 +4896,7 @@
               <a:buAutoNum type="arabicPeriod"/>
             </a:pPr>
             <a:r>
-              <a:rPr lang="en-US" sz="2800" dirty="0">
+              <a:rPr lang="en-US" sz="2500" dirty="0">
                 <a:latin typeface="Avenir Book" panose="02000503020000020003" pitchFamily="2" charset="0"/>
               </a:rPr>
               <a:t> Steady-state analysis for coexistence</a:t>
@@ -4753,7 +4908,7 @@
               <a:buAutoNum type="arabicPeriod"/>
             </a:pPr>
             <a:r>
-              <a:rPr lang="en-US" sz="2800" dirty="0">
+              <a:rPr lang="en-US" sz="2500" dirty="0">
                 <a:latin typeface="Avenir Book" panose="02000503020000020003" pitchFamily="2" charset="0"/>
               </a:rPr>
               <a:t> Phase separation and an emergence of a length scale</a:t>
@@ -4776,7 +4931,7 @@
           <p:nvPr/>
         </p:nvPicPr>
         <p:blipFill rotWithShape="1">
-          <a:blip r:embed="rId9">
+          <a:blip r:embed="rId15">
             <a:alphaModFix/>
           </a:blip>
           <a:srcRect r="48348"/>
@@ -4784,8 +4939,8 @@
         </p:blipFill>
         <p:spPr>
           <a:xfrm>
-            <a:off x="2383107" y="26283573"/>
-            <a:ext cx="5617893" cy="4818061"/>
+            <a:off x="2449704" y="26554343"/>
+            <a:ext cx="6762676" cy="5799859"/>
           </a:xfrm>
           <a:prstGeom prst="rect">
             <a:avLst/>
@@ -4811,14 +4966,14 @@
           <p:nvPr/>
         </p:nvPicPr>
         <p:blipFill>
-          <a:blip r:embed="rId10"/>
+          <a:blip r:embed="rId16"/>
           <a:stretch>
             <a:fillRect/>
           </a:stretch>
         </p:blipFill>
         <p:spPr>
           <a:xfrm>
-            <a:off x="5817734" y="24937573"/>
+            <a:off x="7077406" y="25345417"/>
             <a:ext cx="4055367" cy="994249"/>
           </a:xfrm>
           <a:prstGeom prst="rect">
@@ -4831,111 +4986,6 @@
           </a:ln>
         </p:spPr>
       </p:pic>
-      <p:grpSp>
-        <p:nvGrpSpPr>
-          <p:cNvPr id="347" name="Group 346">
-            <a:extLst>
-              <a:ext uri="{FF2B5EF4-FFF2-40B4-BE49-F238E27FC236}">
-                <a16:creationId xmlns:a16="http://schemas.microsoft.com/office/drawing/2014/main" id="{6E30FE37-C604-8841-E038-D0AB8712F751}"/>
-              </a:ext>
-            </a:extLst>
-          </p:cNvPr>
-          <p:cNvGrpSpPr/>
-          <p:nvPr/>
-        </p:nvGrpSpPr>
-        <p:grpSpPr>
-          <a:xfrm>
-            <a:off x="3570745" y="31179252"/>
-            <a:ext cx="8289627" cy="741980"/>
-            <a:chOff x="3923751" y="31150718"/>
-            <a:chExt cx="8289627" cy="741980"/>
-          </a:xfrm>
-        </p:grpSpPr>
-        <p:sp>
-          <p:nvSpPr>
-            <p:cNvPr id="155" name="Google Shape;320;p28">
-              <a:extLst>
-                <a:ext uri="{FF2B5EF4-FFF2-40B4-BE49-F238E27FC236}">
-                  <a16:creationId xmlns:a16="http://schemas.microsoft.com/office/drawing/2014/main" id="{34E2DCAB-ABB8-5FFA-0D86-38EC9B305898}"/>
-                </a:ext>
-              </a:extLst>
-            </p:cNvPr>
-            <p:cNvSpPr txBox="1"/>
-            <p:nvPr/>
-          </p:nvSpPr>
-          <p:spPr>
-            <a:xfrm>
-              <a:off x="3923751" y="31150718"/>
-              <a:ext cx="6061602" cy="741980"/>
-            </a:xfrm>
-            <a:prstGeom prst="rect">
-              <a:avLst/>
-            </a:prstGeom>
-            <a:noFill/>
-            <a:ln>
-              <a:noFill/>
-            </a:ln>
-          </p:spPr>
-          <p:txBody>
-            <a:bodyPr spcFirstLastPara="1" wrap="square" lIns="91425" tIns="91425" rIns="91425" bIns="91425" anchor="t" anchorCtr="0">
-              <a:spAutoFit/>
-            </a:bodyPr>
-            <a:lstStyle/>
-            <a:p>
-              <a:pPr marL="0" lvl="0" indent="0" algn="l" rtl="0">
-                <a:spcBef>
-                  <a:spcPts val="0"/>
-                </a:spcBef>
-                <a:spcAft>
-                  <a:spcPts val="0"/>
-                </a:spcAft>
-                <a:buNone/>
-              </a:pPr>
-              <a:r>
-                <a:rPr lang="en" sz="3600" b="1" dirty="0">
-                  <a:latin typeface="Times New Roman" panose="02020603050405020304" pitchFamily="18" charset="0"/>
-                  <a:cs typeface="Times New Roman" panose="02020603050405020304" pitchFamily="18" charset="0"/>
-                </a:rPr>
-                <a:t>Lysogen Induction Rate,</a:t>
-              </a:r>
-              <a:endParaRPr sz="3600" b="1" dirty="0">
-                <a:latin typeface="Times New Roman" panose="02020603050405020304" pitchFamily="18" charset="0"/>
-                <a:cs typeface="Times New Roman" panose="02020603050405020304" pitchFamily="18" charset="0"/>
-              </a:endParaRPr>
-            </a:p>
-          </p:txBody>
-        </p:sp>
-        <p:pic>
-          <p:nvPicPr>
-            <p:cNvPr id="156" name="Picture 155">
-              <a:extLst>
-                <a:ext uri="{FF2B5EF4-FFF2-40B4-BE49-F238E27FC236}">
-                  <a16:creationId xmlns:a16="http://schemas.microsoft.com/office/drawing/2014/main" id="{33628161-3F8E-1575-6342-5324795CDF0A}"/>
-                </a:ext>
-              </a:extLst>
-            </p:cNvPr>
-            <p:cNvPicPr>
-              <a:picLocks noChangeAspect="1"/>
-            </p:cNvPicPr>
-            <p:nvPr/>
-          </p:nvPicPr>
-          <p:blipFill>
-            <a:blip r:embed="rId11"/>
-            <a:stretch>
-              <a:fillRect/>
-            </a:stretch>
-          </p:blipFill>
-          <p:spPr>
-            <a:xfrm>
-              <a:off x="8925012" y="31253768"/>
-              <a:ext cx="3288366" cy="610345"/>
-            </a:xfrm>
-            <a:prstGeom prst="rect">
-              <a:avLst/>
-            </a:prstGeom>
-          </p:spPr>
-        </p:pic>
-      </p:grpSp>
       <p:pic>
         <p:nvPicPr>
           <p:cNvPr id="150" name="Google Shape;310;p28">
@@ -4951,7 +5001,7 @@
           <p:nvPr/>
         </p:nvPicPr>
         <p:blipFill rotWithShape="1">
-          <a:blip r:embed="rId9">
+          <a:blip r:embed="rId15">
             <a:alphaModFix/>
           </a:blip>
           <a:srcRect l="51652"/>
@@ -4959,8 +5009,8 @@
         </p:blipFill>
         <p:spPr>
           <a:xfrm>
-            <a:off x="8276904" y="26260874"/>
-            <a:ext cx="5308033" cy="4863459"/>
+            <a:off x="9191306" y="26577204"/>
+            <a:ext cx="6280131" cy="5754139"/>
           </a:xfrm>
           <a:prstGeom prst="rect">
             <a:avLst/>
@@ -4973,10 +5023,10 @@
       </p:pic>
       <p:sp>
         <p:nvSpPr>
-          <p:cNvPr id="153" name="Google Shape;317;p28">
-            <a:extLst>
-              <a:ext uri="{FF2B5EF4-FFF2-40B4-BE49-F238E27FC236}">
-                <a16:creationId xmlns:a16="http://schemas.microsoft.com/office/drawing/2014/main" id="{5AAB4A38-B7EA-3C95-BB79-11000C6F8F21}"/>
+          <p:cNvPr id="152" name="TextBox 151">
+            <a:extLst>
+              <a:ext uri="{FF2B5EF4-FFF2-40B4-BE49-F238E27FC236}">
+                <a16:creationId xmlns:a16="http://schemas.microsoft.com/office/drawing/2014/main" id="{309C71DB-CDD3-5A49-A19F-92FBA34FCEC3}"/>
               </a:ext>
             </a:extLst>
           </p:cNvPr>
@@ -4984,96 +5034,9 @@
           <p:nvPr/>
         </p:nvSpPr>
         <p:spPr>
-          <a:xfrm rot="16200000">
-            <a:off x="-1321729" y="28251264"/>
-            <a:ext cx="5794155" cy="748694"/>
-          </a:xfrm>
-          <a:prstGeom prst="rect">
-            <a:avLst/>
-          </a:prstGeom>
-          <a:noFill/>
-          <a:ln>
-            <a:noFill/>
-          </a:ln>
-        </p:spPr>
-        <p:txBody>
-          <a:bodyPr spcFirstLastPara="1" wrap="square" lIns="91425" tIns="91425" rIns="91425" bIns="91425" anchor="t" anchorCtr="0">
-            <a:spAutoFit/>
-          </a:bodyPr>
-          <a:lstStyle/>
-          <a:p>
-            <a:pPr marL="0" lvl="0" indent="0" algn="l" rtl="0">
-              <a:spcBef>
-                <a:spcPts val="0"/>
-              </a:spcBef>
-              <a:spcAft>
-                <a:spcPts val="0"/>
-              </a:spcAft>
-              <a:buNone/>
-            </a:pPr>
-            <a:r>
-              <a:rPr lang="en" sz="3600" b="1" dirty="0">
-                <a:latin typeface="Times New Roman" panose="02020603050405020304" pitchFamily="18" charset="0"/>
-                <a:cs typeface="Times New Roman" panose="02020603050405020304" pitchFamily="18" charset="0"/>
-              </a:rPr>
-              <a:t>Lysogen Growth Rate,</a:t>
-            </a:r>
-            <a:endParaRPr sz="3600" b="1" dirty="0">
-              <a:latin typeface="Times New Roman" panose="02020603050405020304" pitchFamily="18" charset="0"/>
-              <a:cs typeface="Times New Roman" panose="02020603050405020304" pitchFamily="18" charset="0"/>
-            </a:endParaRPr>
-          </a:p>
-        </p:txBody>
-      </p:sp>
-      <p:pic>
-        <p:nvPicPr>
-          <p:cNvPr id="154" name="Picture 153">
-            <a:extLst>
-              <a:ext uri="{FF2B5EF4-FFF2-40B4-BE49-F238E27FC236}">
-                <a16:creationId xmlns:a16="http://schemas.microsoft.com/office/drawing/2014/main" id="{E739F2AB-0F57-DBBD-FE5F-4264A6EC7A0E}"/>
-              </a:ext>
-            </a:extLst>
-          </p:cNvPr>
-          <p:cNvPicPr>
-            <a:picLocks noChangeAspect="1"/>
-          </p:cNvPicPr>
-          <p:nvPr/>
-        </p:nvPicPr>
-        <p:blipFill>
-          <a:blip r:embed="rId12"/>
-          <a:stretch>
-            <a:fillRect/>
-          </a:stretch>
-        </p:blipFill>
-        <p:spPr>
-          <a:xfrm>
-            <a:off x="760922" y="26045919"/>
-            <a:ext cx="1324976" cy="816013"/>
-          </a:xfrm>
-          <a:prstGeom prst="rect">
-            <a:avLst/>
-          </a:prstGeom>
-          <a:ln w="38100">
-            <a:noFill/>
-          </a:ln>
-        </p:spPr>
-      </p:pic>
-      <p:sp>
-        <p:nvSpPr>
-          <p:cNvPr id="152" name="TextBox 151">
-            <a:extLst>
-              <a:ext uri="{FF2B5EF4-FFF2-40B4-BE49-F238E27FC236}">
-                <a16:creationId xmlns:a16="http://schemas.microsoft.com/office/drawing/2014/main" id="{309C71DB-CDD3-5A49-A19F-92FBA34FCEC3}"/>
-              </a:ext>
-            </a:extLst>
-          </p:cNvPr>
-          <p:cNvSpPr txBox="1"/>
-          <p:nvPr/>
-        </p:nvSpPr>
-        <p:spPr>
-          <a:xfrm>
-            <a:off x="2445195" y="25985807"/>
-            <a:ext cx="11644021" cy="646331"/>
+          <a:xfrm>
+            <a:off x="2114372" y="26318097"/>
+            <a:ext cx="789991" cy="523220"/>
           </a:xfrm>
           <a:prstGeom prst="rect">
             <a:avLst/>
@@ -5087,11 +5050,11 @@
           <a:lstStyle/>
           <a:p>
             <a:r>
-              <a:rPr lang="en-US" sz="3600" b="1" dirty="0">
+              <a:rPr lang="en-US" sz="2800" b="1" dirty="0">
                 <a:latin typeface="Times New Roman" panose="02020603050405020304" pitchFamily="18" charset="0"/>
                 <a:cs typeface="Times New Roman" panose="02020603050405020304" pitchFamily="18" charset="0"/>
               </a:rPr>
-              <a:t>(a) Lysogen Population				 (b) Phage Population</a:t>
+              <a:t>(a)</a:t>
             </a:r>
           </a:p>
         </p:txBody>
@@ -5110,8 +5073,8 @@
         </p:nvSpPr>
         <p:spPr>
           <a:xfrm>
-            <a:off x="15871711" y="15804299"/>
-            <a:ext cx="14994283" cy="2677656"/>
+            <a:off x="16742664" y="16901579"/>
+            <a:ext cx="15087599" cy="2015936"/>
           </a:xfrm>
           <a:prstGeom prst="rect">
             <a:avLst/>
@@ -5126,228 +5089,228 @@
           <a:p>
             <a:pPr algn="just"/>
             <a:r>
-              <a:rPr lang="en-US" sz="2800" b="1" dirty="0">
+              <a:rPr lang="en-US" sz="2500" b="1" dirty="0">
                 <a:latin typeface="Avenir Book" panose="02000503020000020003" pitchFamily="2" charset="0"/>
               </a:rPr>
               <a:t>Figure 4. “Buffers” and ”weapons” in a well-mixed model. (a) </a:t>
             </a:r>
             <a:r>
-              <a:rPr lang="en-US" sz="2800" dirty="0">
+              <a:rPr lang="en-US" sz="2500" dirty="0">
                 <a:latin typeface="Avenir Book" panose="02000503020000020003" pitchFamily="2" charset="0"/>
               </a:rPr>
               <a:t>The minimal growth rate required for </a:t>
             </a:r>
             <a:r>
-              <a:rPr lang="en-US" sz="2800" i="1" dirty="0">
+              <a:rPr lang="en-US" sz="2500" i="1" dirty="0">
                 <a:latin typeface="Avenir Book" panose="02000503020000020003" pitchFamily="2" charset="0"/>
               </a:rPr>
               <a:t>L</a:t>
             </a:r>
             <a:r>
-              <a:rPr lang="en-US" sz="2800" i="1" baseline="-25000" dirty="0">
+              <a:rPr lang="en-US" sz="2500" i="1" baseline="-25000" dirty="0">
                 <a:latin typeface="Avenir Book" panose="02000503020000020003" pitchFamily="2" charset="0"/>
               </a:rPr>
               <a:t>B </a:t>
             </a:r>
             <a:r>
-              <a:rPr lang="en-US" sz="2800" dirty="0">
+              <a:rPr lang="en-US" sz="2500" dirty="0">
                 <a:latin typeface="Avenir Book" panose="02000503020000020003" pitchFamily="2" charset="0"/>
               </a:rPr>
               <a:t>to invade when </a:t>
             </a:r>
             <a:r>
-              <a:rPr lang="en-US" sz="2800" i="1" dirty="0">
+              <a:rPr lang="en-US" sz="2500" i="1" dirty="0">
                 <a:latin typeface="Avenir Book" panose="02000503020000020003" pitchFamily="2" charset="0"/>
               </a:rPr>
               <a:t>L</a:t>
             </a:r>
             <a:r>
-              <a:rPr lang="en-US" sz="2800" i="1" baseline="-25000" dirty="0">
+              <a:rPr lang="en-US" sz="2500" i="1" baseline="-25000" dirty="0">
                 <a:latin typeface="Avenir Book" panose="02000503020000020003" pitchFamily="2" charset="0"/>
               </a:rPr>
               <a:t>A</a:t>
             </a:r>
             <a:r>
-              <a:rPr lang="en-US" sz="2800" dirty="0">
+              <a:rPr lang="en-US" sz="2500" dirty="0">
                 <a:latin typeface="Avenir Book" panose="02000503020000020003" pitchFamily="2" charset="0"/>
               </a:rPr>
               <a:t> is at the steady-state growth-induction trade off (left). </a:t>
             </a:r>
             <a:r>
-              <a:rPr lang="en-US" sz="2800" i="1" dirty="0">
+              <a:rPr lang="en-US" sz="2500" i="1" dirty="0">
                 <a:latin typeface="Avenir Book" panose="02000503020000020003" pitchFamily="2" charset="0"/>
               </a:rPr>
               <a:t>V</a:t>
             </a:r>
             <a:r>
-              <a:rPr lang="en-US" sz="2800" i="1" baseline="-25000" dirty="0">
+              <a:rPr lang="en-US" sz="2500" i="1" baseline="-25000" dirty="0">
                 <a:latin typeface="Avenir Book" panose="02000503020000020003" pitchFamily="2" charset="0"/>
               </a:rPr>
               <a:t>A</a:t>
             </a:r>
             <a:r>
-              <a:rPr lang="en-US" sz="2800" dirty="0">
+              <a:rPr lang="en-US" sz="2500" dirty="0">
                 <a:latin typeface="Avenir Book" panose="02000503020000020003" pitchFamily="2" charset="0"/>
               </a:rPr>
               <a:t> lyses </a:t>
             </a:r>
             <a:r>
-              <a:rPr lang="en-US" sz="2800" i="1" dirty="0">
+              <a:rPr lang="en-US" sz="2500" i="1" dirty="0">
                 <a:latin typeface="Avenir Book" panose="02000503020000020003" pitchFamily="2" charset="0"/>
               </a:rPr>
               <a:t>L</a:t>
             </a:r>
             <a:r>
-              <a:rPr lang="en-US" sz="2800" i="1" baseline="-25000" dirty="0">
+              <a:rPr lang="en-US" sz="2500" i="1" baseline="-25000" dirty="0">
                 <a:latin typeface="Avenir Book" panose="02000503020000020003" pitchFamily="2" charset="0"/>
               </a:rPr>
               <a:t>B</a:t>
             </a:r>
             <a:r>
-              <a:rPr lang="en-US" sz="2800" dirty="0">
+              <a:rPr lang="en-US" sz="2500" dirty="0">
                 <a:latin typeface="Avenir Book" panose="02000503020000020003" pitchFamily="2" charset="0"/>
               </a:rPr>
               <a:t>, preventing it from invading (gray), but </a:t>
             </a:r>
             <a:r>
-              <a:rPr lang="en-US" sz="2800" i="1" dirty="0">
+              <a:rPr lang="en-US" sz="2500" i="1" dirty="0">
                 <a:latin typeface="Avenir Book" panose="02000503020000020003" pitchFamily="2" charset="0"/>
               </a:rPr>
               <a:t>L</a:t>
             </a:r>
             <a:r>
-              <a:rPr lang="en-US" sz="2800" i="1" baseline="-25000" dirty="0">
+              <a:rPr lang="en-US" sz="2500" i="1" baseline="-25000" dirty="0">
                 <a:latin typeface="Avenir Book" panose="02000503020000020003" pitchFamily="2" charset="0"/>
               </a:rPr>
               <a:t>B</a:t>
             </a:r>
             <a:r>
-              <a:rPr lang="en-US" sz="2800" dirty="0">
+              <a:rPr lang="en-US" sz="2500" dirty="0">
                 <a:latin typeface="Avenir Book" panose="02000503020000020003" pitchFamily="2" charset="0"/>
               </a:rPr>
               <a:t> can invade when </a:t>
             </a:r>
             <a:r>
-              <a:rPr lang="en-US" sz="2800" i="1" dirty="0">
+              <a:rPr lang="en-US" sz="2500" i="1" dirty="0">
                 <a:latin typeface="Avenir Book" panose="02000503020000020003" pitchFamily="2" charset="0"/>
               </a:rPr>
               <a:t>L</a:t>
             </a:r>
             <a:r>
-              <a:rPr lang="en-US" sz="2800" i="1" baseline="-25000" dirty="0">
+              <a:rPr lang="en-US" sz="2500" i="1" baseline="-25000" dirty="0">
                 <a:latin typeface="Avenir Book" panose="02000503020000020003" pitchFamily="2" charset="0"/>
               </a:rPr>
               <a:t>A</a:t>
             </a:r>
             <a:r>
-              <a:rPr lang="en-US" sz="2800" dirty="0">
+              <a:rPr lang="en-US" sz="2500" dirty="0">
                 <a:latin typeface="Avenir Book" panose="02000503020000020003" pitchFamily="2" charset="0"/>
               </a:rPr>
               <a:t> induction rate is lower (blue). </a:t>
             </a:r>
             <a:r>
-              <a:rPr lang="en-US" sz="2800" b="1" dirty="0">
+              <a:rPr lang="en-US" sz="2500" b="1" dirty="0">
                 <a:latin typeface="Avenir Book" panose="02000503020000020003" pitchFamily="2" charset="0"/>
               </a:rPr>
               <a:t>(b)</a:t>
             </a:r>
             <a:r>
-              <a:rPr lang="en-US" sz="2800" dirty="0">
+              <a:rPr lang="en-US" sz="2500" dirty="0">
                 <a:latin typeface="Avenir Book" panose="02000503020000020003" pitchFamily="2" charset="0"/>
               </a:rPr>
               <a:t> Effective minimal growth rate required for </a:t>
             </a:r>
             <a:r>
-              <a:rPr lang="en-US" sz="2800" i="1" dirty="0">
+              <a:rPr lang="en-US" sz="2500" i="1" dirty="0">
                 <a:latin typeface="Avenir Book" panose="02000503020000020003" pitchFamily="2" charset="0"/>
               </a:rPr>
               <a:t>L</a:t>
             </a:r>
             <a:r>
-              <a:rPr lang="en-US" sz="2800" i="1" baseline="-25000" dirty="0">
+              <a:rPr lang="en-US" sz="2500" i="1" baseline="-25000" dirty="0">
                 <a:latin typeface="Avenir Book" panose="02000503020000020003" pitchFamily="2" charset="0"/>
               </a:rPr>
               <a:t>B</a:t>
             </a:r>
             <a:r>
-              <a:rPr lang="en-US" sz="2800" dirty="0">
+              <a:rPr lang="en-US" sz="2500" dirty="0">
                 <a:latin typeface="Avenir Book" panose="02000503020000020003" pitchFamily="2" charset="0"/>
               </a:rPr>
               <a:t> to invade post introduction of </a:t>
             </a:r>
             <a:r>
-              <a:rPr lang="en-US" sz="2800" i="1" dirty="0">
+              <a:rPr lang="en-US" sz="2500" i="1" dirty="0">
                 <a:latin typeface="Avenir Book" panose="02000503020000020003" pitchFamily="2" charset="0"/>
               </a:rPr>
               <a:t>V</a:t>
             </a:r>
             <a:r>
-              <a:rPr lang="en-US" sz="2800" i="1" baseline="-25000" dirty="0">
+              <a:rPr lang="en-US" sz="2500" i="1" baseline="-25000" dirty="0">
                 <a:latin typeface="Avenir Book" panose="02000503020000020003" pitchFamily="2" charset="0"/>
               </a:rPr>
               <a:t>B</a:t>
             </a:r>
             <a:r>
-              <a:rPr lang="en-US" sz="2800" dirty="0">
+              <a:rPr lang="en-US" sz="2500" dirty="0">
                 <a:latin typeface="Avenir Book" panose="02000503020000020003" pitchFamily="2" charset="0"/>
               </a:rPr>
               <a:t> (left). </a:t>
             </a:r>
             <a:r>
-              <a:rPr lang="en-US" sz="2800" i="1" dirty="0">
+              <a:rPr lang="en-US" sz="2500" i="1" dirty="0">
                 <a:latin typeface="Avenir Book" panose="02000503020000020003" pitchFamily="2" charset="0"/>
               </a:rPr>
               <a:t>V</a:t>
             </a:r>
             <a:r>
-              <a:rPr lang="en-US" sz="2800" i="1" baseline="-25000" dirty="0">
+              <a:rPr lang="en-US" sz="2500" i="1" baseline="-25000" dirty="0">
                 <a:latin typeface="Avenir Book" panose="02000503020000020003" pitchFamily="2" charset="0"/>
               </a:rPr>
               <a:t>B</a:t>
             </a:r>
             <a:r>
-              <a:rPr lang="en-US" sz="2800" dirty="0">
+              <a:rPr lang="en-US" sz="2500" dirty="0">
                 <a:latin typeface="Avenir Book" panose="02000503020000020003" pitchFamily="2" charset="0"/>
               </a:rPr>
               <a:t> lyses </a:t>
             </a:r>
             <a:r>
-              <a:rPr lang="en-US" sz="2800" i="1" dirty="0">
+              <a:rPr lang="en-US" sz="2500" i="1" dirty="0">
                 <a:latin typeface="Avenir Book" panose="02000503020000020003" pitchFamily="2" charset="0"/>
               </a:rPr>
               <a:t>L</a:t>
             </a:r>
             <a:r>
-              <a:rPr lang="en-US" sz="2800" i="1" baseline="-25000" dirty="0">
+              <a:rPr lang="en-US" sz="2500" i="1" baseline="-25000" dirty="0">
                 <a:latin typeface="Avenir Book" panose="02000503020000020003" pitchFamily="2" charset="0"/>
               </a:rPr>
               <a:t>A</a:t>
             </a:r>
             <a:r>
-              <a:rPr lang="en-US" sz="2800" dirty="0">
+              <a:rPr lang="en-US" sz="2500" dirty="0">
                 <a:latin typeface="Avenir Book" panose="02000503020000020003" pitchFamily="2" charset="0"/>
               </a:rPr>
               <a:t>, decreasing the population over time. </a:t>
             </a:r>
             <a:r>
-              <a:rPr lang="en-US" sz="2800" i="1" dirty="0">
+              <a:rPr lang="en-US" sz="2500" i="1" dirty="0">
                 <a:latin typeface="Avenir Book" panose="02000503020000020003" pitchFamily="2" charset="0"/>
               </a:rPr>
               <a:t>L</a:t>
             </a:r>
             <a:r>
-              <a:rPr lang="en-US" sz="2800" i="1" baseline="-25000" dirty="0">
+              <a:rPr lang="en-US" sz="2500" i="1" baseline="-25000" dirty="0">
                 <a:latin typeface="Avenir Book" panose="02000503020000020003" pitchFamily="2" charset="0"/>
               </a:rPr>
               <a:t>B</a:t>
             </a:r>
             <a:r>
-              <a:rPr lang="en-US" sz="2800" dirty="0">
+              <a:rPr lang="en-US" sz="2500" dirty="0">
                 <a:latin typeface="Avenir Book" panose="02000503020000020003" pitchFamily="2" charset="0"/>
               </a:rPr>
               <a:t> cannot invade at 50 hours (gray) but can after 100 hours (blue).</a:t>
             </a:r>
-            <a:endParaRPr lang="en-US" sz="2800" i="1" baseline="-25000" dirty="0">
+            <a:endParaRPr lang="en-US" sz="2500" i="1" baseline="-25000" dirty="0">
               <a:latin typeface="Avenir Book" panose="02000503020000020003" pitchFamily="2" charset="0"/>
             </a:endParaRPr>
           </a:p>
@@ -5367,8 +5330,8 @@
         </p:nvSpPr>
         <p:spPr>
           <a:xfrm>
-            <a:off x="159994" y="14691275"/>
-            <a:ext cx="15093483" cy="2246769"/>
+            <a:off x="1074396" y="15861047"/>
+            <a:ext cx="15093483" cy="2400657"/>
           </a:xfrm>
           <a:prstGeom prst="rect">
             <a:avLst/>
@@ -5383,118 +5346,104 @@
           <a:p>
             <a:pPr algn="just"/>
             <a:r>
-              <a:rPr lang="en-US" sz="2800" b="1" dirty="0">
-                <a:latin typeface="Avenir Book" panose="02000503020000020003" pitchFamily="2" charset="0"/>
-              </a:rPr>
-              <a:t>Figure 1. Two roles of temperate phages when lysogens are in competition. (a) </a:t>
-            </a:r>
-            <a:r>
-              <a:rPr lang="en-US" sz="2800" dirty="0">
+              <a:rPr lang="en-US" sz="2500" b="1" dirty="0">
+                <a:latin typeface="Avenir Book" panose="02000503020000020003" pitchFamily="2" charset="0"/>
+              </a:rPr>
+              <a:t>Figure 1. Two roles of temperate phages when lysogens are in competition. </a:t>
+            </a:r>
+            <a:r>
+              <a:rPr lang="en-US" sz="2500" dirty="0">
+                <a:latin typeface="Avenir Book" panose="02000503020000020003" pitchFamily="2" charset="0"/>
+              </a:rPr>
+              <a:t>Genetically similar </a:t>
+            </a:r>
+            <a:r>
+              <a:rPr lang="en-US" sz="2500" b="1" dirty="0">
+                <a:latin typeface="Avenir Book" panose="02000503020000020003" pitchFamily="2" charset="0"/>
+              </a:rPr>
+              <a:t>t</a:t>
+            </a:r>
+            <a:r>
+              <a:rPr lang="en-US" sz="2500" dirty="0">
+                <a:latin typeface="Avenir Book" panose="02000503020000020003" pitchFamily="2" charset="0"/>
+              </a:rPr>
+              <a:t>emperate phages form coalitions with their hosts, impacting competition dynamics between lysogens [1]. </a:t>
+            </a:r>
+            <a:r>
+              <a:rPr lang="en-US" sz="2500" b="1" dirty="0">
+                <a:latin typeface="Avenir Book" panose="02000503020000020003" pitchFamily="2" charset="0"/>
+              </a:rPr>
+              <a:t>(a) </a:t>
+            </a:r>
+            <a:r>
+              <a:rPr lang="en-US" sz="2500" dirty="0">
                 <a:latin typeface="Avenir Book" panose="02000503020000020003" pitchFamily="2" charset="0"/>
               </a:rPr>
               <a:t>Temperate phages are released through spontaneous induction, preventing the invasion of an opposing susceptible lysogen population.</a:t>
             </a:r>
             <a:r>
-              <a:rPr lang="en-US" sz="2800" b="1" dirty="0">
+              <a:rPr lang="en-US" sz="2500" b="1" dirty="0">
                 <a:latin typeface="Avenir Book" panose="02000503020000020003" pitchFamily="2" charset="0"/>
               </a:rPr>
               <a:t> (b) </a:t>
             </a:r>
             <a:r>
-              <a:rPr lang="en-US" sz="2800" dirty="0">
-                <a:latin typeface="Avenir Book" panose="02000503020000020003" pitchFamily="2" charset="0"/>
-              </a:rPr>
-              <a:t>Temperate phages can lyse opposing lysogens which clears space for invasion. In both cases, large numbers of free phages are released, proliferating the “buffer” or “weapon” through subsequent rounds of lytic infections. </a:t>
-            </a:r>
-          </a:p>
-        </p:txBody>
-      </p:sp>
+              <a:rPr lang="en-US" sz="2500" dirty="0">
+                <a:latin typeface="Avenir Book" panose="02000503020000020003" pitchFamily="2" charset="0"/>
+              </a:rPr>
+              <a:t>Temperate phages can lyse opposing lysogens which clears space for invasion. In both cases, large numbers of free phages are released, proliferating the “buffer” or “weapon” through subsequent rounds of lytic infections [2].</a:t>
+            </a:r>
+          </a:p>
+        </p:txBody>
+      </p:sp>
+      <p:cxnSp>
+        <p:nvCxnSpPr>
+          <p:cNvPr id="166" name="Google Shape;596;p36">
+            <a:extLst>
+              <a:ext uri="{FF2B5EF4-FFF2-40B4-BE49-F238E27FC236}">
+                <a16:creationId xmlns:a16="http://schemas.microsoft.com/office/drawing/2014/main" id="{55AD82D1-E01D-B77A-FA73-6235F5AA9219}"/>
+              </a:ext>
+            </a:extLst>
+          </p:cNvPr>
+          <p:cNvCxnSpPr>
+            <a:cxnSpLocks/>
+          </p:cNvCxnSpPr>
+          <p:nvPr/>
+        </p:nvCxnSpPr>
+        <p:spPr>
+          <a:xfrm flipH="1">
+            <a:off x="19648712" y="9906728"/>
+            <a:ext cx="1748300" cy="0"/>
+          </a:xfrm>
+          <a:prstGeom prst="straightConnector1">
+            <a:avLst/>
+          </a:prstGeom>
+          <a:noFill/>
+          <a:ln w="101600" cap="flat" cmpd="sng">
+            <a:solidFill>
+              <a:schemeClr val="tx1"/>
+            </a:solidFill>
+            <a:prstDash val="solid"/>
+            <a:round/>
+            <a:headEnd type="none" w="med" len="med"/>
+            <a:tailEnd type="triangle" w="med" len="med"/>
+          </a:ln>
+        </p:spPr>
+      </p:cxnSp>
       <p:pic>
         <p:nvPicPr>
-          <p:cNvPr id="187" name="Google Shape;681;p39">
-            <a:extLst>
-              <a:ext uri="{FF2B5EF4-FFF2-40B4-BE49-F238E27FC236}">
-                <a16:creationId xmlns:a16="http://schemas.microsoft.com/office/drawing/2014/main" id="{86125CEB-070A-A974-12F2-D4304CA1132D}"/>
-              </a:ext>
-            </a:extLst>
-          </p:cNvPr>
-          <p:cNvPicPr preferRelativeResize="0">
-            <a:picLocks/>
-          </p:cNvPicPr>
-          <p:nvPr/>
-        </p:nvPicPr>
-        <p:blipFill rotWithShape="1">
-          <a:blip r:embed="rId13">
-            <a:alphaModFix/>
-          </a:blip>
-          <a:srcRect l="6074" t="52954" r="5732" b="6308"/>
-          <a:stretch/>
-        </p:blipFill>
-        <p:spPr>
-          <a:xfrm>
-            <a:off x="17654190" y="12120892"/>
-            <a:ext cx="3977639" cy="3054096"/>
-          </a:xfrm>
-          <a:prstGeom prst="rect">
-            <a:avLst/>
-          </a:prstGeom>
-          <a:noFill/>
-          <a:ln>
-            <a:noFill/>
-          </a:ln>
-        </p:spPr>
-      </p:pic>
-      <p:pic>
-        <p:nvPicPr>
-          <p:cNvPr id="222" name="Google Shape;680;p39">
-            <a:extLst>
-              <a:ext uri="{FF2B5EF4-FFF2-40B4-BE49-F238E27FC236}">
-                <a16:creationId xmlns:a16="http://schemas.microsoft.com/office/drawing/2014/main" id="{D6688F48-13F9-8EF8-8FDB-BC778A857A22}"/>
-              </a:ext>
-            </a:extLst>
-          </p:cNvPr>
-          <p:cNvPicPr preferRelativeResize="0">
-            <a:picLocks noChangeAspect="1"/>
-          </p:cNvPicPr>
-          <p:nvPr/>
-        </p:nvPicPr>
-        <p:blipFill rotWithShape="1">
-          <a:blip r:embed="rId14">
-            <a:alphaModFix/>
-          </a:blip>
-          <a:srcRect l="3373" t="5549" r="8373" b="54208"/>
-          <a:stretch/>
-        </p:blipFill>
-        <p:spPr>
-          <a:xfrm>
-            <a:off x="26739266" y="12028481"/>
-            <a:ext cx="3959455" cy="3116531"/>
-          </a:xfrm>
-          <a:prstGeom prst="rect">
-            <a:avLst/>
-          </a:prstGeom>
-          <a:noFill/>
-          <a:ln>
-            <a:noFill/>
-          </a:ln>
-        </p:spPr>
-      </p:pic>
-      <p:pic>
-        <p:nvPicPr>
-          <p:cNvPr id="161" name="Google Shape;566;p36">
-            <a:extLst>
-              <a:ext uri="{FF2B5EF4-FFF2-40B4-BE49-F238E27FC236}">
-                <a16:creationId xmlns:a16="http://schemas.microsoft.com/office/drawing/2014/main" id="{5A0ABFF1-2B5A-C4F2-C96E-E1B0D1A1A4AC}"/>
-              </a:ext>
-            </a:extLst>
-          </p:cNvPr>
-          <p:cNvPicPr preferRelativeResize="0">
-            <a:picLocks noChangeAspect="1"/>
-          </p:cNvPicPr>
+          <p:cNvPr id="173" name="Google Shape;537;p35">
+            <a:extLst>
+              <a:ext uri="{FF2B5EF4-FFF2-40B4-BE49-F238E27FC236}">
+                <a16:creationId xmlns:a16="http://schemas.microsoft.com/office/drawing/2014/main" id="{FFB4143E-F515-DCAB-5218-D9B33B3ACEEF}"/>
+              </a:ext>
+            </a:extLst>
+          </p:cNvPr>
+          <p:cNvPicPr preferRelativeResize="0"/>
           <p:nvPr/>
         </p:nvPicPr>
         <p:blipFill>
-          <a:blip r:embed="rId15">
+          <a:blip r:embed="rId17">
             <a:alphaModFix/>
           </a:blip>
           <a:stretch>
@@ -5503,8 +5452,8 @@
         </p:blipFill>
         <p:spPr>
           <a:xfrm>
-            <a:off x="17632370" y="7730608"/>
-            <a:ext cx="3980287" cy="3050099"/>
+            <a:off x="24372917" y="9169981"/>
+            <a:ext cx="248146" cy="209527"/>
           </a:xfrm>
           <a:prstGeom prst="rect">
             <a:avLst/>
@@ -5515,422 +5464,12 @@
           </a:ln>
         </p:spPr>
       </p:pic>
-      <p:sp>
-        <p:nvSpPr>
-          <p:cNvPr id="162" name="Google Shape;587;p36">
-            <a:extLst>
-              <a:ext uri="{FF2B5EF4-FFF2-40B4-BE49-F238E27FC236}">
-                <a16:creationId xmlns:a16="http://schemas.microsoft.com/office/drawing/2014/main" id="{4318EE1A-EA44-ECAD-6A42-551F22659B30}"/>
-              </a:ext>
-            </a:extLst>
-          </p:cNvPr>
-          <p:cNvSpPr txBox="1"/>
-          <p:nvPr/>
-        </p:nvSpPr>
-        <p:spPr>
-          <a:xfrm>
-            <a:off x="19876180" y="9331302"/>
-            <a:ext cx="1343228" cy="916783"/>
-          </a:xfrm>
-          <a:prstGeom prst="rect">
-            <a:avLst/>
-          </a:prstGeom>
-          <a:noFill/>
-          <a:ln>
-            <a:noFill/>
-          </a:ln>
-        </p:spPr>
-        <p:txBody>
-          <a:bodyPr spcFirstLastPara="1" wrap="square" lIns="91425" tIns="91425" rIns="91425" bIns="91425" anchor="t" anchorCtr="0">
-            <a:spAutoFit/>
-          </a:bodyPr>
-          <a:lstStyle/>
-          <a:p>
-            <a:pPr marL="0" lvl="0" indent="0" algn="ctr" rtl="0">
-              <a:spcBef>
-                <a:spcPts val="0"/>
-              </a:spcBef>
-              <a:spcAft>
-                <a:spcPts val="0"/>
-              </a:spcAft>
-              <a:buNone/>
-            </a:pPr>
-            <a:r>
-              <a:rPr lang="en" sz="2000" b="1" dirty="0">
-                <a:solidFill>
-                  <a:schemeClr val="dk1"/>
-                </a:solidFill>
-                <a:latin typeface="Times New Roman" panose="02020603050405020304" pitchFamily="18" charset="0"/>
-                <a:cs typeface="Times New Roman" panose="02020603050405020304" pitchFamily="18" charset="0"/>
-              </a:rPr>
-              <a:t>Only </a:t>
-            </a:r>
-            <a:r>
-              <a:rPr lang="en" sz="2000" b="1" i="1" dirty="0">
-                <a:solidFill>
-                  <a:schemeClr val="bg1"/>
-                </a:solidFill>
-                <a:latin typeface="Times New Roman" panose="02020603050405020304" pitchFamily="18" charset="0"/>
-                <a:cs typeface="Times New Roman" panose="02020603050405020304" pitchFamily="18" charset="0"/>
-              </a:rPr>
-              <a:t>V</a:t>
-            </a:r>
-            <a:r>
-              <a:rPr lang="en" sz="2000" b="1" i="1" baseline="-25000" dirty="0">
-                <a:solidFill>
-                  <a:schemeClr val="bg1"/>
-                </a:solidFill>
-                <a:latin typeface="Times New Roman" panose="02020603050405020304" pitchFamily="18" charset="0"/>
-                <a:cs typeface="Times New Roman" panose="02020603050405020304" pitchFamily="18" charset="0"/>
-              </a:rPr>
-              <a:t>B</a:t>
-            </a:r>
-            <a:r>
-              <a:rPr lang="en" sz="2000" b="1" dirty="0">
-                <a:solidFill>
-                  <a:schemeClr val="bg1"/>
-                </a:solidFill>
-                <a:latin typeface="Times New Roman" panose="02020603050405020304" pitchFamily="18" charset="0"/>
-                <a:cs typeface="Times New Roman" panose="02020603050405020304" pitchFamily="18" charset="0"/>
-              </a:rPr>
-              <a:t> </a:t>
-            </a:r>
-            <a:endParaRPr sz="2000" b="1" dirty="0">
-              <a:solidFill>
-                <a:schemeClr val="bg1"/>
-              </a:solidFill>
-              <a:latin typeface="Times New Roman" panose="02020603050405020304" pitchFamily="18" charset="0"/>
-              <a:cs typeface="Times New Roman" panose="02020603050405020304" pitchFamily="18" charset="0"/>
-            </a:endParaRPr>
-          </a:p>
-          <a:p>
-            <a:pPr marL="0" lvl="0" indent="0" algn="ctr" rtl="0">
-              <a:spcBef>
-                <a:spcPts val="0"/>
-              </a:spcBef>
-              <a:spcAft>
-                <a:spcPts val="0"/>
-              </a:spcAft>
-              <a:buNone/>
-            </a:pPr>
-            <a:r>
-              <a:rPr lang="en" sz="2000" b="1" dirty="0">
-                <a:solidFill>
-                  <a:schemeClr val="dk1"/>
-                </a:solidFill>
-                <a:latin typeface="Times New Roman" panose="02020603050405020304" pitchFamily="18" charset="0"/>
-                <a:cs typeface="Times New Roman" panose="02020603050405020304" pitchFamily="18" charset="0"/>
-              </a:rPr>
-              <a:t>Invades</a:t>
-            </a:r>
-            <a:endParaRPr sz="2000" b="1" dirty="0">
-              <a:solidFill>
-                <a:schemeClr val="dk1"/>
-              </a:solidFill>
-              <a:latin typeface="Times New Roman" panose="02020603050405020304" pitchFamily="18" charset="0"/>
-              <a:cs typeface="Times New Roman" panose="02020603050405020304" pitchFamily="18" charset="0"/>
-            </a:endParaRPr>
-          </a:p>
-        </p:txBody>
-      </p:sp>
-      <p:sp>
-        <p:nvSpPr>
-          <p:cNvPr id="164" name="Google Shape;589;p36">
-            <a:extLst>
-              <a:ext uri="{FF2B5EF4-FFF2-40B4-BE49-F238E27FC236}">
-                <a16:creationId xmlns:a16="http://schemas.microsoft.com/office/drawing/2014/main" id="{799B988F-1A8B-BFD4-E0DC-58F3B5FDC47F}"/>
-              </a:ext>
-            </a:extLst>
-          </p:cNvPr>
-          <p:cNvSpPr txBox="1"/>
-          <p:nvPr/>
-        </p:nvSpPr>
-        <p:spPr>
-          <a:xfrm>
-            <a:off x="18624891" y="7947887"/>
-            <a:ext cx="1546805" cy="916783"/>
-          </a:xfrm>
-          <a:prstGeom prst="rect">
-            <a:avLst/>
-          </a:prstGeom>
-          <a:noFill/>
-          <a:ln>
-            <a:noFill/>
-          </a:ln>
-        </p:spPr>
-        <p:txBody>
-          <a:bodyPr spcFirstLastPara="1" wrap="square" lIns="91425" tIns="91425" rIns="91425" bIns="91425" anchor="t" anchorCtr="0">
-            <a:spAutoFit/>
-          </a:bodyPr>
-          <a:lstStyle/>
-          <a:p>
-            <a:pPr marL="0" lvl="0" indent="0" algn="ctr" rtl="0">
-              <a:spcBef>
-                <a:spcPts val="0"/>
-              </a:spcBef>
-              <a:spcAft>
-                <a:spcPts val="0"/>
-              </a:spcAft>
-              <a:buNone/>
-            </a:pPr>
-            <a:r>
-              <a:rPr lang="en" sz="2000" b="1" dirty="0">
-                <a:solidFill>
-                  <a:schemeClr val="dk1"/>
-                </a:solidFill>
-                <a:latin typeface="Times New Roman" panose="02020603050405020304" pitchFamily="18" charset="0"/>
-                <a:cs typeface="Times New Roman" panose="02020603050405020304" pitchFamily="18" charset="0"/>
-              </a:rPr>
-              <a:t>Both </a:t>
-            </a:r>
-            <a:r>
-              <a:rPr lang="en" sz="2000" b="1" i="1" dirty="0">
-                <a:solidFill>
-                  <a:schemeClr val="bg1"/>
-                </a:solidFill>
-                <a:latin typeface="Times New Roman" panose="02020603050405020304" pitchFamily="18" charset="0"/>
-                <a:cs typeface="Times New Roman" panose="02020603050405020304" pitchFamily="18" charset="0"/>
-              </a:rPr>
-              <a:t>L</a:t>
-            </a:r>
-            <a:r>
-              <a:rPr lang="en" sz="2000" b="1" i="1" baseline="-25000" dirty="0">
-                <a:solidFill>
-                  <a:schemeClr val="bg1"/>
-                </a:solidFill>
-                <a:latin typeface="Times New Roman" panose="02020603050405020304" pitchFamily="18" charset="0"/>
-                <a:cs typeface="Times New Roman" panose="02020603050405020304" pitchFamily="18" charset="0"/>
-              </a:rPr>
-              <a:t>B, </a:t>
-            </a:r>
-            <a:r>
-              <a:rPr lang="en" sz="2000" b="1" i="1" dirty="0">
-                <a:solidFill>
-                  <a:schemeClr val="bg1"/>
-                </a:solidFill>
-                <a:latin typeface="Times New Roman" panose="02020603050405020304" pitchFamily="18" charset="0"/>
-                <a:cs typeface="Times New Roman" panose="02020603050405020304" pitchFamily="18" charset="0"/>
-              </a:rPr>
-              <a:t>V</a:t>
-            </a:r>
-            <a:r>
-              <a:rPr lang="en" sz="2000" b="1" i="1" baseline="-25000" dirty="0">
-                <a:solidFill>
-                  <a:schemeClr val="bg1"/>
-                </a:solidFill>
-                <a:latin typeface="Times New Roman" panose="02020603050405020304" pitchFamily="18" charset="0"/>
-                <a:cs typeface="Times New Roman" panose="02020603050405020304" pitchFamily="18" charset="0"/>
-              </a:rPr>
-              <a:t>B</a:t>
-            </a:r>
-            <a:r>
-              <a:rPr lang="en" sz="2000" b="1" dirty="0">
-                <a:solidFill>
-                  <a:schemeClr val="bg1"/>
-                </a:solidFill>
-                <a:latin typeface="Times New Roman" panose="02020603050405020304" pitchFamily="18" charset="0"/>
-                <a:cs typeface="Times New Roman" panose="02020603050405020304" pitchFamily="18" charset="0"/>
-              </a:rPr>
-              <a:t> </a:t>
-            </a:r>
-            <a:endParaRPr sz="2000" b="1" dirty="0">
-              <a:solidFill>
-                <a:schemeClr val="bg1"/>
-              </a:solidFill>
-              <a:latin typeface="Times New Roman" panose="02020603050405020304" pitchFamily="18" charset="0"/>
-              <a:cs typeface="Times New Roman" panose="02020603050405020304" pitchFamily="18" charset="0"/>
-            </a:endParaRPr>
-          </a:p>
-          <a:p>
-            <a:pPr marL="0" lvl="0" indent="0" algn="ctr" rtl="0">
-              <a:spcBef>
-                <a:spcPts val="0"/>
-              </a:spcBef>
-              <a:spcAft>
-                <a:spcPts val="0"/>
-              </a:spcAft>
-              <a:buNone/>
-            </a:pPr>
-            <a:r>
-              <a:rPr lang="en" sz="2000" b="1" dirty="0">
-                <a:solidFill>
-                  <a:schemeClr val="dk1"/>
-                </a:solidFill>
-                <a:latin typeface="Times New Roman" panose="02020603050405020304" pitchFamily="18" charset="0"/>
-                <a:cs typeface="Times New Roman" panose="02020603050405020304" pitchFamily="18" charset="0"/>
-              </a:rPr>
-              <a:t>Invade</a:t>
-            </a:r>
-            <a:endParaRPr sz="2000" b="1" dirty="0">
-              <a:solidFill>
-                <a:schemeClr val="dk1"/>
-              </a:solidFill>
-              <a:latin typeface="Times New Roman" panose="02020603050405020304" pitchFamily="18" charset="0"/>
-              <a:cs typeface="Times New Roman" panose="02020603050405020304" pitchFamily="18" charset="0"/>
-            </a:endParaRPr>
-          </a:p>
-        </p:txBody>
-      </p:sp>
-      <p:cxnSp>
-        <p:nvCxnSpPr>
-          <p:cNvPr id="166" name="Google Shape;596;p36">
-            <a:extLst>
-              <a:ext uri="{FF2B5EF4-FFF2-40B4-BE49-F238E27FC236}">
-                <a16:creationId xmlns:a16="http://schemas.microsoft.com/office/drawing/2014/main" id="{55AD82D1-E01D-B77A-FA73-6235F5AA9219}"/>
-              </a:ext>
-            </a:extLst>
-          </p:cNvPr>
-          <p:cNvCxnSpPr>
-            <a:cxnSpLocks/>
-            <a:stCxn id="167" idx="0"/>
-            <a:endCxn id="369" idx="4"/>
-          </p:cNvCxnSpPr>
-          <p:nvPr/>
-        </p:nvCxnSpPr>
-        <p:spPr>
-          <a:xfrm flipH="1">
-            <a:off x="18176317" y="9026293"/>
-            <a:ext cx="2315906" cy="0"/>
-          </a:xfrm>
-          <a:prstGeom prst="straightConnector1">
-            <a:avLst/>
-          </a:prstGeom>
-          <a:noFill/>
-          <a:ln w="38100" cap="flat" cmpd="sng">
-            <a:solidFill>
-              <a:srgbClr val="666666"/>
-            </a:solidFill>
-            <a:prstDash val="solid"/>
-            <a:round/>
-            <a:headEnd type="none" w="med" len="med"/>
-            <a:tailEnd type="triangle" w="med" len="med"/>
-          </a:ln>
-        </p:spPr>
-      </p:cxnSp>
-      <p:sp>
-        <p:nvSpPr>
-          <p:cNvPr id="167" name="Google Shape;597;p36">
-            <a:extLst>
-              <a:ext uri="{FF2B5EF4-FFF2-40B4-BE49-F238E27FC236}">
-                <a16:creationId xmlns:a16="http://schemas.microsoft.com/office/drawing/2014/main" id="{3CEB2E9C-08B4-5444-8DB8-EAB87AF0BBD3}"/>
-              </a:ext>
-            </a:extLst>
-          </p:cNvPr>
-          <p:cNvSpPr>
-            <a:spLocks noChangeAspect="1"/>
-          </p:cNvSpPr>
-          <p:nvPr/>
-        </p:nvSpPr>
-        <p:spPr>
-          <a:xfrm rot="16200000">
-            <a:off x="20485787" y="8943997"/>
-            <a:ext cx="177463" cy="164592"/>
-          </a:xfrm>
-          <a:prstGeom prst="ellipse">
-            <a:avLst/>
-          </a:prstGeom>
-          <a:solidFill>
-            <a:srgbClr val="B3B3B3"/>
-          </a:solidFill>
-          <a:ln>
-            <a:noFill/>
-          </a:ln>
-        </p:spPr>
-        <p:txBody>
-          <a:bodyPr spcFirstLastPara="1" wrap="square" lIns="91425" tIns="91425" rIns="91425" bIns="91425" anchor="ctr" anchorCtr="0">
-            <a:noAutofit/>
-          </a:bodyPr>
-          <a:lstStyle/>
-          <a:p>
-            <a:pPr marL="0" lvl="0" indent="0" algn="l" rtl="0">
-              <a:spcBef>
-                <a:spcPts val="0"/>
-              </a:spcBef>
-              <a:spcAft>
-                <a:spcPts val="0"/>
-              </a:spcAft>
-              <a:buNone/>
-            </a:pPr>
-            <a:endParaRPr/>
-          </a:p>
-        </p:txBody>
-      </p:sp>
       <p:pic>
         <p:nvPicPr>
-          <p:cNvPr id="171" name="Google Shape;523;p35">
-            <a:extLst>
-              <a:ext uri="{FF2B5EF4-FFF2-40B4-BE49-F238E27FC236}">
-                <a16:creationId xmlns:a16="http://schemas.microsoft.com/office/drawing/2014/main" id="{562D09A5-0DC2-47A4-7F18-4131D66EBF3F}"/>
-              </a:ext>
-            </a:extLst>
-          </p:cNvPr>
-          <p:cNvPicPr preferRelativeResize="0">
-            <a:picLocks noChangeAspect="1"/>
-          </p:cNvPicPr>
-          <p:nvPr/>
-        </p:nvPicPr>
-        <p:blipFill rotWithShape="1">
-          <a:blip r:embed="rId16">
-            <a:alphaModFix/>
-          </a:blip>
-          <a:srcRect l="6635" b="6889"/>
-          <a:stretch/>
-        </p:blipFill>
-        <p:spPr>
-          <a:xfrm>
-            <a:off x="22838279" y="7708808"/>
-            <a:ext cx="3797246" cy="3069941"/>
-          </a:xfrm>
-          <a:prstGeom prst="rect">
-            <a:avLst/>
-          </a:prstGeom>
-          <a:noFill/>
-          <a:ln>
-            <a:noFill/>
-          </a:ln>
-        </p:spPr>
-      </p:pic>
-      <p:pic>
-        <p:nvPicPr>
-          <p:cNvPr id="172" name="Google Shape;536;p35">
-            <a:extLst>
-              <a:ext uri="{FF2B5EF4-FFF2-40B4-BE49-F238E27FC236}">
-                <a16:creationId xmlns:a16="http://schemas.microsoft.com/office/drawing/2014/main" id="{19845572-2D59-7916-5DC9-8604341E0290}"/>
-              </a:ext>
-            </a:extLst>
-          </p:cNvPr>
-          <p:cNvPicPr preferRelativeResize="0">
-            <a:picLocks noChangeAspect="1"/>
-          </p:cNvPicPr>
-          <p:nvPr/>
-        </p:nvPicPr>
-        <p:blipFill rotWithShape="1">
-          <a:blip r:embed="rId17">
-            <a:alphaModFix/>
-          </a:blip>
-          <a:srcRect l="5482" b="6695"/>
-          <a:stretch/>
-        </p:blipFill>
-        <p:spPr>
-          <a:xfrm>
-            <a:off x="26758948" y="7702946"/>
-            <a:ext cx="3844074" cy="3076331"/>
-          </a:xfrm>
-          <a:prstGeom prst="rect">
-            <a:avLst/>
-          </a:prstGeom>
-          <a:noFill/>
-          <a:ln>
-            <a:noFill/>
-          </a:ln>
-        </p:spPr>
-      </p:pic>
-      <p:pic>
-        <p:nvPicPr>
-          <p:cNvPr id="173" name="Google Shape;537;p35">
-            <a:extLst>
-              <a:ext uri="{FF2B5EF4-FFF2-40B4-BE49-F238E27FC236}">
-                <a16:creationId xmlns:a16="http://schemas.microsoft.com/office/drawing/2014/main" id="{FFB4143E-F515-DCAB-5218-D9B33B3ACEEF}"/>
+          <p:cNvPr id="174" name="Google Shape;538;p35">
+            <a:extLst>
+              <a:ext uri="{FF2B5EF4-FFF2-40B4-BE49-F238E27FC236}">
+                <a16:creationId xmlns:a16="http://schemas.microsoft.com/office/drawing/2014/main" id="{D461FDD5-8C3C-349A-06C0-F6543FC9F981}"/>
               </a:ext>
             </a:extLst>
           </p:cNvPr>
@@ -5947,8 +5486,8 @@
         </p:blipFill>
         <p:spPr>
           <a:xfrm>
-            <a:off x="23674469" y="8639808"/>
-            <a:ext cx="248146" cy="209527"/>
+            <a:off x="24356477" y="8790465"/>
+            <a:ext cx="275053" cy="209527"/>
           </a:xfrm>
           <a:prstGeom prst="rect">
             <a:avLst/>
@@ -5961,10 +5500,10 @@
       </p:pic>
       <p:pic>
         <p:nvPicPr>
-          <p:cNvPr id="174" name="Google Shape;538;p35">
-            <a:extLst>
-              <a:ext uri="{FF2B5EF4-FFF2-40B4-BE49-F238E27FC236}">
-                <a16:creationId xmlns:a16="http://schemas.microsoft.com/office/drawing/2014/main" id="{D461FDD5-8C3C-349A-06C0-F6543FC9F981}"/>
+          <p:cNvPr id="178" name="Google Shape;543;p35">
+            <a:extLst>
+              <a:ext uri="{FF2B5EF4-FFF2-40B4-BE49-F238E27FC236}">
+                <a16:creationId xmlns:a16="http://schemas.microsoft.com/office/drawing/2014/main" id="{E0CA6BBF-564D-236E-2DAD-FA53D87EDF18}"/>
               </a:ext>
             </a:extLst>
           </p:cNvPr>
@@ -5981,8 +5520,8 @@
         </p:blipFill>
         <p:spPr>
           <a:xfrm>
-            <a:off x="23658025" y="8026591"/>
-            <a:ext cx="275053" cy="209527"/>
+            <a:off x="24366940" y="9989901"/>
+            <a:ext cx="254125" cy="209527"/>
           </a:xfrm>
           <a:prstGeom prst="rect">
             <a:avLst/>
@@ -5995,78 +5534,10 @@
       </p:pic>
       <p:pic>
         <p:nvPicPr>
-          <p:cNvPr id="175" name="Google Shape;539;p35">
-            <a:extLst>
-              <a:ext uri="{FF2B5EF4-FFF2-40B4-BE49-F238E27FC236}">
-                <a16:creationId xmlns:a16="http://schemas.microsoft.com/office/drawing/2014/main" id="{768DD41D-183E-46CD-8ED3-CE55E2FF8517}"/>
-              </a:ext>
-            </a:extLst>
-          </p:cNvPr>
-          <p:cNvPicPr preferRelativeResize="0"/>
-          <p:nvPr/>
-        </p:nvPicPr>
-        <p:blipFill>
-          <a:blip r:embed="rId18">
-            <a:alphaModFix/>
-          </a:blip>
-          <a:stretch>
-            <a:fillRect/>
-          </a:stretch>
-        </p:blipFill>
-        <p:spPr>
-          <a:xfrm>
-            <a:off x="27575081" y="8598878"/>
-            <a:ext cx="248146" cy="209527"/>
-          </a:xfrm>
-          <a:prstGeom prst="rect">
-            <a:avLst/>
-          </a:prstGeom>
-          <a:noFill/>
-          <a:ln>
-            <a:noFill/>
-          </a:ln>
-        </p:spPr>
-      </p:pic>
-      <p:pic>
-        <p:nvPicPr>
-          <p:cNvPr id="176" name="Google Shape;540;p35">
-            <a:extLst>
-              <a:ext uri="{FF2B5EF4-FFF2-40B4-BE49-F238E27FC236}">
-                <a16:creationId xmlns:a16="http://schemas.microsoft.com/office/drawing/2014/main" id="{A7E264D6-3A1D-4EE4-1696-629E3D9F6AC4}"/>
-              </a:ext>
-            </a:extLst>
-          </p:cNvPr>
-          <p:cNvPicPr preferRelativeResize="0"/>
-          <p:nvPr/>
-        </p:nvPicPr>
-        <p:blipFill>
-          <a:blip r:embed="rId19">
-            <a:alphaModFix/>
-          </a:blip>
-          <a:stretch>
-            <a:fillRect/>
-          </a:stretch>
-        </p:blipFill>
-        <p:spPr>
-          <a:xfrm>
-            <a:off x="27561627" y="8030166"/>
-            <a:ext cx="275053" cy="209527"/>
-          </a:xfrm>
-          <a:prstGeom prst="rect">
-            <a:avLst/>
-          </a:prstGeom>
-          <a:noFill/>
-          <a:ln>
-            <a:noFill/>
-          </a:ln>
-        </p:spPr>
-      </p:pic>
-      <p:pic>
-        <p:nvPicPr>
-          <p:cNvPr id="177" name="Google Shape;541;p35">
-            <a:extLst>
-              <a:ext uri="{FF2B5EF4-FFF2-40B4-BE49-F238E27FC236}">
-                <a16:creationId xmlns:a16="http://schemas.microsoft.com/office/drawing/2014/main" id="{219F3905-FC06-8005-6C23-8594F2BBE5C9}"/>
+          <p:cNvPr id="181" name="Google Shape;542;p35">
+            <a:extLst>
+              <a:ext uri="{FF2B5EF4-FFF2-40B4-BE49-F238E27FC236}">
+                <a16:creationId xmlns:a16="http://schemas.microsoft.com/office/drawing/2014/main" id="{5BA3A1E9-0F22-F7C8-D533-4731437DB6F6}"/>
               </a:ext>
             </a:extLst>
           </p:cNvPr>
@@ -6083,8 +5554,8 @@
         </p:blipFill>
         <p:spPr>
           <a:xfrm>
-            <a:off x="27587756" y="9201160"/>
-            <a:ext cx="254125" cy="209527"/>
+            <a:off x="30477758" y="10416009"/>
+            <a:ext cx="281033" cy="209527"/>
           </a:xfrm>
           <a:prstGeom prst="rect">
             <a:avLst/>
@@ -6095,12 +5566,532 @@
           </a:ln>
         </p:spPr>
       </p:pic>
+      <p:sp>
+        <p:nvSpPr>
+          <p:cNvPr id="196" name="Google Shape;320;p28">
+            <a:extLst>
+              <a:ext uri="{FF2B5EF4-FFF2-40B4-BE49-F238E27FC236}">
+                <a16:creationId xmlns:a16="http://schemas.microsoft.com/office/drawing/2014/main" id="{135B49CA-B272-6CE9-C94B-3F145BB8A876}"/>
+              </a:ext>
+            </a:extLst>
+          </p:cNvPr>
+          <p:cNvSpPr txBox="1"/>
+          <p:nvPr/>
+        </p:nvSpPr>
+        <p:spPr>
+          <a:xfrm>
+            <a:off x="18589568" y="11672841"/>
+            <a:ext cx="5295447" cy="569356"/>
+          </a:xfrm>
+          <a:prstGeom prst="rect">
+            <a:avLst/>
+          </a:prstGeom>
+          <a:noFill/>
+          <a:ln>
+            <a:noFill/>
+          </a:ln>
+        </p:spPr>
+        <p:txBody>
+          <a:bodyPr spcFirstLastPara="1" wrap="square" lIns="91425" tIns="91425" rIns="91425" bIns="91425" anchor="t" anchorCtr="0">
+            <a:spAutoFit/>
+          </a:bodyPr>
+          <a:lstStyle/>
+          <a:p>
+            <a:r>
+              <a:rPr lang="en" sz="2500" b="1" i="1" dirty="0">
+                <a:latin typeface="Times New Roman" panose="02020603050405020304" pitchFamily="18" charset="0"/>
+                <a:cs typeface="Times New Roman" panose="02020603050405020304" pitchFamily="18" charset="0"/>
+              </a:rPr>
+              <a:t>L</a:t>
+            </a:r>
+            <a:r>
+              <a:rPr lang="en" sz="2500" b="1" i="1" baseline="-25000" dirty="0">
+                <a:latin typeface="Times New Roman" panose="02020603050405020304" pitchFamily="18" charset="0"/>
+                <a:cs typeface="Times New Roman" panose="02020603050405020304" pitchFamily="18" charset="0"/>
+              </a:rPr>
+              <a:t>A</a:t>
+            </a:r>
+            <a:r>
+              <a:rPr lang="en" sz="2500" b="1" dirty="0">
+                <a:latin typeface="Times New Roman" panose="02020603050405020304" pitchFamily="18" charset="0"/>
+                <a:cs typeface="Times New Roman" panose="02020603050405020304" pitchFamily="18" charset="0"/>
+              </a:rPr>
+              <a:t> Induction Rate,</a:t>
+            </a:r>
+            <a:endParaRPr sz="2500" b="1" dirty="0">
+              <a:latin typeface="Times New Roman" panose="02020603050405020304" pitchFamily="18" charset="0"/>
+              <a:cs typeface="Times New Roman" panose="02020603050405020304" pitchFamily="18" charset="0"/>
+            </a:endParaRPr>
+          </a:p>
+        </p:txBody>
+      </p:sp>
+      <p:sp>
+        <p:nvSpPr>
+          <p:cNvPr id="208" name="Google Shape;320;p28">
+            <a:extLst>
+              <a:ext uri="{FF2B5EF4-FFF2-40B4-BE49-F238E27FC236}">
+                <a16:creationId xmlns:a16="http://schemas.microsoft.com/office/drawing/2014/main" id="{C018FA17-7574-BC0D-C28B-F3C784558CB5}"/>
+              </a:ext>
+            </a:extLst>
+          </p:cNvPr>
+          <p:cNvSpPr txBox="1"/>
+          <p:nvPr/>
+        </p:nvSpPr>
+        <p:spPr>
+          <a:xfrm>
+            <a:off x="17330194" y="16105849"/>
+            <a:ext cx="6561696" cy="569356"/>
+          </a:xfrm>
+          <a:prstGeom prst="rect">
+            <a:avLst/>
+          </a:prstGeom>
+          <a:noFill/>
+          <a:ln>
+            <a:noFill/>
+          </a:ln>
+        </p:spPr>
+        <p:txBody>
+          <a:bodyPr spcFirstLastPara="1" wrap="square" lIns="91425" tIns="91425" rIns="91425" bIns="91425" anchor="t" anchorCtr="0">
+            <a:spAutoFit/>
+          </a:bodyPr>
+          <a:lstStyle/>
+          <a:p>
+            <a:pPr algn="ctr"/>
+            <a:r>
+              <a:rPr lang="en" sz="2500" b="1" dirty="0">
+                <a:latin typeface="Times New Roman" panose="02020603050405020304" pitchFamily="18" charset="0"/>
+                <a:cs typeface="Times New Roman" panose="02020603050405020304" pitchFamily="18" charset="0"/>
+              </a:rPr>
+              <a:t>Lag Time to Introduce </a:t>
+            </a:r>
+            <a:r>
+              <a:rPr lang="en" sz="2500" b="1" i="1" dirty="0">
+                <a:latin typeface="Times New Roman" panose="02020603050405020304" pitchFamily="18" charset="0"/>
+                <a:cs typeface="Times New Roman" panose="02020603050405020304" pitchFamily="18" charset="0"/>
+              </a:rPr>
+              <a:t>L</a:t>
+            </a:r>
+            <a:r>
+              <a:rPr lang="en" sz="2500" b="1" i="1" baseline="-25000" dirty="0">
+                <a:latin typeface="Times New Roman" panose="02020603050405020304" pitchFamily="18" charset="0"/>
+                <a:cs typeface="Times New Roman" panose="02020603050405020304" pitchFamily="18" charset="0"/>
+              </a:rPr>
+              <a:t>B</a:t>
+            </a:r>
+            <a:r>
+              <a:rPr lang="en" sz="2500" b="1" dirty="0">
+                <a:latin typeface="Times New Roman" panose="02020603050405020304" pitchFamily="18" charset="0"/>
+                <a:cs typeface="Times New Roman" panose="02020603050405020304" pitchFamily="18" charset="0"/>
+              </a:rPr>
+              <a:t>, </a:t>
+            </a:r>
+            <a:r>
+              <a:rPr lang="en" sz="2500" b="1" dirty="0" err="1">
+                <a:latin typeface="Times New Roman" panose="02020603050405020304" pitchFamily="18" charset="0"/>
+                <a:cs typeface="Times New Roman" panose="02020603050405020304" pitchFamily="18" charset="0"/>
+              </a:rPr>
+              <a:t>hr</a:t>
+            </a:r>
+            <a:endParaRPr sz="2500" b="1" dirty="0">
+              <a:latin typeface="Times New Roman" panose="02020603050405020304" pitchFamily="18" charset="0"/>
+              <a:cs typeface="Times New Roman" panose="02020603050405020304" pitchFamily="18" charset="0"/>
+            </a:endParaRPr>
+          </a:p>
+        </p:txBody>
+      </p:sp>
+      <p:sp>
+        <p:nvSpPr>
+          <p:cNvPr id="214" name="TextBox 213">
+            <a:extLst>
+              <a:ext uri="{FF2B5EF4-FFF2-40B4-BE49-F238E27FC236}">
+                <a16:creationId xmlns:a16="http://schemas.microsoft.com/office/drawing/2014/main" id="{811761E1-7FB7-B77B-B7EB-192CDEA9FCCD}"/>
+              </a:ext>
+            </a:extLst>
+          </p:cNvPr>
+          <p:cNvSpPr txBox="1"/>
+          <p:nvPr/>
+        </p:nvSpPr>
+        <p:spPr>
+          <a:xfrm>
+            <a:off x="18067882" y="7747846"/>
+            <a:ext cx="911292" cy="523220"/>
+          </a:xfrm>
+          <a:prstGeom prst="rect">
+            <a:avLst/>
+          </a:prstGeom>
+          <a:noFill/>
+        </p:spPr>
+        <p:txBody>
+          <a:bodyPr wrap="square" rtlCol="0">
+            <a:spAutoFit/>
+          </a:bodyPr>
+          <a:lstStyle/>
+          <a:p>
+            <a:pPr algn="ctr"/>
+            <a:r>
+              <a:rPr lang="en-US" sz="2800" b="1" dirty="0">
+                <a:latin typeface="Times New Roman" panose="02020603050405020304" pitchFamily="18" charset="0"/>
+                <a:cs typeface="Times New Roman" panose="02020603050405020304" pitchFamily="18" charset="0"/>
+              </a:rPr>
+              <a:t>(a)</a:t>
+            </a:r>
+          </a:p>
+        </p:txBody>
+      </p:sp>
+      <p:sp>
+        <p:nvSpPr>
+          <p:cNvPr id="215" name="TextBox 214">
+            <a:extLst>
+              <a:ext uri="{FF2B5EF4-FFF2-40B4-BE49-F238E27FC236}">
+                <a16:creationId xmlns:a16="http://schemas.microsoft.com/office/drawing/2014/main" id="{194A1068-3CCB-4767-C5B7-E4314F18C059}"/>
+              </a:ext>
+            </a:extLst>
+          </p:cNvPr>
+          <p:cNvSpPr txBox="1"/>
+          <p:nvPr/>
+        </p:nvSpPr>
+        <p:spPr>
+          <a:xfrm>
+            <a:off x="18131659" y="12342330"/>
+            <a:ext cx="911292" cy="523220"/>
+          </a:xfrm>
+          <a:prstGeom prst="rect">
+            <a:avLst/>
+          </a:prstGeom>
+          <a:noFill/>
+        </p:spPr>
+        <p:txBody>
+          <a:bodyPr wrap="square" rtlCol="0">
+            <a:spAutoFit/>
+          </a:bodyPr>
+          <a:lstStyle/>
+          <a:p>
+            <a:pPr algn="ctr"/>
+            <a:r>
+              <a:rPr lang="en-US" sz="2800" b="1" dirty="0">
+                <a:latin typeface="Times New Roman" panose="02020603050405020304" pitchFamily="18" charset="0"/>
+                <a:cs typeface="Times New Roman" panose="02020603050405020304" pitchFamily="18" charset="0"/>
+              </a:rPr>
+              <a:t>(b)</a:t>
+            </a:r>
+          </a:p>
+        </p:txBody>
+      </p:sp>
+      <p:sp>
+        <p:nvSpPr>
+          <p:cNvPr id="217" name="Google Shape;320;p28">
+            <a:extLst>
+              <a:ext uri="{FF2B5EF4-FFF2-40B4-BE49-F238E27FC236}">
+                <a16:creationId xmlns:a16="http://schemas.microsoft.com/office/drawing/2014/main" id="{74A8C1A3-F9C7-16C5-51B1-7C198CF9220C}"/>
+              </a:ext>
+            </a:extLst>
+          </p:cNvPr>
+          <p:cNvSpPr txBox="1"/>
+          <p:nvPr/>
+        </p:nvSpPr>
+        <p:spPr>
+          <a:xfrm rot="16200000">
+            <a:off x="13443681" y="11985984"/>
+            <a:ext cx="8234708" cy="569356"/>
+          </a:xfrm>
+          <a:prstGeom prst="rect">
+            <a:avLst/>
+          </a:prstGeom>
+          <a:noFill/>
+          <a:ln>
+            <a:noFill/>
+          </a:ln>
+        </p:spPr>
+        <p:txBody>
+          <a:bodyPr spcFirstLastPara="1" wrap="square" lIns="91425" tIns="91425" rIns="91425" bIns="91425" anchor="t" anchorCtr="0">
+            <a:spAutoFit/>
+          </a:bodyPr>
+          <a:lstStyle/>
+          <a:p>
+            <a:pPr algn="ctr"/>
+            <a:r>
+              <a:rPr lang="en" sz="2500" b="1" dirty="0">
+                <a:latin typeface="Times New Roman" panose="02020603050405020304" pitchFamily="18" charset="0"/>
+                <a:cs typeface="Times New Roman" panose="02020603050405020304" pitchFamily="18" charset="0"/>
+              </a:rPr>
+              <a:t>Minimal Growth Rate for </a:t>
+            </a:r>
+            <a:r>
+              <a:rPr lang="en" sz="2500" b="1" i="1" dirty="0">
+                <a:latin typeface="Times New Roman" panose="02020603050405020304" pitchFamily="18" charset="0"/>
+                <a:cs typeface="Times New Roman" panose="02020603050405020304" pitchFamily="18" charset="0"/>
+              </a:rPr>
+              <a:t>L</a:t>
+            </a:r>
+            <a:r>
+              <a:rPr lang="en" sz="2500" b="1" i="1" baseline="-25000" dirty="0">
+                <a:latin typeface="Times New Roman" panose="02020603050405020304" pitchFamily="18" charset="0"/>
+                <a:cs typeface="Times New Roman" panose="02020603050405020304" pitchFamily="18" charset="0"/>
+              </a:rPr>
+              <a:t>B</a:t>
+            </a:r>
+            <a:r>
+              <a:rPr lang="en" sz="2500" b="1" dirty="0">
+                <a:latin typeface="Times New Roman" panose="02020603050405020304" pitchFamily="18" charset="0"/>
+                <a:cs typeface="Times New Roman" panose="02020603050405020304" pitchFamily="18" charset="0"/>
+              </a:rPr>
+              <a:t> to Invade,</a:t>
+            </a:r>
+            <a:endParaRPr sz="2500" b="1" dirty="0">
+              <a:latin typeface="Times New Roman" panose="02020603050405020304" pitchFamily="18" charset="0"/>
+              <a:cs typeface="Times New Roman" panose="02020603050405020304" pitchFamily="18" charset="0"/>
+            </a:endParaRPr>
+          </a:p>
+        </p:txBody>
+      </p:sp>
+      <p:sp>
+        <p:nvSpPr>
+          <p:cNvPr id="229" name="Google Shape;320;p28">
+            <a:extLst>
+              <a:ext uri="{FF2B5EF4-FFF2-40B4-BE49-F238E27FC236}">
+                <a16:creationId xmlns:a16="http://schemas.microsoft.com/office/drawing/2014/main" id="{0B051504-B026-DB61-6A90-2FA7B9C5B11A}"/>
+              </a:ext>
+            </a:extLst>
+          </p:cNvPr>
+          <p:cNvSpPr txBox="1"/>
+          <p:nvPr/>
+        </p:nvSpPr>
+        <p:spPr>
+          <a:xfrm>
+            <a:off x="24823112" y="16099293"/>
+            <a:ext cx="1899457" cy="569356"/>
+          </a:xfrm>
+          <a:prstGeom prst="rect">
+            <a:avLst/>
+          </a:prstGeom>
+          <a:noFill/>
+          <a:ln>
+            <a:noFill/>
+          </a:ln>
+        </p:spPr>
+        <p:txBody>
+          <a:bodyPr spcFirstLastPara="1" wrap="square" lIns="91425" tIns="91425" rIns="91425" bIns="91425" anchor="t" anchorCtr="0">
+            <a:spAutoFit/>
+          </a:bodyPr>
+          <a:lstStyle/>
+          <a:p>
+            <a:pPr algn="ctr"/>
+            <a:r>
+              <a:rPr lang="en" sz="2500" b="1" dirty="0">
+                <a:latin typeface="Times New Roman" panose="02020603050405020304" pitchFamily="18" charset="0"/>
+                <a:cs typeface="Times New Roman" panose="02020603050405020304" pitchFamily="18" charset="0"/>
+              </a:rPr>
+              <a:t>Time, </a:t>
+            </a:r>
+            <a:r>
+              <a:rPr lang="en" sz="2500" b="1" dirty="0" err="1">
+                <a:latin typeface="Times New Roman" panose="02020603050405020304" pitchFamily="18" charset="0"/>
+                <a:cs typeface="Times New Roman" panose="02020603050405020304" pitchFamily="18" charset="0"/>
+              </a:rPr>
+              <a:t>hr</a:t>
+            </a:r>
+            <a:endParaRPr sz="2500" b="1" dirty="0">
+              <a:latin typeface="Times New Roman" panose="02020603050405020304" pitchFamily="18" charset="0"/>
+              <a:cs typeface="Times New Roman" panose="02020603050405020304" pitchFamily="18" charset="0"/>
+            </a:endParaRPr>
+          </a:p>
+        </p:txBody>
+      </p:sp>
+      <p:sp>
+        <p:nvSpPr>
+          <p:cNvPr id="232" name="Google Shape;320;p28">
+            <a:extLst>
+              <a:ext uri="{FF2B5EF4-FFF2-40B4-BE49-F238E27FC236}">
+                <a16:creationId xmlns:a16="http://schemas.microsoft.com/office/drawing/2014/main" id="{6AA0CE2F-26BF-2D83-35D4-A45B0DF77EA0}"/>
+              </a:ext>
+            </a:extLst>
+          </p:cNvPr>
+          <p:cNvSpPr txBox="1"/>
+          <p:nvPr/>
+        </p:nvSpPr>
+        <p:spPr>
+          <a:xfrm>
+            <a:off x="28960453" y="16111241"/>
+            <a:ext cx="1938855" cy="569356"/>
+          </a:xfrm>
+          <a:prstGeom prst="rect">
+            <a:avLst/>
+          </a:prstGeom>
+          <a:noFill/>
+          <a:ln>
+            <a:noFill/>
+          </a:ln>
+        </p:spPr>
+        <p:txBody>
+          <a:bodyPr spcFirstLastPara="1" wrap="square" lIns="91425" tIns="91425" rIns="91425" bIns="91425" anchor="t" anchorCtr="0">
+            <a:spAutoFit/>
+          </a:bodyPr>
+          <a:lstStyle/>
+          <a:p>
+            <a:pPr algn="ctr"/>
+            <a:r>
+              <a:rPr lang="en" sz="2500" b="1" dirty="0">
+                <a:latin typeface="Times New Roman" panose="02020603050405020304" pitchFamily="18" charset="0"/>
+                <a:cs typeface="Times New Roman" panose="02020603050405020304" pitchFamily="18" charset="0"/>
+              </a:rPr>
+              <a:t>Time, </a:t>
+            </a:r>
+            <a:r>
+              <a:rPr lang="en" sz="2500" b="1" dirty="0" err="1">
+                <a:latin typeface="Times New Roman" panose="02020603050405020304" pitchFamily="18" charset="0"/>
+                <a:cs typeface="Times New Roman" panose="02020603050405020304" pitchFamily="18" charset="0"/>
+              </a:rPr>
+              <a:t>hr</a:t>
+            </a:r>
+            <a:endParaRPr sz="2500" b="1" dirty="0">
+              <a:latin typeface="Times New Roman" panose="02020603050405020304" pitchFamily="18" charset="0"/>
+              <a:cs typeface="Times New Roman" panose="02020603050405020304" pitchFamily="18" charset="0"/>
+            </a:endParaRPr>
+          </a:p>
+        </p:txBody>
+      </p:sp>
       <p:pic>
         <p:nvPicPr>
-          <p:cNvPr id="178" name="Google Shape;543;p35">
-            <a:extLst>
-              <a:ext uri="{FF2B5EF4-FFF2-40B4-BE49-F238E27FC236}">
-                <a16:creationId xmlns:a16="http://schemas.microsoft.com/office/drawing/2014/main" id="{E0CA6BBF-564D-236E-2DAD-FA53D87EDF18}"/>
+          <p:cNvPr id="236" name="Picture 235">
+            <a:extLst>
+              <a:ext uri="{FF2B5EF4-FFF2-40B4-BE49-F238E27FC236}">
+                <a16:creationId xmlns:a16="http://schemas.microsoft.com/office/drawing/2014/main" id="{0AC8438B-EE30-2500-28DE-9C2F96B6B271}"/>
+              </a:ext>
+            </a:extLst>
+          </p:cNvPr>
+          <p:cNvPicPr>
+            <a:picLocks noChangeAspect="1"/>
+          </p:cNvPicPr>
+          <p:nvPr/>
+        </p:nvPicPr>
+        <p:blipFill>
+          <a:blip r:embed="rId21"/>
+          <a:stretch>
+            <a:fillRect/>
+          </a:stretch>
+        </p:blipFill>
+        <p:spPr>
+          <a:xfrm>
+            <a:off x="21387048" y="11797630"/>
+            <a:ext cx="2114450" cy="396009"/>
+          </a:xfrm>
+          <a:prstGeom prst="rect">
+            <a:avLst/>
+          </a:prstGeom>
+        </p:spPr>
+      </p:pic>
+      <p:sp>
+        <p:nvSpPr>
+          <p:cNvPr id="241" name="Google Shape;320;p28">
+            <a:extLst>
+              <a:ext uri="{FF2B5EF4-FFF2-40B4-BE49-F238E27FC236}">
+                <a16:creationId xmlns:a16="http://schemas.microsoft.com/office/drawing/2014/main" id="{632BD0BE-8206-0CA3-24A2-06F0C9D43966}"/>
+              </a:ext>
+            </a:extLst>
+          </p:cNvPr>
+          <p:cNvSpPr txBox="1"/>
+          <p:nvPr/>
+        </p:nvSpPr>
+        <p:spPr>
+          <a:xfrm>
+            <a:off x="24479325" y="11581827"/>
+            <a:ext cx="2243242" cy="569356"/>
+          </a:xfrm>
+          <a:prstGeom prst="rect">
+            <a:avLst/>
+          </a:prstGeom>
+          <a:noFill/>
+          <a:ln>
+            <a:noFill/>
+          </a:ln>
+        </p:spPr>
+        <p:txBody>
+          <a:bodyPr spcFirstLastPara="1" wrap="square" lIns="91425" tIns="91425" rIns="91425" bIns="91425" anchor="t" anchorCtr="0">
+            <a:spAutoFit/>
+          </a:bodyPr>
+          <a:lstStyle/>
+          <a:p>
+            <a:pPr algn="ctr"/>
+            <a:r>
+              <a:rPr lang="en" sz="2500" b="1" dirty="0">
+                <a:latin typeface="Times New Roman" panose="02020603050405020304" pitchFamily="18" charset="0"/>
+                <a:cs typeface="Times New Roman" panose="02020603050405020304" pitchFamily="18" charset="0"/>
+              </a:rPr>
+              <a:t>Time, </a:t>
+            </a:r>
+            <a:r>
+              <a:rPr lang="en" sz="2500" b="1" dirty="0" err="1">
+                <a:latin typeface="Times New Roman" panose="02020603050405020304" pitchFamily="18" charset="0"/>
+                <a:cs typeface="Times New Roman" panose="02020603050405020304" pitchFamily="18" charset="0"/>
+              </a:rPr>
+              <a:t>hr</a:t>
+            </a:r>
+            <a:endParaRPr sz="2500" b="1" dirty="0">
+              <a:latin typeface="Times New Roman" panose="02020603050405020304" pitchFamily="18" charset="0"/>
+              <a:cs typeface="Times New Roman" panose="02020603050405020304" pitchFamily="18" charset="0"/>
+            </a:endParaRPr>
+          </a:p>
+        </p:txBody>
+      </p:sp>
+      <p:sp>
+        <p:nvSpPr>
+          <p:cNvPr id="242" name="Google Shape;320;p28">
+            <a:extLst>
+              <a:ext uri="{FF2B5EF4-FFF2-40B4-BE49-F238E27FC236}">
+                <a16:creationId xmlns:a16="http://schemas.microsoft.com/office/drawing/2014/main" id="{30F2C422-E016-331B-46AE-71C4280BB630}"/>
+              </a:ext>
+            </a:extLst>
+          </p:cNvPr>
+          <p:cNvSpPr txBox="1"/>
+          <p:nvPr/>
+        </p:nvSpPr>
+        <p:spPr>
+          <a:xfrm>
+            <a:off x="28890285" y="11588231"/>
+            <a:ext cx="2243242" cy="569356"/>
+          </a:xfrm>
+          <a:prstGeom prst="rect">
+            <a:avLst/>
+          </a:prstGeom>
+          <a:noFill/>
+          <a:ln>
+            <a:noFill/>
+          </a:ln>
+        </p:spPr>
+        <p:txBody>
+          <a:bodyPr spcFirstLastPara="1" wrap="square" lIns="91425" tIns="91425" rIns="91425" bIns="91425" anchor="t" anchorCtr="0">
+            <a:spAutoFit/>
+          </a:bodyPr>
+          <a:lstStyle/>
+          <a:p>
+            <a:pPr algn="ctr"/>
+            <a:r>
+              <a:rPr lang="en" sz="2500" b="1" dirty="0">
+                <a:latin typeface="Times New Roman" panose="02020603050405020304" pitchFamily="18" charset="0"/>
+                <a:cs typeface="Times New Roman" panose="02020603050405020304" pitchFamily="18" charset="0"/>
+              </a:rPr>
+              <a:t>Time, </a:t>
+            </a:r>
+            <a:r>
+              <a:rPr lang="en" sz="2500" b="1" dirty="0" err="1">
+                <a:latin typeface="Times New Roman" panose="02020603050405020304" pitchFamily="18" charset="0"/>
+                <a:cs typeface="Times New Roman" panose="02020603050405020304" pitchFamily="18" charset="0"/>
+              </a:rPr>
+              <a:t>hr</a:t>
+            </a:r>
+            <a:endParaRPr sz="2500" b="1" dirty="0">
+              <a:latin typeface="Times New Roman" panose="02020603050405020304" pitchFamily="18" charset="0"/>
+              <a:cs typeface="Times New Roman" panose="02020603050405020304" pitchFamily="18" charset="0"/>
+            </a:endParaRPr>
+          </a:p>
+        </p:txBody>
+      </p:sp>
+      <p:pic>
+        <p:nvPicPr>
+          <p:cNvPr id="248" name="Google Shape;542;p35">
+            <a:extLst>
+              <a:ext uri="{FF2B5EF4-FFF2-40B4-BE49-F238E27FC236}">
+                <a16:creationId xmlns:a16="http://schemas.microsoft.com/office/drawing/2014/main" id="{A9ED35A6-6E9A-7B1E-4BCB-ADE7682F65AE}"/>
               </a:ext>
             </a:extLst>
           </p:cNvPr>
@@ -6117,8 +6108,8 @@
         </p:blipFill>
         <p:spPr>
           <a:xfrm>
-            <a:off x="23668490" y="9198857"/>
-            <a:ext cx="254125" cy="209527"/>
+            <a:off x="30618275" y="14961918"/>
+            <a:ext cx="281033" cy="209527"/>
           </a:xfrm>
           <a:prstGeom prst="rect">
             <a:avLst/>
@@ -6129,30 +6120,321 @@
           </a:ln>
         </p:spPr>
       </p:pic>
-      <p:pic>
-        <p:nvPicPr>
-          <p:cNvPr id="181" name="Google Shape;542;p35">
-            <a:extLst>
-              <a:ext uri="{FF2B5EF4-FFF2-40B4-BE49-F238E27FC236}">
-                <a16:creationId xmlns:a16="http://schemas.microsoft.com/office/drawing/2014/main" id="{5BA3A1E9-0F22-F7C8-D533-4731437DB6F6}"/>
-              </a:ext>
-            </a:extLst>
-          </p:cNvPr>
-          <p:cNvPicPr preferRelativeResize="0"/>
-          <p:nvPr/>
-        </p:nvPicPr>
-        <p:blipFill>
-          <a:blip r:embed="rId21">
-            <a:alphaModFix/>
-          </a:blip>
-          <a:stretch>
-            <a:fillRect/>
-          </a:stretch>
-        </p:blipFill>
-        <p:spPr>
-          <a:xfrm>
-            <a:off x="28760899" y="9521731"/>
-            <a:ext cx="281033" cy="209527"/>
+      <p:sp>
+        <p:nvSpPr>
+          <p:cNvPr id="253" name="TextBox 252">
+            <a:extLst>
+              <a:ext uri="{FF2B5EF4-FFF2-40B4-BE49-F238E27FC236}">
+                <a16:creationId xmlns:a16="http://schemas.microsoft.com/office/drawing/2014/main" id="{81ECDA9D-F64D-54EF-056B-78C392F9D7BE}"/>
+              </a:ext>
+            </a:extLst>
+          </p:cNvPr>
+          <p:cNvSpPr txBox="1"/>
+          <p:nvPr/>
+        </p:nvSpPr>
+        <p:spPr>
+          <a:xfrm>
+            <a:off x="16831800" y="25902922"/>
+            <a:ext cx="14902904" cy="2015936"/>
+          </a:xfrm>
+          <a:prstGeom prst="rect">
+            <a:avLst/>
+          </a:prstGeom>
+          <a:noFill/>
+        </p:spPr>
+        <p:txBody>
+          <a:bodyPr wrap="square" rtlCol="0">
+            <a:spAutoFit/>
+          </a:bodyPr>
+          <a:lstStyle/>
+          <a:p>
+            <a:pPr algn="just"/>
+            <a:r>
+              <a:rPr lang="en-US" sz="2500" b="1" dirty="0">
+                <a:latin typeface="Avenir Book" panose="02000503020000020003" pitchFamily="2" charset="0"/>
+              </a:rPr>
+              <a:t>Figure 4. “Buffers” and ”weapons” in a spatial model. </a:t>
+            </a:r>
+            <a:r>
+              <a:rPr lang="en-US" sz="2500" dirty="0">
+                <a:latin typeface="Avenir Book" panose="02000503020000020003" pitchFamily="2" charset="0"/>
+              </a:rPr>
+              <a:t>Invasion dynamics in a 2D planar grid (6 mm x 6 mm) shown at: 0, 24, 72, 120, 200 hours. Without </a:t>
+            </a:r>
+            <a:r>
+              <a:rPr lang="en-US" sz="2500" i="1" dirty="0">
+                <a:latin typeface="Avenir Book" panose="02000503020000020003" pitchFamily="2" charset="0"/>
+              </a:rPr>
+              <a:t>L</a:t>
+            </a:r>
+            <a:r>
+              <a:rPr lang="en-US" sz="2500" i="1" baseline="-25000" dirty="0">
+                <a:latin typeface="Avenir Book" panose="02000503020000020003" pitchFamily="2" charset="0"/>
+              </a:rPr>
+              <a:t>A</a:t>
+            </a:r>
+            <a:r>
+              <a:rPr lang="en-US" sz="2500" dirty="0">
+                <a:latin typeface="Avenir Book" panose="02000503020000020003" pitchFamily="2" charset="0"/>
+              </a:rPr>
+              <a:t> induction </a:t>
+            </a:r>
+            <a:r>
+              <a:rPr lang="en-US" sz="2500" b="1" dirty="0">
+                <a:latin typeface="Avenir Book" panose="02000503020000020003" pitchFamily="2" charset="0"/>
+              </a:rPr>
+              <a:t>(a)</a:t>
+            </a:r>
+            <a:r>
+              <a:rPr lang="en-US" sz="2500" dirty="0">
+                <a:latin typeface="Avenir Book" panose="02000503020000020003" pitchFamily="2" charset="0"/>
+              </a:rPr>
+              <a:t>, </a:t>
+            </a:r>
+            <a:r>
+              <a:rPr lang="en-US" sz="2500" i="1" dirty="0">
+                <a:latin typeface="Avenir Book" panose="02000503020000020003" pitchFamily="2" charset="0"/>
+              </a:rPr>
+              <a:t>L</a:t>
+            </a:r>
+            <a:r>
+              <a:rPr lang="en-US" sz="2500" i="1" baseline="-25000" dirty="0">
+                <a:latin typeface="Avenir Book" panose="02000503020000020003" pitchFamily="2" charset="0"/>
+              </a:rPr>
+              <a:t>B</a:t>
+            </a:r>
+            <a:r>
+              <a:rPr lang="en-US" sz="2500" dirty="0">
+                <a:latin typeface="Avenir Book" panose="02000503020000020003" pitchFamily="2" charset="0"/>
+              </a:rPr>
+              <a:t> colonies expand and dominate over </a:t>
+            </a:r>
+            <a:r>
+              <a:rPr lang="en-US" sz="2500" i="1" dirty="0">
+                <a:latin typeface="Avenir Book" panose="02000503020000020003" pitchFamily="2" charset="0"/>
+              </a:rPr>
+              <a:t>L</a:t>
+            </a:r>
+            <a:r>
+              <a:rPr lang="en-US" sz="2500" i="1" baseline="-25000" dirty="0">
+                <a:latin typeface="Avenir Book" panose="02000503020000020003" pitchFamily="2" charset="0"/>
+              </a:rPr>
+              <a:t>A</a:t>
+            </a:r>
+            <a:r>
+              <a:rPr lang="en-US" sz="2500" dirty="0">
+                <a:latin typeface="Avenir Book" panose="02000503020000020003" pitchFamily="2" charset="0"/>
+              </a:rPr>
+              <a:t>. Here, </a:t>
+            </a:r>
+            <a:r>
+              <a:rPr lang="en-US" sz="2500" i="1" dirty="0">
+                <a:latin typeface="Avenir Book" panose="02000503020000020003" pitchFamily="2" charset="0"/>
+              </a:rPr>
+              <a:t>L</a:t>
+            </a:r>
+            <a:r>
+              <a:rPr lang="en-US" sz="2500" i="1" baseline="-25000" dirty="0">
+                <a:latin typeface="Avenir Book" panose="02000503020000020003" pitchFamily="2" charset="0"/>
+              </a:rPr>
+              <a:t>A</a:t>
+            </a:r>
+            <a:r>
+              <a:rPr lang="en-US" sz="2500" dirty="0">
+                <a:latin typeface="Avenir Book" panose="02000503020000020003" pitchFamily="2" charset="0"/>
+              </a:rPr>
+              <a:t> lacks the V</a:t>
+            </a:r>
+            <a:r>
+              <a:rPr lang="en-US" sz="2500" baseline="-25000" dirty="0">
+                <a:latin typeface="Avenir Book" panose="02000503020000020003" pitchFamily="2" charset="0"/>
+              </a:rPr>
+              <a:t>A</a:t>
+            </a:r>
+            <a:r>
+              <a:rPr lang="en-US" sz="2500" dirty="0">
+                <a:latin typeface="Avenir Book" panose="02000503020000020003" pitchFamily="2" charset="0"/>
+              </a:rPr>
+              <a:t> buffer to defend itself. With both </a:t>
+            </a:r>
+            <a:r>
+              <a:rPr lang="en-US" sz="2500" i="1" dirty="0">
+                <a:latin typeface="Avenir Book" panose="02000503020000020003" pitchFamily="2" charset="0"/>
+              </a:rPr>
+              <a:t>L</a:t>
+            </a:r>
+            <a:r>
+              <a:rPr lang="en-US" sz="2500" i="1" baseline="-25000" dirty="0">
+                <a:latin typeface="Avenir Book" panose="02000503020000020003" pitchFamily="2" charset="0"/>
+              </a:rPr>
+              <a:t>A, </a:t>
+            </a:r>
+            <a:r>
+              <a:rPr lang="en-US" sz="2500" i="1" dirty="0">
+                <a:latin typeface="Avenir Book" panose="02000503020000020003" pitchFamily="2" charset="0"/>
+              </a:rPr>
+              <a:t>L</a:t>
+            </a:r>
+            <a:r>
+              <a:rPr lang="en-US" sz="2500" i="1" baseline="-25000" dirty="0">
+                <a:latin typeface="Avenir Book" panose="02000503020000020003" pitchFamily="2" charset="0"/>
+              </a:rPr>
+              <a:t>B </a:t>
+            </a:r>
+            <a:r>
+              <a:rPr lang="en-US" sz="2500" dirty="0">
+                <a:latin typeface="Avenir Book" panose="02000503020000020003" pitchFamily="2" charset="0"/>
+              </a:rPr>
+              <a:t>induction </a:t>
+            </a:r>
+            <a:r>
+              <a:rPr lang="en-US" sz="2500" b="1" dirty="0">
+                <a:latin typeface="Avenir Book" panose="02000503020000020003" pitchFamily="2" charset="0"/>
+              </a:rPr>
+              <a:t>(b)</a:t>
+            </a:r>
+            <a:r>
+              <a:rPr lang="en-US" sz="2500" i="1" dirty="0">
+                <a:latin typeface="Avenir Book" panose="02000503020000020003" pitchFamily="2" charset="0"/>
+              </a:rPr>
+              <a:t>, </a:t>
+            </a:r>
+            <a:r>
+              <a:rPr lang="en-US" sz="2500" dirty="0">
+                <a:latin typeface="Avenir Book" panose="02000503020000020003" pitchFamily="2" charset="0"/>
+              </a:rPr>
+              <a:t>the expansion of </a:t>
+            </a:r>
+            <a:r>
+              <a:rPr lang="en-US" sz="2500" i="1" dirty="0">
+                <a:latin typeface="Avenir Book" panose="02000503020000020003" pitchFamily="2" charset="0"/>
+              </a:rPr>
+              <a:t>L</a:t>
+            </a:r>
+            <a:r>
+              <a:rPr lang="en-US" sz="2500" i="1" baseline="-25000" dirty="0">
+                <a:latin typeface="Avenir Book" panose="02000503020000020003" pitchFamily="2" charset="0"/>
+              </a:rPr>
+              <a:t>B </a:t>
+            </a:r>
+            <a:r>
+              <a:rPr lang="en-US" sz="2500" dirty="0">
+                <a:latin typeface="Avenir Book" panose="02000503020000020003" pitchFamily="2" charset="0"/>
+              </a:rPr>
+              <a:t>is inhibited by </a:t>
+            </a:r>
+            <a:r>
+              <a:rPr lang="en-US" sz="2500" i="1" dirty="0">
+                <a:latin typeface="Avenir Book" panose="02000503020000020003" pitchFamily="2" charset="0"/>
+              </a:rPr>
+              <a:t>V</a:t>
+            </a:r>
+            <a:r>
+              <a:rPr lang="en-US" sz="2500" i="1" baseline="-25000" dirty="0">
+                <a:latin typeface="Avenir Book" panose="02000503020000020003" pitchFamily="2" charset="0"/>
+              </a:rPr>
+              <a:t>A </a:t>
+            </a:r>
+            <a:r>
+              <a:rPr lang="en-US" sz="2500" dirty="0">
+                <a:latin typeface="Avenir Book" panose="02000503020000020003" pitchFamily="2" charset="0"/>
+              </a:rPr>
+              <a:t>(produced from </a:t>
+            </a:r>
+            <a:r>
+              <a:rPr lang="en-US" sz="2500" i="1" dirty="0">
+                <a:latin typeface="Avenir Book" panose="02000503020000020003" pitchFamily="2" charset="0"/>
+              </a:rPr>
+              <a:t>L</a:t>
+            </a:r>
+            <a:r>
+              <a:rPr lang="en-US" sz="2500" i="1" baseline="-25000" dirty="0">
+                <a:latin typeface="Avenir Book" panose="02000503020000020003" pitchFamily="2" charset="0"/>
+              </a:rPr>
+              <a:t>A </a:t>
+            </a:r>
+            <a:r>
+              <a:rPr lang="en-US" sz="2500" dirty="0">
+                <a:latin typeface="Avenir Book" panose="02000503020000020003" pitchFamily="2" charset="0"/>
+              </a:rPr>
+              <a:t>induction). Without </a:t>
+            </a:r>
+            <a:r>
+              <a:rPr lang="en-US" sz="2500" i="1" dirty="0">
+                <a:latin typeface="Avenir Book" panose="02000503020000020003" pitchFamily="2" charset="0"/>
+              </a:rPr>
+              <a:t>L</a:t>
+            </a:r>
+            <a:r>
+              <a:rPr lang="en-US" sz="2500" i="1" baseline="-25000" dirty="0">
+                <a:latin typeface="Avenir Book" panose="02000503020000020003" pitchFamily="2" charset="0"/>
+              </a:rPr>
+              <a:t>B</a:t>
+            </a:r>
+            <a:r>
+              <a:rPr lang="en-US" sz="2500" dirty="0">
+                <a:latin typeface="Avenir Book" panose="02000503020000020003" pitchFamily="2" charset="0"/>
+              </a:rPr>
+              <a:t> induction </a:t>
+            </a:r>
+            <a:r>
+              <a:rPr lang="en-US" sz="2500" b="1" dirty="0">
+                <a:latin typeface="Avenir Book" panose="02000503020000020003" pitchFamily="2" charset="0"/>
+              </a:rPr>
+              <a:t>(c)</a:t>
+            </a:r>
+            <a:r>
+              <a:rPr lang="en-US" sz="2500" dirty="0">
+                <a:latin typeface="Avenir Book" panose="02000503020000020003" pitchFamily="2" charset="0"/>
+              </a:rPr>
+              <a:t>,</a:t>
+            </a:r>
+            <a:r>
+              <a:rPr lang="en-US" sz="2500" b="1" dirty="0">
+                <a:latin typeface="Avenir Book" panose="02000503020000020003" pitchFamily="2" charset="0"/>
+              </a:rPr>
+              <a:t> </a:t>
+            </a:r>
+            <a:r>
+              <a:rPr lang="en-US" sz="2500" i="1" dirty="0">
+                <a:latin typeface="Avenir Book" panose="02000503020000020003" pitchFamily="2" charset="0"/>
+              </a:rPr>
+              <a:t>L</a:t>
+            </a:r>
+            <a:r>
+              <a:rPr lang="en-US" sz="2500" i="1" baseline="-25000" dirty="0">
+                <a:latin typeface="Avenir Book" panose="02000503020000020003" pitchFamily="2" charset="0"/>
+              </a:rPr>
+              <a:t>B</a:t>
+            </a:r>
+            <a:r>
+              <a:rPr lang="en-US" sz="2500" dirty="0">
+                <a:latin typeface="Avenir Book" panose="02000503020000020003" pitchFamily="2" charset="0"/>
+              </a:rPr>
+              <a:t> lacks a weapon and cannot invade.</a:t>
+            </a:r>
+            <a:endParaRPr lang="en-US" sz="2500" i="1" baseline="-25000" dirty="0">
+              <a:latin typeface="Avenir Book" panose="02000503020000020003" pitchFamily="2" charset="0"/>
+            </a:endParaRPr>
+          </a:p>
+        </p:txBody>
+      </p:sp>
+      <p:sp>
+        <p:nvSpPr>
+          <p:cNvPr id="254" name="Google Shape;320;p28">
+            <a:extLst>
+              <a:ext uri="{FF2B5EF4-FFF2-40B4-BE49-F238E27FC236}">
+                <a16:creationId xmlns:a16="http://schemas.microsoft.com/office/drawing/2014/main" id="{6938AC62-3C39-F481-1EE7-415F8760B964}"/>
+              </a:ext>
+            </a:extLst>
+          </p:cNvPr>
+          <p:cNvSpPr txBox="1"/>
+          <p:nvPr/>
+        </p:nvSpPr>
+        <p:spPr>
+          <a:xfrm>
+            <a:off x="16831800" y="22525586"/>
+            <a:ext cx="3495450" cy="569356"/>
           </a:xfrm>
           <a:prstGeom prst="rect">
             <a:avLst/>
@@ -6162,33 +6444,71 @@
             <a:noFill/>
           </a:ln>
         </p:spPr>
-      </p:pic>
-      <p:pic>
-        <p:nvPicPr>
-          <p:cNvPr id="183" name="Google Shape;531;p35">
-            <a:extLst>
-              <a:ext uri="{FF2B5EF4-FFF2-40B4-BE49-F238E27FC236}">
-                <a16:creationId xmlns:a16="http://schemas.microsoft.com/office/drawing/2014/main" id="{48435EE2-373A-4886-A90C-F44CCE918631}"/>
-              </a:ext>
-            </a:extLst>
-          </p:cNvPr>
-          <p:cNvPicPr preferRelativeResize="0">
-            <a:picLocks noChangeAspect="1"/>
-          </p:cNvPicPr>
-          <p:nvPr/>
-        </p:nvPicPr>
-        <p:blipFill>
-          <a:blip r:embed="rId22">
-            <a:alphaModFix/>
-          </a:blip>
-          <a:stretch>
-            <a:fillRect/>
-          </a:stretch>
-        </p:blipFill>
-        <p:spPr>
-          <a:xfrm>
-            <a:off x="19356619" y="8097640"/>
-            <a:ext cx="680046" cy="230480"/>
+        <p:txBody>
+          <a:bodyPr spcFirstLastPara="1" wrap="square" lIns="91425" tIns="91425" rIns="91425" bIns="91425" anchor="t" anchorCtr="0">
+            <a:spAutoFit/>
+          </a:bodyPr>
+          <a:lstStyle/>
+          <a:p>
+            <a:pPr algn="ctr"/>
+            <a:r>
+              <a:rPr lang="en" sz="2500" b="1" i="1" dirty="0">
+                <a:latin typeface="Times New Roman" panose="02020603050405020304" pitchFamily="18" charset="0"/>
+                <a:cs typeface="Times New Roman" panose="02020603050405020304" pitchFamily="18" charset="0"/>
+              </a:rPr>
+              <a:t>L</a:t>
+            </a:r>
+            <a:r>
+              <a:rPr lang="en" sz="2500" b="1" i="1" baseline="-25000" dirty="0">
+                <a:latin typeface="Times New Roman" panose="02020603050405020304" pitchFamily="18" charset="0"/>
+                <a:cs typeface="Times New Roman" panose="02020603050405020304" pitchFamily="18" charset="0"/>
+              </a:rPr>
+              <a:t>A, </a:t>
+            </a:r>
+            <a:r>
+              <a:rPr lang="en" sz="2500" b="1" i="1" dirty="0">
+                <a:latin typeface="Times New Roman" panose="02020603050405020304" pitchFamily="18" charset="0"/>
+                <a:cs typeface="Times New Roman" panose="02020603050405020304" pitchFamily="18" charset="0"/>
+              </a:rPr>
+              <a:t>L</a:t>
+            </a:r>
+            <a:r>
+              <a:rPr lang="en" sz="2500" b="1" i="1" baseline="-25000" dirty="0">
+                <a:latin typeface="Times New Roman" panose="02020603050405020304" pitchFamily="18" charset="0"/>
+                <a:cs typeface="Times New Roman" panose="02020603050405020304" pitchFamily="18" charset="0"/>
+              </a:rPr>
+              <a:t>B</a:t>
+            </a:r>
+            <a:r>
+              <a:rPr lang="en" sz="2500" b="1" dirty="0">
+                <a:latin typeface="Times New Roman" panose="02020603050405020304" pitchFamily="18" charset="0"/>
+                <a:cs typeface="Times New Roman" panose="02020603050405020304" pitchFamily="18" charset="0"/>
+              </a:rPr>
+              <a:t> Induction</a:t>
+            </a:r>
+            <a:endParaRPr sz="2500" b="1" dirty="0">
+              <a:latin typeface="Times New Roman" panose="02020603050405020304" pitchFamily="18" charset="0"/>
+              <a:cs typeface="Times New Roman" panose="02020603050405020304" pitchFamily="18" charset="0"/>
+            </a:endParaRPr>
+          </a:p>
+        </p:txBody>
+      </p:sp>
+      <p:sp>
+        <p:nvSpPr>
+          <p:cNvPr id="287" name="Google Shape;320;p28">
+            <a:extLst>
+              <a:ext uri="{FF2B5EF4-FFF2-40B4-BE49-F238E27FC236}">
+                <a16:creationId xmlns:a16="http://schemas.microsoft.com/office/drawing/2014/main" id="{6644CDC9-F97E-B9CB-AFB0-EFDB9E636F26}"/>
+              </a:ext>
+            </a:extLst>
+          </p:cNvPr>
+          <p:cNvSpPr txBox="1"/>
+          <p:nvPr/>
+        </p:nvSpPr>
+        <p:spPr>
+          <a:xfrm>
+            <a:off x="16906166" y="20469544"/>
+            <a:ext cx="3362277" cy="569356"/>
           </a:xfrm>
           <a:prstGeom prst="rect">
             <a:avLst/>
@@ -6198,33 +6518,93 @@
             <a:noFill/>
           </a:ln>
         </p:spPr>
-      </p:pic>
+        <p:txBody>
+          <a:bodyPr spcFirstLastPara="1" wrap="square" lIns="91425" tIns="91425" rIns="91425" bIns="91425" anchor="t" anchorCtr="0">
+            <a:spAutoFit/>
+          </a:bodyPr>
+          <a:lstStyle/>
+          <a:p>
+            <a:pPr algn="ctr"/>
+            <a:r>
+              <a:rPr lang="en" sz="2500" b="1" dirty="0">
+                <a:latin typeface="Times New Roman" panose="02020603050405020304" pitchFamily="18" charset="0"/>
+                <a:cs typeface="Times New Roman" panose="02020603050405020304" pitchFamily="18" charset="0"/>
+              </a:rPr>
+              <a:t>No</a:t>
+            </a:r>
+            <a:r>
+              <a:rPr lang="en" sz="2500" b="1" i="1" dirty="0">
+                <a:latin typeface="Times New Roman" panose="02020603050405020304" pitchFamily="18" charset="0"/>
+                <a:cs typeface="Times New Roman" panose="02020603050405020304" pitchFamily="18" charset="0"/>
+              </a:rPr>
+              <a:t> L</a:t>
+            </a:r>
+            <a:r>
+              <a:rPr lang="en" sz="2500" b="1" i="1" baseline="-25000" dirty="0">
+                <a:latin typeface="Times New Roman" panose="02020603050405020304" pitchFamily="18" charset="0"/>
+                <a:cs typeface="Times New Roman" panose="02020603050405020304" pitchFamily="18" charset="0"/>
+              </a:rPr>
+              <a:t>A</a:t>
+            </a:r>
+            <a:r>
+              <a:rPr lang="en" sz="2500" b="1" dirty="0">
+                <a:latin typeface="Times New Roman" panose="02020603050405020304" pitchFamily="18" charset="0"/>
+                <a:cs typeface="Times New Roman" panose="02020603050405020304" pitchFamily="18" charset="0"/>
+              </a:rPr>
+              <a:t> Induction</a:t>
+            </a:r>
+            <a:endParaRPr sz="2500" b="1" dirty="0">
+              <a:latin typeface="Times New Roman" panose="02020603050405020304" pitchFamily="18" charset="0"/>
+              <a:cs typeface="Times New Roman" panose="02020603050405020304" pitchFamily="18" charset="0"/>
+            </a:endParaRPr>
+          </a:p>
+        </p:txBody>
+      </p:sp>
       <p:pic>
         <p:nvPicPr>
-          <p:cNvPr id="185" name="Google Shape;543;p35">
-            <a:extLst>
-              <a:ext uri="{FF2B5EF4-FFF2-40B4-BE49-F238E27FC236}">
-                <a16:creationId xmlns:a16="http://schemas.microsoft.com/office/drawing/2014/main" id="{236FB07F-10F7-5101-3E29-5A7CEADD5F79}"/>
-              </a:ext>
-            </a:extLst>
-          </p:cNvPr>
-          <p:cNvPicPr preferRelativeResize="0">
+          <p:cNvPr id="293" name="Picture 292" descr="A picture containing text, screenshot, colorfulness, font&#10;&#10;Description automatically generated">
+            <a:extLst>
+              <a:ext uri="{FF2B5EF4-FFF2-40B4-BE49-F238E27FC236}">
+                <a16:creationId xmlns:a16="http://schemas.microsoft.com/office/drawing/2014/main" id="{4A8B659D-9BFA-5720-EDB2-2BD5982DBA2C}"/>
+              </a:ext>
+            </a:extLst>
+          </p:cNvPr>
+          <p:cNvPicPr>
             <a:picLocks noChangeAspect="1"/>
           </p:cNvPicPr>
           <p:nvPr/>
         </p:nvPicPr>
-        <p:blipFill>
-          <a:blip r:embed="rId20">
-            <a:alphaModFix/>
-          </a:blip>
-          <a:stretch>
-            <a:fillRect/>
-          </a:stretch>
+        <p:blipFill rotWithShape="1">
+          <a:blip r:embed="rId22"/>
+          <a:srcRect l="86889" r="6296" b="14070"/>
+          <a:stretch/>
         </p:blipFill>
         <p:spPr>
           <a:xfrm>
-            <a:off x="20674418" y="9469304"/>
-            <a:ext cx="304951" cy="251433"/>
+            <a:off x="31267089" y="20552129"/>
+            <a:ext cx="423285" cy="4249335"/>
+          </a:xfrm>
+          <a:prstGeom prst="rect">
+            <a:avLst/>
+          </a:prstGeom>
+        </p:spPr>
+      </p:pic>
+      <p:sp>
+        <p:nvSpPr>
+          <p:cNvPr id="308" name="Google Shape;320;p28">
+            <a:extLst>
+              <a:ext uri="{FF2B5EF4-FFF2-40B4-BE49-F238E27FC236}">
+                <a16:creationId xmlns:a16="http://schemas.microsoft.com/office/drawing/2014/main" id="{73F2A43B-5AE7-A8C9-94A7-8B09C37AD568}"/>
+              </a:ext>
+            </a:extLst>
+          </p:cNvPr>
+          <p:cNvSpPr txBox="1"/>
+          <p:nvPr/>
+        </p:nvSpPr>
+        <p:spPr>
+          <a:xfrm>
+            <a:off x="16861892" y="24563445"/>
+            <a:ext cx="3495450" cy="569356"/>
           </a:xfrm>
           <a:prstGeom prst="rect">
             <a:avLst/>
@@ -6234,1485 +6614,48 @@
             <a:noFill/>
           </a:ln>
         </p:spPr>
-      </p:pic>
-      <p:cxnSp>
-        <p:nvCxnSpPr>
-          <p:cNvPr id="193" name="Google Shape;626;p37">
-            <a:extLst>
-              <a:ext uri="{FF2B5EF4-FFF2-40B4-BE49-F238E27FC236}">
-                <a16:creationId xmlns:a16="http://schemas.microsoft.com/office/drawing/2014/main" id="{B7357748-7E53-884F-241C-430605EDA9EA}"/>
-              </a:ext>
-            </a:extLst>
-          </p:cNvPr>
-          <p:cNvCxnSpPr>
-            <a:cxnSpLocks/>
-          </p:cNvCxnSpPr>
-          <p:nvPr/>
-        </p:nvCxnSpPr>
-        <p:spPr>
-          <a:xfrm>
-            <a:off x="18644354" y="12270010"/>
-            <a:ext cx="0" cy="2633472"/>
-          </a:xfrm>
-          <a:prstGeom prst="straightConnector1">
-            <a:avLst/>
-          </a:prstGeom>
-          <a:noFill/>
-          <a:ln w="38100" cap="flat" cmpd="sng">
-            <a:solidFill>
-              <a:srgbClr val="D2D2D2"/>
-            </a:solidFill>
-            <a:prstDash val="dash"/>
-            <a:round/>
-            <a:headEnd type="none" w="med" len="med"/>
-            <a:tailEnd type="none" w="med" len="med"/>
-          </a:ln>
-        </p:spPr>
-      </p:cxnSp>
-      <p:cxnSp>
-        <p:nvCxnSpPr>
-          <p:cNvPr id="194" name="Google Shape;626;p37">
-            <a:extLst>
-              <a:ext uri="{FF2B5EF4-FFF2-40B4-BE49-F238E27FC236}">
-                <a16:creationId xmlns:a16="http://schemas.microsoft.com/office/drawing/2014/main" id="{5B0770B5-4727-6383-8ABD-1FDE6FAAB069}"/>
-              </a:ext>
-            </a:extLst>
-          </p:cNvPr>
-          <p:cNvCxnSpPr>
-            <a:cxnSpLocks/>
-          </p:cNvCxnSpPr>
-          <p:nvPr/>
-        </p:nvCxnSpPr>
-        <p:spPr>
-          <a:xfrm>
-            <a:off x="19356619" y="12276626"/>
-            <a:ext cx="0" cy="2633472"/>
-          </a:xfrm>
-          <a:prstGeom prst="straightConnector1">
-            <a:avLst/>
-          </a:prstGeom>
-          <a:noFill/>
-          <a:ln w="38100" cap="flat" cmpd="sng">
-            <a:solidFill>
-              <a:srgbClr val="598BC5"/>
-            </a:solidFill>
-            <a:prstDash val="dash"/>
-            <a:round/>
-            <a:headEnd type="none" w="med" len="med"/>
-            <a:tailEnd type="none" w="med" len="med"/>
-          </a:ln>
-        </p:spPr>
-      </p:cxnSp>
-      <p:sp>
-        <p:nvSpPr>
-          <p:cNvPr id="196" name="Google Shape;320;p28">
-            <a:extLst>
-              <a:ext uri="{FF2B5EF4-FFF2-40B4-BE49-F238E27FC236}">
-                <a16:creationId xmlns:a16="http://schemas.microsoft.com/office/drawing/2014/main" id="{135B49CA-B272-6CE9-C94B-3F145BB8A876}"/>
-              </a:ext>
-            </a:extLst>
-          </p:cNvPr>
-          <p:cNvSpPr txBox="1"/>
-          <p:nvPr/>
-        </p:nvSpPr>
-        <p:spPr>
-          <a:xfrm>
-            <a:off x="16987991" y="10718252"/>
-            <a:ext cx="5295447" cy="738633"/>
-          </a:xfrm>
-          <a:prstGeom prst="rect">
-            <a:avLst/>
-          </a:prstGeom>
-          <a:noFill/>
-          <a:ln>
-            <a:noFill/>
-          </a:ln>
-        </p:spPr>
         <p:txBody>
           <a:bodyPr spcFirstLastPara="1" wrap="square" lIns="91425" tIns="91425" rIns="91425" bIns="91425" anchor="t" anchorCtr="0">
             <a:spAutoFit/>
           </a:bodyPr>
           <a:lstStyle/>
           <a:p>
-            <a:pPr marL="0" lvl="0" indent="0" algn="l" rtl="0">
-              <a:spcBef>
-                <a:spcPts val="0"/>
-              </a:spcBef>
-              <a:spcAft>
-                <a:spcPts val="0"/>
-              </a:spcAft>
-              <a:buNone/>
-            </a:pPr>
-            <a:r>
-              <a:rPr lang="en" sz="3600" b="1" i="1" dirty="0">
+            <a:pPr algn="ctr"/>
+            <a:r>
+              <a:rPr lang="en" sz="2500" b="1" dirty="0">
                 <a:latin typeface="Times New Roman" panose="02020603050405020304" pitchFamily="18" charset="0"/>
                 <a:cs typeface="Times New Roman" panose="02020603050405020304" pitchFamily="18" charset="0"/>
               </a:rPr>
-              <a:t>L</a:t>
-            </a:r>
-            <a:r>
-              <a:rPr lang="en" sz="3600" b="1" i="1" baseline="-25000" dirty="0">
+              <a:t>No</a:t>
+            </a:r>
+            <a:r>
+              <a:rPr lang="en" sz="2500" b="1" i="1" dirty="0">
                 <a:latin typeface="Times New Roman" panose="02020603050405020304" pitchFamily="18" charset="0"/>
                 <a:cs typeface="Times New Roman" panose="02020603050405020304" pitchFamily="18" charset="0"/>
               </a:rPr>
-              <a:t>A</a:t>
-            </a:r>
-            <a:r>
-              <a:rPr lang="en" sz="3600" b="1" dirty="0">
+              <a:t> L</a:t>
+            </a:r>
+            <a:r>
+              <a:rPr lang="en" sz="2500" b="1" i="1" baseline="-25000" dirty="0">
                 <a:latin typeface="Times New Roman" panose="02020603050405020304" pitchFamily="18" charset="0"/>
                 <a:cs typeface="Times New Roman" panose="02020603050405020304" pitchFamily="18" charset="0"/>
               </a:rPr>
-              <a:t> Induction Rate,</a:t>
-            </a:r>
-            <a:endParaRPr sz="3600" b="1" dirty="0">
+              <a:t>B</a:t>
+            </a:r>
+            <a:r>
+              <a:rPr lang="en" sz="2500" b="1" dirty="0">
+                <a:latin typeface="Times New Roman" panose="02020603050405020304" pitchFamily="18" charset="0"/>
+                <a:cs typeface="Times New Roman" panose="02020603050405020304" pitchFamily="18" charset="0"/>
+              </a:rPr>
+              <a:t> Induction</a:t>
+            </a:r>
+            <a:endParaRPr sz="2500" b="1" dirty="0">
               <a:latin typeface="Times New Roman" panose="02020603050405020304" pitchFamily="18" charset="0"/>
               <a:cs typeface="Times New Roman" panose="02020603050405020304" pitchFamily="18" charset="0"/>
             </a:endParaRPr>
           </a:p>
         </p:txBody>
       </p:sp>
-      <p:sp>
-        <p:nvSpPr>
-          <p:cNvPr id="208" name="Google Shape;320;p28">
-            <a:extLst>
-              <a:ext uri="{FF2B5EF4-FFF2-40B4-BE49-F238E27FC236}">
-                <a16:creationId xmlns:a16="http://schemas.microsoft.com/office/drawing/2014/main" id="{C018FA17-7574-BC0D-C28B-F3C784558CB5}"/>
-              </a:ext>
-            </a:extLst>
-          </p:cNvPr>
-          <p:cNvSpPr txBox="1"/>
-          <p:nvPr/>
-        </p:nvSpPr>
-        <p:spPr>
-          <a:xfrm>
-            <a:off x="16415794" y="14958369"/>
-            <a:ext cx="6561696" cy="738633"/>
-          </a:xfrm>
-          <a:prstGeom prst="rect">
-            <a:avLst/>
-          </a:prstGeom>
-          <a:noFill/>
-          <a:ln>
-            <a:noFill/>
-          </a:ln>
-        </p:spPr>
-        <p:txBody>
-          <a:bodyPr spcFirstLastPara="1" wrap="square" lIns="91425" tIns="91425" rIns="91425" bIns="91425" anchor="t" anchorCtr="0">
-            <a:spAutoFit/>
-          </a:bodyPr>
-          <a:lstStyle/>
-          <a:p>
-            <a:pPr marL="0" lvl="0" indent="0" algn="ctr" rtl="0">
-              <a:spcBef>
-                <a:spcPts val="0"/>
-              </a:spcBef>
-              <a:spcAft>
-                <a:spcPts val="0"/>
-              </a:spcAft>
-              <a:buNone/>
-            </a:pPr>
-            <a:r>
-              <a:rPr lang="en" sz="3600" b="1" dirty="0">
-                <a:latin typeface="Times New Roman" panose="02020603050405020304" pitchFamily="18" charset="0"/>
-                <a:cs typeface="Times New Roman" panose="02020603050405020304" pitchFamily="18" charset="0"/>
-              </a:rPr>
-              <a:t>Lag Time to Introduce </a:t>
-            </a:r>
-            <a:r>
-              <a:rPr lang="en" sz="3600" b="1" i="1" dirty="0">
-                <a:latin typeface="Times New Roman" panose="02020603050405020304" pitchFamily="18" charset="0"/>
-                <a:cs typeface="Times New Roman" panose="02020603050405020304" pitchFamily="18" charset="0"/>
-              </a:rPr>
-              <a:t>L</a:t>
-            </a:r>
-            <a:r>
-              <a:rPr lang="en" sz="3600" b="1" i="1" baseline="-25000" dirty="0">
-                <a:latin typeface="Times New Roman" panose="02020603050405020304" pitchFamily="18" charset="0"/>
-                <a:cs typeface="Times New Roman" panose="02020603050405020304" pitchFamily="18" charset="0"/>
-              </a:rPr>
-              <a:t>B</a:t>
-            </a:r>
-            <a:r>
-              <a:rPr lang="en" sz="3600" b="1" dirty="0">
-                <a:latin typeface="Times New Roman" panose="02020603050405020304" pitchFamily="18" charset="0"/>
-                <a:cs typeface="Times New Roman" panose="02020603050405020304" pitchFamily="18" charset="0"/>
-              </a:rPr>
-              <a:t>, </a:t>
-            </a:r>
-            <a:r>
-              <a:rPr lang="en" sz="3600" b="1" dirty="0" err="1">
-                <a:latin typeface="Times New Roman" panose="02020603050405020304" pitchFamily="18" charset="0"/>
-                <a:cs typeface="Times New Roman" panose="02020603050405020304" pitchFamily="18" charset="0"/>
-              </a:rPr>
-              <a:t>hr</a:t>
-            </a:r>
-            <a:endParaRPr sz="3600" b="1" dirty="0">
-              <a:latin typeface="Times New Roman" panose="02020603050405020304" pitchFamily="18" charset="0"/>
-              <a:cs typeface="Times New Roman" panose="02020603050405020304" pitchFamily="18" charset="0"/>
-            </a:endParaRPr>
-          </a:p>
-        </p:txBody>
-      </p:sp>
-      <p:sp>
-        <p:nvSpPr>
-          <p:cNvPr id="214" name="TextBox 213">
-            <a:extLst>
-              <a:ext uri="{FF2B5EF4-FFF2-40B4-BE49-F238E27FC236}">
-                <a16:creationId xmlns:a16="http://schemas.microsoft.com/office/drawing/2014/main" id="{811761E1-7FB7-B77B-B7EB-192CDEA9FCCD}"/>
-              </a:ext>
-            </a:extLst>
-          </p:cNvPr>
-          <p:cNvSpPr txBox="1"/>
-          <p:nvPr/>
-        </p:nvSpPr>
-        <p:spPr>
-          <a:xfrm>
-            <a:off x="17243231" y="6939166"/>
-            <a:ext cx="911292" cy="646331"/>
-          </a:xfrm>
-          <a:prstGeom prst="rect">
-            <a:avLst/>
-          </a:prstGeom>
-          <a:noFill/>
-        </p:spPr>
-        <p:txBody>
-          <a:bodyPr wrap="square" rtlCol="0">
-            <a:spAutoFit/>
-          </a:bodyPr>
-          <a:lstStyle/>
-          <a:p>
-            <a:pPr algn="ctr"/>
-            <a:r>
-              <a:rPr lang="en-US" sz="3600" b="1" dirty="0">
-                <a:latin typeface="Times New Roman" panose="02020603050405020304" pitchFamily="18" charset="0"/>
-                <a:cs typeface="Times New Roman" panose="02020603050405020304" pitchFamily="18" charset="0"/>
-              </a:rPr>
-              <a:t>(a)</a:t>
-            </a:r>
-          </a:p>
-        </p:txBody>
-      </p:sp>
-      <p:sp>
-        <p:nvSpPr>
-          <p:cNvPr id="215" name="TextBox 214">
-            <a:extLst>
-              <a:ext uri="{FF2B5EF4-FFF2-40B4-BE49-F238E27FC236}">
-                <a16:creationId xmlns:a16="http://schemas.microsoft.com/office/drawing/2014/main" id="{194A1068-3CCB-4767-C5B7-E4314F18C059}"/>
-              </a:ext>
-            </a:extLst>
-          </p:cNvPr>
-          <p:cNvSpPr txBox="1"/>
-          <p:nvPr/>
-        </p:nvSpPr>
-        <p:spPr>
-          <a:xfrm>
-            <a:off x="17268149" y="11516363"/>
-            <a:ext cx="911292" cy="646331"/>
-          </a:xfrm>
-          <a:prstGeom prst="rect">
-            <a:avLst/>
-          </a:prstGeom>
-          <a:noFill/>
-        </p:spPr>
-        <p:txBody>
-          <a:bodyPr wrap="square" rtlCol="0">
-            <a:spAutoFit/>
-          </a:bodyPr>
-          <a:lstStyle/>
-          <a:p>
-            <a:pPr algn="ctr"/>
-            <a:r>
-              <a:rPr lang="en-US" sz="3600" b="1" dirty="0">
-                <a:latin typeface="Times New Roman" panose="02020603050405020304" pitchFamily="18" charset="0"/>
-                <a:cs typeface="Times New Roman" panose="02020603050405020304" pitchFamily="18" charset="0"/>
-              </a:rPr>
-              <a:t>(b)</a:t>
-            </a:r>
-          </a:p>
-        </p:txBody>
-      </p:sp>
-      <p:sp>
-        <p:nvSpPr>
-          <p:cNvPr id="217" name="Google Shape;320;p28">
-            <a:extLst>
-              <a:ext uri="{FF2B5EF4-FFF2-40B4-BE49-F238E27FC236}">
-                <a16:creationId xmlns:a16="http://schemas.microsoft.com/office/drawing/2014/main" id="{74A8C1A3-F9C7-16C5-51B1-7C198CF9220C}"/>
-              </a:ext>
-            </a:extLst>
-          </p:cNvPr>
-          <p:cNvSpPr txBox="1"/>
-          <p:nvPr/>
-        </p:nvSpPr>
-        <p:spPr>
-          <a:xfrm rot="16200000">
-            <a:off x="12488202" y="11118719"/>
-            <a:ext cx="8234708" cy="738633"/>
-          </a:xfrm>
-          <a:prstGeom prst="rect">
-            <a:avLst/>
-          </a:prstGeom>
-          <a:noFill/>
-          <a:ln>
-            <a:noFill/>
-          </a:ln>
-        </p:spPr>
-        <p:txBody>
-          <a:bodyPr spcFirstLastPara="1" wrap="square" lIns="91425" tIns="91425" rIns="91425" bIns="91425" anchor="t" anchorCtr="0">
-            <a:spAutoFit/>
-          </a:bodyPr>
-          <a:lstStyle/>
-          <a:p>
-            <a:pPr marL="0" lvl="0" indent="0" rtl="0">
-              <a:spcBef>
-                <a:spcPts val="0"/>
-              </a:spcBef>
-              <a:spcAft>
-                <a:spcPts val="0"/>
-              </a:spcAft>
-              <a:buNone/>
-            </a:pPr>
-            <a:r>
-              <a:rPr lang="en" sz="3600" b="1" dirty="0">
-                <a:latin typeface="Times New Roman" panose="02020603050405020304" pitchFamily="18" charset="0"/>
-                <a:cs typeface="Times New Roman" panose="02020603050405020304" pitchFamily="18" charset="0"/>
-              </a:rPr>
-              <a:t>Minimal Growth Rate for </a:t>
-            </a:r>
-            <a:r>
-              <a:rPr lang="en" sz="3600" b="1" i="1" dirty="0">
-                <a:latin typeface="Times New Roman" panose="02020603050405020304" pitchFamily="18" charset="0"/>
-                <a:cs typeface="Times New Roman" panose="02020603050405020304" pitchFamily="18" charset="0"/>
-              </a:rPr>
-              <a:t>L</a:t>
-            </a:r>
-            <a:r>
-              <a:rPr lang="en" sz="3600" b="1" i="1" baseline="-25000" dirty="0">
-                <a:latin typeface="Times New Roman" panose="02020603050405020304" pitchFamily="18" charset="0"/>
-                <a:cs typeface="Times New Roman" panose="02020603050405020304" pitchFamily="18" charset="0"/>
-              </a:rPr>
-              <a:t>B</a:t>
-            </a:r>
-            <a:r>
-              <a:rPr lang="en" sz="3600" b="1" dirty="0">
-                <a:latin typeface="Times New Roman" panose="02020603050405020304" pitchFamily="18" charset="0"/>
-                <a:cs typeface="Times New Roman" panose="02020603050405020304" pitchFamily="18" charset="0"/>
-              </a:rPr>
-              <a:t> to Invade,</a:t>
-            </a:r>
-            <a:endParaRPr sz="3600" b="1" dirty="0">
-              <a:latin typeface="Times New Roman" panose="02020603050405020304" pitchFamily="18" charset="0"/>
-              <a:cs typeface="Times New Roman" panose="02020603050405020304" pitchFamily="18" charset="0"/>
-            </a:endParaRPr>
-          </a:p>
-        </p:txBody>
-      </p:sp>
-      <p:pic>
-        <p:nvPicPr>
-          <p:cNvPr id="219" name="Google Shape;523;p35">
-            <a:extLst>
-              <a:ext uri="{FF2B5EF4-FFF2-40B4-BE49-F238E27FC236}">
-                <a16:creationId xmlns:a16="http://schemas.microsoft.com/office/drawing/2014/main" id="{3851E571-3E0B-362E-A405-8844BC20F89F}"/>
-              </a:ext>
-            </a:extLst>
-          </p:cNvPr>
-          <p:cNvPicPr preferRelativeResize="0">
-            <a:picLocks noChangeAspect="1"/>
-          </p:cNvPicPr>
-          <p:nvPr/>
-        </p:nvPicPr>
-        <p:blipFill rotWithShape="1">
-          <a:blip r:embed="rId16">
-            <a:alphaModFix/>
-          </a:blip>
-          <a:srcRect l="6635" b="6889"/>
-          <a:stretch/>
-        </p:blipFill>
-        <p:spPr>
-          <a:xfrm>
-            <a:off x="22874602" y="12075072"/>
-            <a:ext cx="3797246" cy="3069941"/>
-          </a:xfrm>
-          <a:prstGeom prst="rect">
-            <a:avLst/>
-          </a:prstGeom>
-          <a:noFill/>
-          <a:ln>
-            <a:noFill/>
-          </a:ln>
-        </p:spPr>
-      </p:pic>
-      <p:sp>
-        <p:nvSpPr>
-          <p:cNvPr id="229" name="Google Shape;320;p28">
-            <a:extLst>
-              <a:ext uri="{FF2B5EF4-FFF2-40B4-BE49-F238E27FC236}">
-                <a16:creationId xmlns:a16="http://schemas.microsoft.com/office/drawing/2014/main" id="{0B051504-B026-DB61-6A90-2FA7B9C5B11A}"/>
-              </a:ext>
-            </a:extLst>
-          </p:cNvPr>
-          <p:cNvSpPr txBox="1"/>
-          <p:nvPr/>
-        </p:nvSpPr>
-        <p:spPr>
-          <a:xfrm>
-            <a:off x="23936179" y="14956940"/>
-            <a:ext cx="1899457" cy="738633"/>
-          </a:xfrm>
-          <a:prstGeom prst="rect">
-            <a:avLst/>
-          </a:prstGeom>
-          <a:noFill/>
-          <a:ln>
-            <a:noFill/>
-          </a:ln>
-        </p:spPr>
-        <p:txBody>
-          <a:bodyPr spcFirstLastPara="1" wrap="square" lIns="91425" tIns="91425" rIns="91425" bIns="91425" anchor="t" anchorCtr="0">
-            <a:spAutoFit/>
-          </a:bodyPr>
-          <a:lstStyle/>
-          <a:p>
-            <a:pPr marL="0" lvl="0" indent="0" algn="ctr" rtl="0">
-              <a:spcBef>
-                <a:spcPts val="0"/>
-              </a:spcBef>
-              <a:spcAft>
-                <a:spcPts val="0"/>
-              </a:spcAft>
-              <a:buNone/>
-            </a:pPr>
-            <a:r>
-              <a:rPr lang="en" sz="3600" b="1" dirty="0">
-                <a:latin typeface="Times New Roman" panose="02020603050405020304" pitchFamily="18" charset="0"/>
-                <a:cs typeface="Times New Roman" panose="02020603050405020304" pitchFamily="18" charset="0"/>
-              </a:rPr>
-              <a:t>Time, </a:t>
-            </a:r>
-            <a:r>
-              <a:rPr lang="en" sz="3600" b="1" dirty="0" err="1">
-                <a:latin typeface="Times New Roman" panose="02020603050405020304" pitchFamily="18" charset="0"/>
-                <a:cs typeface="Times New Roman" panose="02020603050405020304" pitchFamily="18" charset="0"/>
-              </a:rPr>
-              <a:t>hr</a:t>
-            </a:r>
-            <a:endParaRPr sz="3600" b="1" dirty="0">
-              <a:latin typeface="Times New Roman" panose="02020603050405020304" pitchFamily="18" charset="0"/>
-              <a:cs typeface="Times New Roman" panose="02020603050405020304" pitchFamily="18" charset="0"/>
-            </a:endParaRPr>
-          </a:p>
-        </p:txBody>
-      </p:sp>
-      <p:sp>
-        <p:nvSpPr>
-          <p:cNvPr id="232" name="Google Shape;320;p28">
-            <a:extLst>
-              <a:ext uri="{FF2B5EF4-FFF2-40B4-BE49-F238E27FC236}">
-                <a16:creationId xmlns:a16="http://schemas.microsoft.com/office/drawing/2014/main" id="{6AA0CE2F-26BF-2D83-35D4-A45B0DF77EA0}"/>
-              </a:ext>
-            </a:extLst>
-          </p:cNvPr>
-          <p:cNvSpPr txBox="1"/>
-          <p:nvPr/>
-        </p:nvSpPr>
-        <p:spPr>
-          <a:xfrm>
-            <a:off x="27920155" y="14910098"/>
-            <a:ext cx="1938855" cy="738633"/>
-          </a:xfrm>
-          <a:prstGeom prst="rect">
-            <a:avLst/>
-          </a:prstGeom>
-          <a:noFill/>
-          <a:ln>
-            <a:noFill/>
-          </a:ln>
-        </p:spPr>
-        <p:txBody>
-          <a:bodyPr spcFirstLastPara="1" wrap="square" lIns="91425" tIns="91425" rIns="91425" bIns="91425" anchor="t" anchorCtr="0">
-            <a:spAutoFit/>
-          </a:bodyPr>
-          <a:lstStyle/>
-          <a:p>
-            <a:pPr marL="0" lvl="0" indent="0" algn="ctr" rtl="0">
-              <a:spcBef>
-                <a:spcPts val="0"/>
-              </a:spcBef>
-              <a:spcAft>
-                <a:spcPts val="0"/>
-              </a:spcAft>
-              <a:buNone/>
-            </a:pPr>
-            <a:r>
-              <a:rPr lang="en" sz="3600" b="1" dirty="0">
-                <a:latin typeface="Times New Roman" panose="02020603050405020304" pitchFamily="18" charset="0"/>
-                <a:cs typeface="Times New Roman" panose="02020603050405020304" pitchFamily="18" charset="0"/>
-              </a:rPr>
-              <a:t>Time, </a:t>
-            </a:r>
-            <a:r>
-              <a:rPr lang="en" sz="3600" b="1" dirty="0" err="1">
-                <a:latin typeface="Times New Roman" panose="02020603050405020304" pitchFamily="18" charset="0"/>
-                <a:cs typeface="Times New Roman" panose="02020603050405020304" pitchFamily="18" charset="0"/>
-              </a:rPr>
-              <a:t>hr</a:t>
-            </a:r>
-            <a:endParaRPr sz="3600" b="1" dirty="0">
-              <a:latin typeface="Times New Roman" panose="02020603050405020304" pitchFamily="18" charset="0"/>
-              <a:cs typeface="Times New Roman" panose="02020603050405020304" pitchFamily="18" charset="0"/>
-            </a:endParaRPr>
-          </a:p>
-        </p:txBody>
-      </p:sp>
-      <p:pic>
-        <p:nvPicPr>
-          <p:cNvPr id="236" name="Picture 235">
-            <a:extLst>
-              <a:ext uri="{FF2B5EF4-FFF2-40B4-BE49-F238E27FC236}">
-                <a16:creationId xmlns:a16="http://schemas.microsoft.com/office/drawing/2014/main" id="{0AC8438B-EE30-2500-28DE-9C2F96B6B271}"/>
-              </a:ext>
-            </a:extLst>
-          </p:cNvPr>
-          <p:cNvPicPr>
-            <a:picLocks noChangeAspect="1"/>
-          </p:cNvPicPr>
-          <p:nvPr/>
-        </p:nvPicPr>
-        <p:blipFill>
-          <a:blip r:embed="rId11"/>
-          <a:stretch>
-            <a:fillRect/>
-          </a:stretch>
-        </p:blipFill>
-        <p:spPr>
-          <a:xfrm>
-            <a:off x="20826894" y="10929596"/>
-            <a:ext cx="2114450" cy="396009"/>
-          </a:xfrm>
-          <a:prstGeom prst="rect">
-            <a:avLst/>
-          </a:prstGeom>
-        </p:spPr>
-      </p:pic>
-      <p:sp>
-        <p:nvSpPr>
-          <p:cNvPr id="241" name="Google Shape;320;p28">
-            <a:extLst>
-              <a:ext uri="{FF2B5EF4-FFF2-40B4-BE49-F238E27FC236}">
-                <a16:creationId xmlns:a16="http://schemas.microsoft.com/office/drawing/2014/main" id="{632BD0BE-8206-0CA3-24A2-06F0C9D43966}"/>
-              </a:ext>
-            </a:extLst>
-          </p:cNvPr>
-          <p:cNvSpPr txBox="1"/>
-          <p:nvPr/>
-        </p:nvSpPr>
-        <p:spPr>
-          <a:xfrm>
-            <a:off x="23587611" y="10646304"/>
-            <a:ext cx="2243242" cy="738633"/>
-          </a:xfrm>
-          <a:prstGeom prst="rect">
-            <a:avLst/>
-          </a:prstGeom>
-          <a:noFill/>
-          <a:ln>
-            <a:noFill/>
-          </a:ln>
-        </p:spPr>
-        <p:txBody>
-          <a:bodyPr spcFirstLastPara="1" wrap="square" lIns="91425" tIns="91425" rIns="91425" bIns="91425" anchor="t" anchorCtr="0">
-            <a:spAutoFit/>
-          </a:bodyPr>
-          <a:lstStyle/>
-          <a:p>
-            <a:pPr marL="0" lvl="0" indent="0" algn="ctr" rtl="0">
-              <a:spcBef>
-                <a:spcPts val="0"/>
-              </a:spcBef>
-              <a:spcAft>
-                <a:spcPts val="0"/>
-              </a:spcAft>
-              <a:buNone/>
-            </a:pPr>
-            <a:r>
-              <a:rPr lang="en" sz="3600" b="1" dirty="0">
-                <a:latin typeface="Times New Roman" panose="02020603050405020304" pitchFamily="18" charset="0"/>
-                <a:cs typeface="Times New Roman" panose="02020603050405020304" pitchFamily="18" charset="0"/>
-              </a:rPr>
-              <a:t>Time, </a:t>
-            </a:r>
-            <a:r>
-              <a:rPr lang="en" sz="3600" b="1" dirty="0" err="1">
-                <a:latin typeface="Times New Roman" panose="02020603050405020304" pitchFamily="18" charset="0"/>
-                <a:cs typeface="Times New Roman" panose="02020603050405020304" pitchFamily="18" charset="0"/>
-              </a:rPr>
-              <a:t>hr</a:t>
-            </a:r>
-            <a:endParaRPr sz="3600" b="1" dirty="0">
-              <a:latin typeface="Times New Roman" panose="02020603050405020304" pitchFamily="18" charset="0"/>
-              <a:cs typeface="Times New Roman" panose="02020603050405020304" pitchFamily="18" charset="0"/>
-            </a:endParaRPr>
-          </a:p>
-        </p:txBody>
-      </p:sp>
-      <p:sp>
-        <p:nvSpPr>
-          <p:cNvPr id="242" name="Google Shape;320;p28">
-            <a:extLst>
-              <a:ext uri="{FF2B5EF4-FFF2-40B4-BE49-F238E27FC236}">
-                <a16:creationId xmlns:a16="http://schemas.microsoft.com/office/drawing/2014/main" id="{30F2C422-E016-331B-46AE-71C4280BB630}"/>
-              </a:ext>
-            </a:extLst>
-          </p:cNvPr>
-          <p:cNvSpPr txBox="1"/>
-          <p:nvPr/>
-        </p:nvSpPr>
-        <p:spPr>
-          <a:xfrm>
-            <a:off x="27767962" y="10629364"/>
-            <a:ext cx="2243242" cy="738633"/>
-          </a:xfrm>
-          <a:prstGeom prst="rect">
-            <a:avLst/>
-          </a:prstGeom>
-          <a:noFill/>
-          <a:ln>
-            <a:noFill/>
-          </a:ln>
-        </p:spPr>
-        <p:txBody>
-          <a:bodyPr spcFirstLastPara="1" wrap="square" lIns="91425" tIns="91425" rIns="91425" bIns="91425" anchor="t" anchorCtr="0">
-            <a:spAutoFit/>
-          </a:bodyPr>
-          <a:lstStyle/>
-          <a:p>
-            <a:pPr marL="0" lvl="0" indent="0" algn="ctr" rtl="0">
-              <a:spcBef>
-                <a:spcPts val="0"/>
-              </a:spcBef>
-              <a:spcAft>
-                <a:spcPts val="0"/>
-              </a:spcAft>
-              <a:buNone/>
-            </a:pPr>
-            <a:r>
-              <a:rPr lang="en" sz="3600" b="1" dirty="0">
-                <a:latin typeface="Times New Roman" panose="02020603050405020304" pitchFamily="18" charset="0"/>
-                <a:cs typeface="Times New Roman" panose="02020603050405020304" pitchFamily="18" charset="0"/>
-              </a:rPr>
-              <a:t>Time, </a:t>
-            </a:r>
-            <a:r>
-              <a:rPr lang="en" sz="3600" b="1" dirty="0" err="1">
-                <a:latin typeface="Times New Roman" panose="02020603050405020304" pitchFamily="18" charset="0"/>
-                <a:cs typeface="Times New Roman" panose="02020603050405020304" pitchFamily="18" charset="0"/>
-              </a:rPr>
-              <a:t>hr</a:t>
-            </a:r>
-            <a:endParaRPr sz="3600" b="1" dirty="0">
-              <a:latin typeface="Times New Roman" panose="02020603050405020304" pitchFamily="18" charset="0"/>
-              <a:cs typeface="Times New Roman" panose="02020603050405020304" pitchFamily="18" charset="0"/>
-            </a:endParaRPr>
-          </a:p>
-        </p:txBody>
-      </p:sp>
-      <p:pic>
-        <p:nvPicPr>
-          <p:cNvPr id="245" name="Google Shape;539;p35">
-            <a:extLst>
-              <a:ext uri="{FF2B5EF4-FFF2-40B4-BE49-F238E27FC236}">
-                <a16:creationId xmlns:a16="http://schemas.microsoft.com/office/drawing/2014/main" id="{E2BB200D-1734-0B5B-F5C2-D0AC08163BFF}"/>
-              </a:ext>
-            </a:extLst>
-          </p:cNvPr>
-          <p:cNvPicPr preferRelativeResize="0"/>
-          <p:nvPr/>
-        </p:nvPicPr>
-        <p:blipFill>
-          <a:blip r:embed="rId18">
-            <a:alphaModFix/>
-          </a:blip>
-          <a:stretch>
-            <a:fillRect/>
-          </a:stretch>
-        </p:blipFill>
-        <p:spPr>
-          <a:xfrm>
-            <a:off x="27480140" y="12993253"/>
-            <a:ext cx="248146" cy="209527"/>
-          </a:xfrm>
-          <a:prstGeom prst="rect">
-            <a:avLst/>
-          </a:prstGeom>
-          <a:noFill/>
-          <a:ln>
-            <a:noFill/>
-          </a:ln>
-        </p:spPr>
-      </p:pic>
-      <p:pic>
-        <p:nvPicPr>
-          <p:cNvPr id="246" name="Google Shape;540;p35">
-            <a:extLst>
-              <a:ext uri="{FF2B5EF4-FFF2-40B4-BE49-F238E27FC236}">
-                <a16:creationId xmlns:a16="http://schemas.microsoft.com/office/drawing/2014/main" id="{354CE78D-A473-C761-AFD1-F08EA50BA203}"/>
-              </a:ext>
-            </a:extLst>
-          </p:cNvPr>
-          <p:cNvPicPr preferRelativeResize="0"/>
-          <p:nvPr/>
-        </p:nvPicPr>
-        <p:blipFill>
-          <a:blip r:embed="rId19">
-            <a:alphaModFix/>
-          </a:blip>
-          <a:stretch>
-            <a:fillRect/>
-          </a:stretch>
-        </p:blipFill>
-        <p:spPr>
-          <a:xfrm>
-            <a:off x="27453233" y="12405580"/>
-            <a:ext cx="275053" cy="209527"/>
-          </a:xfrm>
-          <a:prstGeom prst="rect">
-            <a:avLst/>
-          </a:prstGeom>
-          <a:noFill/>
-          <a:ln>
-            <a:noFill/>
-          </a:ln>
-        </p:spPr>
-      </p:pic>
-      <p:pic>
-        <p:nvPicPr>
-          <p:cNvPr id="247" name="Google Shape;541;p35">
-            <a:extLst>
-              <a:ext uri="{FF2B5EF4-FFF2-40B4-BE49-F238E27FC236}">
-                <a16:creationId xmlns:a16="http://schemas.microsoft.com/office/drawing/2014/main" id="{71814589-E129-0512-9ABF-F4D64144E70A}"/>
-              </a:ext>
-            </a:extLst>
-          </p:cNvPr>
-          <p:cNvPicPr preferRelativeResize="0"/>
-          <p:nvPr/>
-        </p:nvPicPr>
-        <p:blipFill>
-          <a:blip r:embed="rId20">
-            <a:alphaModFix/>
-          </a:blip>
-          <a:stretch>
-            <a:fillRect/>
-          </a:stretch>
-        </p:blipFill>
-        <p:spPr>
-          <a:xfrm>
-            <a:off x="27480140" y="13608256"/>
-            <a:ext cx="254125" cy="209527"/>
-          </a:xfrm>
-          <a:prstGeom prst="rect">
-            <a:avLst/>
-          </a:prstGeom>
-          <a:noFill/>
-          <a:ln>
-            <a:noFill/>
-          </a:ln>
-        </p:spPr>
-      </p:pic>
-      <p:pic>
-        <p:nvPicPr>
-          <p:cNvPr id="248" name="Google Shape;542;p35">
-            <a:extLst>
-              <a:ext uri="{FF2B5EF4-FFF2-40B4-BE49-F238E27FC236}">
-                <a16:creationId xmlns:a16="http://schemas.microsoft.com/office/drawing/2014/main" id="{A9ED35A6-6E9A-7B1E-4BCB-ADE7682F65AE}"/>
-              </a:ext>
-            </a:extLst>
-          </p:cNvPr>
-          <p:cNvPicPr preferRelativeResize="0"/>
-          <p:nvPr/>
-        </p:nvPicPr>
-        <p:blipFill>
-          <a:blip r:embed="rId21">
-            <a:alphaModFix/>
-          </a:blip>
-          <a:stretch>
-            <a:fillRect/>
-          </a:stretch>
-        </p:blipFill>
-        <p:spPr>
-          <a:xfrm>
-            <a:off x="28665958" y="14026348"/>
-            <a:ext cx="281033" cy="209527"/>
-          </a:xfrm>
-          <a:prstGeom prst="rect">
-            <a:avLst/>
-          </a:prstGeom>
-          <a:noFill/>
-          <a:ln>
-            <a:noFill/>
-          </a:ln>
-        </p:spPr>
-      </p:pic>
-      <p:pic>
-        <p:nvPicPr>
-          <p:cNvPr id="249" name="Google Shape;537;p35">
-            <a:extLst>
-              <a:ext uri="{FF2B5EF4-FFF2-40B4-BE49-F238E27FC236}">
-                <a16:creationId xmlns:a16="http://schemas.microsoft.com/office/drawing/2014/main" id="{A089B3A0-B4A5-89F9-49F0-13937D0391DA}"/>
-              </a:ext>
-            </a:extLst>
-          </p:cNvPr>
-          <p:cNvPicPr preferRelativeResize="0"/>
-          <p:nvPr/>
-        </p:nvPicPr>
-        <p:blipFill>
-          <a:blip r:embed="rId18">
-            <a:alphaModFix/>
-          </a:blip>
-          <a:stretch>
-            <a:fillRect/>
-          </a:stretch>
-        </p:blipFill>
-        <p:spPr>
-          <a:xfrm>
-            <a:off x="23638483" y="13035932"/>
-            <a:ext cx="248146" cy="209527"/>
-          </a:xfrm>
-          <a:prstGeom prst="rect">
-            <a:avLst/>
-          </a:prstGeom>
-          <a:noFill/>
-          <a:ln>
-            <a:noFill/>
-          </a:ln>
-        </p:spPr>
-      </p:pic>
-      <p:pic>
-        <p:nvPicPr>
-          <p:cNvPr id="250" name="Google Shape;538;p35">
-            <a:extLst>
-              <a:ext uri="{FF2B5EF4-FFF2-40B4-BE49-F238E27FC236}">
-                <a16:creationId xmlns:a16="http://schemas.microsoft.com/office/drawing/2014/main" id="{5B54AA36-28F0-1B95-FFE6-1E5301B01EF4}"/>
-              </a:ext>
-            </a:extLst>
-          </p:cNvPr>
-          <p:cNvPicPr preferRelativeResize="0"/>
-          <p:nvPr/>
-        </p:nvPicPr>
-        <p:blipFill>
-          <a:blip r:embed="rId19">
-            <a:alphaModFix/>
-          </a:blip>
-          <a:stretch>
-            <a:fillRect/>
-          </a:stretch>
-        </p:blipFill>
-        <p:spPr>
-          <a:xfrm>
-            <a:off x="23622039" y="12422715"/>
-            <a:ext cx="275053" cy="209527"/>
-          </a:xfrm>
-          <a:prstGeom prst="rect">
-            <a:avLst/>
-          </a:prstGeom>
-          <a:noFill/>
-          <a:ln>
-            <a:noFill/>
-          </a:ln>
-        </p:spPr>
-      </p:pic>
-      <p:pic>
-        <p:nvPicPr>
-          <p:cNvPr id="251" name="Google Shape;543;p35">
-            <a:extLst>
-              <a:ext uri="{FF2B5EF4-FFF2-40B4-BE49-F238E27FC236}">
-                <a16:creationId xmlns:a16="http://schemas.microsoft.com/office/drawing/2014/main" id="{40D72B35-7B66-F07A-D814-FDE302FC1D07}"/>
-              </a:ext>
-            </a:extLst>
-          </p:cNvPr>
-          <p:cNvPicPr preferRelativeResize="0"/>
-          <p:nvPr/>
-        </p:nvPicPr>
-        <p:blipFill>
-          <a:blip r:embed="rId20">
-            <a:alphaModFix/>
-          </a:blip>
-          <a:stretch>
-            <a:fillRect/>
-          </a:stretch>
-        </p:blipFill>
-        <p:spPr>
-          <a:xfrm>
-            <a:off x="23632504" y="13595153"/>
-            <a:ext cx="254125" cy="209527"/>
-          </a:xfrm>
-          <a:prstGeom prst="rect">
-            <a:avLst/>
-          </a:prstGeom>
-          <a:noFill/>
-          <a:ln>
-            <a:noFill/>
-          </a:ln>
-        </p:spPr>
-      </p:pic>
-      <p:sp>
-        <p:nvSpPr>
-          <p:cNvPr id="253" name="TextBox 252">
-            <a:extLst>
-              <a:ext uri="{FF2B5EF4-FFF2-40B4-BE49-F238E27FC236}">
-                <a16:creationId xmlns:a16="http://schemas.microsoft.com/office/drawing/2014/main" id="{81ECDA9D-F64D-54EF-056B-78C392F9D7BE}"/>
-              </a:ext>
-            </a:extLst>
-          </p:cNvPr>
-          <p:cNvSpPr txBox="1"/>
-          <p:nvPr/>
-        </p:nvSpPr>
-        <p:spPr>
-          <a:xfrm>
-            <a:off x="15917400" y="24988522"/>
-            <a:ext cx="14902904" cy="2246769"/>
-          </a:xfrm>
-          <a:prstGeom prst="rect">
-            <a:avLst/>
-          </a:prstGeom>
-          <a:noFill/>
-        </p:spPr>
-        <p:txBody>
-          <a:bodyPr wrap="square" rtlCol="0">
-            <a:spAutoFit/>
-          </a:bodyPr>
-          <a:lstStyle/>
-          <a:p>
-            <a:pPr algn="just"/>
-            <a:r>
-              <a:rPr lang="en-US" sz="2800" b="1" dirty="0">
-                <a:latin typeface="Avenir Book" panose="02000503020000020003" pitchFamily="2" charset="0"/>
-              </a:rPr>
-              <a:t>Figure 4. “Buffers” and ”weapons” in a spatial model. </a:t>
-            </a:r>
-            <a:r>
-              <a:rPr lang="en-US" sz="2800" dirty="0">
-                <a:latin typeface="Avenir Book" panose="02000503020000020003" pitchFamily="2" charset="0"/>
-              </a:rPr>
-              <a:t>Invasion dynamics in a 2D planar grid (6 mm x 6 mm) shown at: 0, 24, 72, 120, 200 hours. Without </a:t>
-            </a:r>
-            <a:r>
-              <a:rPr lang="en-US" sz="2800" i="1" dirty="0">
-                <a:latin typeface="Avenir Book" panose="02000503020000020003" pitchFamily="2" charset="0"/>
-              </a:rPr>
-              <a:t>L</a:t>
-            </a:r>
-            <a:r>
-              <a:rPr lang="en-US" sz="2800" i="1" baseline="-25000" dirty="0">
-                <a:latin typeface="Avenir Book" panose="02000503020000020003" pitchFamily="2" charset="0"/>
-              </a:rPr>
-              <a:t>A</a:t>
-            </a:r>
-            <a:r>
-              <a:rPr lang="en-US" sz="2800" dirty="0">
-                <a:latin typeface="Avenir Book" panose="02000503020000020003" pitchFamily="2" charset="0"/>
-              </a:rPr>
-              <a:t> induction </a:t>
-            </a:r>
-            <a:r>
-              <a:rPr lang="en-US" sz="2800" b="1" dirty="0">
-                <a:latin typeface="Avenir Book" panose="02000503020000020003" pitchFamily="2" charset="0"/>
-              </a:rPr>
-              <a:t>(a)</a:t>
-            </a:r>
-            <a:r>
-              <a:rPr lang="en-US" sz="2800" dirty="0">
-                <a:latin typeface="Avenir Book" panose="02000503020000020003" pitchFamily="2" charset="0"/>
-              </a:rPr>
-              <a:t>, </a:t>
-            </a:r>
-            <a:r>
-              <a:rPr lang="en-US" sz="2800" i="1" dirty="0">
-                <a:latin typeface="Avenir Book" panose="02000503020000020003" pitchFamily="2" charset="0"/>
-              </a:rPr>
-              <a:t>L</a:t>
-            </a:r>
-            <a:r>
-              <a:rPr lang="en-US" sz="2800" i="1" baseline="-25000" dirty="0">
-                <a:latin typeface="Avenir Book" panose="02000503020000020003" pitchFamily="2" charset="0"/>
-              </a:rPr>
-              <a:t>B</a:t>
-            </a:r>
-            <a:r>
-              <a:rPr lang="en-US" sz="2800" dirty="0">
-                <a:latin typeface="Avenir Book" panose="02000503020000020003" pitchFamily="2" charset="0"/>
-              </a:rPr>
-              <a:t> colonies expand and dominate over </a:t>
-            </a:r>
-            <a:r>
-              <a:rPr lang="en-US" sz="2800" i="1" dirty="0">
-                <a:latin typeface="Avenir Book" panose="02000503020000020003" pitchFamily="2" charset="0"/>
-              </a:rPr>
-              <a:t>L</a:t>
-            </a:r>
-            <a:r>
-              <a:rPr lang="en-US" sz="2800" i="1" baseline="-25000" dirty="0">
-                <a:latin typeface="Avenir Book" panose="02000503020000020003" pitchFamily="2" charset="0"/>
-              </a:rPr>
-              <a:t>A</a:t>
-            </a:r>
-            <a:r>
-              <a:rPr lang="en-US" sz="2800" dirty="0">
-                <a:latin typeface="Avenir Book" panose="02000503020000020003" pitchFamily="2" charset="0"/>
-              </a:rPr>
-              <a:t>. Here, </a:t>
-            </a:r>
-            <a:r>
-              <a:rPr lang="en-US" sz="2800" i="1" dirty="0">
-                <a:latin typeface="Avenir Book" panose="02000503020000020003" pitchFamily="2" charset="0"/>
-              </a:rPr>
-              <a:t>L</a:t>
-            </a:r>
-            <a:r>
-              <a:rPr lang="en-US" sz="2800" i="1" baseline="-25000" dirty="0">
-                <a:latin typeface="Avenir Book" panose="02000503020000020003" pitchFamily="2" charset="0"/>
-              </a:rPr>
-              <a:t>A</a:t>
-            </a:r>
-            <a:r>
-              <a:rPr lang="en-US" sz="2800" dirty="0">
-                <a:latin typeface="Avenir Book" panose="02000503020000020003" pitchFamily="2" charset="0"/>
-              </a:rPr>
-              <a:t> lacks the V</a:t>
-            </a:r>
-            <a:r>
-              <a:rPr lang="en-US" sz="2800" baseline="-25000" dirty="0">
-                <a:latin typeface="Avenir Book" panose="02000503020000020003" pitchFamily="2" charset="0"/>
-              </a:rPr>
-              <a:t>A</a:t>
-            </a:r>
-            <a:r>
-              <a:rPr lang="en-US" sz="2800" dirty="0">
-                <a:latin typeface="Avenir Book" panose="02000503020000020003" pitchFamily="2" charset="0"/>
-              </a:rPr>
-              <a:t> buffer to defend itself. With both </a:t>
-            </a:r>
-            <a:r>
-              <a:rPr lang="en-US" sz="2800" i="1" dirty="0">
-                <a:latin typeface="Avenir Book" panose="02000503020000020003" pitchFamily="2" charset="0"/>
-              </a:rPr>
-              <a:t>L</a:t>
-            </a:r>
-            <a:r>
-              <a:rPr lang="en-US" sz="2800" i="1" baseline="-25000" dirty="0">
-                <a:latin typeface="Avenir Book" panose="02000503020000020003" pitchFamily="2" charset="0"/>
-              </a:rPr>
-              <a:t>A, </a:t>
-            </a:r>
-            <a:r>
-              <a:rPr lang="en-US" sz="2800" i="1" dirty="0">
-                <a:latin typeface="Avenir Book" panose="02000503020000020003" pitchFamily="2" charset="0"/>
-              </a:rPr>
-              <a:t>L</a:t>
-            </a:r>
-            <a:r>
-              <a:rPr lang="en-US" sz="2800" i="1" baseline="-25000" dirty="0">
-                <a:latin typeface="Avenir Book" panose="02000503020000020003" pitchFamily="2" charset="0"/>
-              </a:rPr>
-              <a:t>B </a:t>
-            </a:r>
-            <a:r>
-              <a:rPr lang="en-US" sz="2800" dirty="0">
-                <a:latin typeface="Avenir Book" panose="02000503020000020003" pitchFamily="2" charset="0"/>
-              </a:rPr>
-              <a:t>induction </a:t>
-            </a:r>
-            <a:r>
-              <a:rPr lang="en-US" sz="2800" b="1" dirty="0">
-                <a:latin typeface="Avenir Book" panose="02000503020000020003" pitchFamily="2" charset="0"/>
-              </a:rPr>
-              <a:t>(b)</a:t>
-            </a:r>
-            <a:r>
-              <a:rPr lang="en-US" sz="2800" i="1" dirty="0">
-                <a:latin typeface="Avenir Book" panose="02000503020000020003" pitchFamily="2" charset="0"/>
-              </a:rPr>
-              <a:t>, </a:t>
-            </a:r>
-            <a:r>
-              <a:rPr lang="en-US" sz="2800" dirty="0">
-                <a:latin typeface="Avenir Book" panose="02000503020000020003" pitchFamily="2" charset="0"/>
-              </a:rPr>
-              <a:t>the expansion of </a:t>
-            </a:r>
-            <a:r>
-              <a:rPr lang="en-US" sz="2800" i="1" dirty="0">
-                <a:latin typeface="Avenir Book" panose="02000503020000020003" pitchFamily="2" charset="0"/>
-              </a:rPr>
-              <a:t>L</a:t>
-            </a:r>
-            <a:r>
-              <a:rPr lang="en-US" sz="2800" i="1" baseline="-25000" dirty="0">
-                <a:latin typeface="Avenir Book" panose="02000503020000020003" pitchFamily="2" charset="0"/>
-              </a:rPr>
-              <a:t>B </a:t>
-            </a:r>
-            <a:r>
-              <a:rPr lang="en-US" sz="2800" dirty="0">
-                <a:latin typeface="Avenir Book" panose="02000503020000020003" pitchFamily="2" charset="0"/>
-              </a:rPr>
-              <a:t>is inhibited by </a:t>
-            </a:r>
-            <a:r>
-              <a:rPr lang="en-US" sz="2800" i="1" dirty="0">
-                <a:latin typeface="Avenir Book" panose="02000503020000020003" pitchFamily="2" charset="0"/>
-              </a:rPr>
-              <a:t>V</a:t>
-            </a:r>
-            <a:r>
-              <a:rPr lang="en-US" sz="2800" i="1" baseline="-25000" dirty="0">
-                <a:latin typeface="Avenir Book" panose="02000503020000020003" pitchFamily="2" charset="0"/>
-              </a:rPr>
-              <a:t>A </a:t>
-            </a:r>
-            <a:r>
-              <a:rPr lang="en-US" sz="2800" dirty="0">
-                <a:latin typeface="Avenir Book" panose="02000503020000020003" pitchFamily="2" charset="0"/>
-              </a:rPr>
-              <a:t>(produced from </a:t>
-            </a:r>
-            <a:r>
-              <a:rPr lang="en-US" sz="2800" i="1" dirty="0">
-                <a:latin typeface="Avenir Book" panose="02000503020000020003" pitchFamily="2" charset="0"/>
-              </a:rPr>
-              <a:t>L</a:t>
-            </a:r>
-            <a:r>
-              <a:rPr lang="en-US" sz="2800" i="1" baseline="-25000" dirty="0">
-                <a:latin typeface="Avenir Book" panose="02000503020000020003" pitchFamily="2" charset="0"/>
-              </a:rPr>
-              <a:t>A </a:t>
-            </a:r>
-            <a:r>
-              <a:rPr lang="en-US" sz="2800" dirty="0">
-                <a:latin typeface="Avenir Book" panose="02000503020000020003" pitchFamily="2" charset="0"/>
-              </a:rPr>
-              <a:t>induction). Without </a:t>
-            </a:r>
-            <a:r>
-              <a:rPr lang="en-US" sz="2800" i="1" dirty="0">
-                <a:latin typeface="Avenir Book" panose="02000503020000020003" pitchFamily="2" charset="0"/>
-              </a:rPr>
-              <a:t>L</a:t>
-            </a:r>
-            <a:r>
-              <a:rPr lang="en-US" sz="2800" i="1" baseline="-25000" dirty="0">
-                <a:latin typeface="Avenir Book" panose="02000503020000020003" pitchFamily="2" charset="0"/>
-              </a:rPr>
-              <a:t>B</a:t>
-            </a:r>
-            <a:r>
-              <a:rPr lang="en-US" sz="2800" dirty="0">
-                <a:latin typeface="Avenir Book" panose="02000503020000020003" pitchFamily="2" charset="0"/>
-              </a:rPr>
-              <a:t> induction </a:t>
-            </a:r>
-            <a:r>
-              <a:rPr lang="en-US" sz="2800" b="1" dirty="0">
-                <a:latin typeface="Avenir Book" panose="02000503020000020003" pitchFamily="2" charset="0"/>
-              </a:rPr>
-              <a:t>(c)</a:t>
-            </a:r>
-            <a:r>
-              <a:rPr lang="en-US" sz="2800" dirty="0">
-                <a:latin typeface="Avenir Book" panose="02000503020000020003" pitchFamily="2" charset="0"/>
-              </a:rPr>
-              <a:t>,</a:t>
-            </a:r>
-            <a:r>
-              <a:rPr lang="en-US" sz="2800" b="1" dirty="0">
-                <a:latin typeface="Avenir Book" panose="02000503020000020003" pitchFamily="2" charset="0"/>
-              </a:rPr>
-              <a:t> </a:t>
-            </a:r>
-            <a:r>
-              <a:rPr lang="en-US" sz="2800" i="1" dirty="0">
-                <a:latin typeface="Avenir Book" panose="02000503020000020003" pitchFamily="2" charset="0"/>
-              </a:rPr>
-              <a:t>L</a:t>
-            </a:r>
-            <a:r>
-              <a:rPr lang="en-US" sz="2800" i="1" baseline="-25000" dirty="0">
-                <a:latin typeface="Avenir Book" panose="02000503020000020003" pitchFamily="2" charset="0"/>
-              </a:rPr>
-              <a:t>B</a:t>
-            </a:r>
-            <a:r>
-              <a:rPr lang="en-US" sz="2800" dirty="0">
-                <a:latin typeface="Avenir Book" panose="02000503020000020003" pitchFamily="2" charset="0"/>
-              </a:rPr>
-              <a:t> lacks a weapon and cannot invade.</a:t>
-            </a:r>
-            <a:endParaRPr lang="en-US" sz="2800" i="1" baseline="-25000" dirty="0">
-              <a:latin typeface="Avenir Book" panose="02000503020000020003" pitchFamily="2" charset="0"/>
-            </a:endParaRPr>
-          </a:p>
-        </p:txBody>
-      </p:sp>
-      <p:sp>
-        <p:nvSpPr>
-          <p:cNvPr id="254" name="Google Shape;320;p28">
-            <a:extLst>
-              <a:ext uri="{FF2B5EF4-FFF2-40B4-BE49-F238E27FC236}">
-                <a16:creationId xmlns:a16="http://schemas.microsoft.com/office/drawing/2014/main" id="{6938AC62-3C39-F481-1EE7-415F8760B964}"/>
-              </a:ext>
-            </a:extLst>
-          </p:cNvPr>
-          <p:cNvSpPr txBox="1"/>
-          <p:nvPr/>
-        </p:nvSpPr>
-        <p:spPr>
-          <a:xfrm>
-            <a:off x="15871711" y="21333407"/>
-            <a:ext cx="3495450" cy="738633"/>
-          </a:xfrm>
-          <a:prstGeom prst="rect">
-            <a:avLst/>
-          </a:prstGeom>
-          <a:noFill/>
-          <a:ln>
-            <a:noFill/>
-          </a:ln>
-        </p:spPr>
-        <p:txBody>
-          <a:bodyPr spcFirstLastPara="1" wrap="square" lIns="91425" tIns="91425" rIns="91425" bIns="91425" anchor="t" anchorCtr="0">
-            <a:spAutoFit/>
-          </a:bodyPr>
-          <a:lstStyle/>
-          <a:p>
-            <a:pPr marL="0" lvl="0" indent="0" algn="l" rtl="0">
-              <a:spcBef>
-                <a:spcPts val="0"/>
-              </a:spcBef>
-              <a:spcAft>
-                <a:spcPts val="0"/>
-              </a:spcAft>
-              <a:buNone/>
-            </a:pPr>
-            <a:r>
-              <a:rPr lang="en" sz="3600" b="1" i="1" dirty="0">
-                <a:latin typeface="Times New Roman" panose="02020603050405020304" pitchFamily="18" charset="0"/>
-                <a:cs typeface="Times New Roman" panose="02020603050405020304" pitchFamily="18" charset="0"/>
-              </a:rPr>
-              <a:t>L</a:t>
-            </a:r>
-            <a:r>
-              <a:rPr lang="en" sz="3600" b="1" i="1" baseline="-25000" dirty="0">
-                <a:latin typeface="Times New Roman" panose="02020603050405020304" pitchFamily="18" charset="0"/>
-                <a:cs typeface="Times New Roman" panose="02020603050405020304" pitchFamily="18" charset="0"/>
-              </a:rPr>
-              <a:t>A, </a:t>
-            </a:r>
-            <a:r>
-              <a:rPr lang="en" sz="3600" b="1" i="1" dirty="0">
-                <a:latin typeface="Times New Roman" panose="02020603050405020304" pitchFamily="18" charset="0"/>
-                <a:cs typeface="Times New Roman" panose="02020603050405020304" pitchFamily="18" charset="0"/>
-              </a:rPr>
-              <a:t>L</a:t>
-            </a:r>
-            <a:r>
-              <a:rPr lang="en" sz="3600" b="1" i="1" baseline="-25000" dirty="0">
-                <a:latin typeface="Times New Roman" panose="02020603050405020304" pitchFamily="18" charset="0"/>
-                <a:cs typeface="Times New Roman" panose="02020603050405020304" pitchFamily="18" charset="0"/>
-              </a:rPr>
-              <a:t>B</a:t>
-            </a:r>
-            <a:r>
-              <a:rPr lang="en" sz="3600" b="1" dirty="0">
-                <a:latin typeface="Times New Roman" panose="02020603050405020304" pitchFamily="18" charset="0"/>
-                <a:cs typeface="Times New Roman" panose="02020603050405020304" pitchFamily="18" charset="0"/>
-              </a:rPr>
-              <a:t> Induction</a:t>
-            </a:r>
-            <a:endParaRPr sz="3600" b="1" dirty="0">
-              <a:latin typeface="Times New Roman" panose="02020603050405020304" pitchFamily="18" charset="0"/>
-              <a:cs typeface="Times New Roman" panose="02020603050405020304" pitchFamily="18" charset="0"/>
-            </a:endParaRPr>
-          </a:p>
-        </p:txBody>
-      </p:sp>
-      <p:sp>
-        <p:nvSpPr>
-          <p:cNvPr id="287" name="Google Shape;320;p28">
-            <a:extLst>
-              <a:ext uri="{FF2B5EF4-FFF2-40B4-BE49-F238E27FC236}">
-                <a16:creationId xmlns:a16="http://schemas.microsoft.com/office/drawing/2014/main" id="{6644CDC9-F97E-B9CB-AFB0-EFDB9E636F26}"/>
-              </a:ext>
-            </a:extLst>
-          </p:cNvPr>
-          <p:cNvSpPr txBox="1"/>
-          <p:nvPr/>
-        </p:nvSpPr>
-        <p:spPr>
-          <a:xfrm>
-            <a:off x="15855232" y="19291179"/>
-            <a:ext cx="3362277" cy="738633"/>
-          </a:xfrm>
-          <a:prstGeom prst="rect">
-            <a:avLst/>
-          </a:prstGeom>
-          <a:noFill/>
-          <a:ln>
-            <a:noFill/>
-          </a:ln>
-        </p:spPr>
-        <p:txBody>
-          <a:bodyPr spcFirstLastPara="1" wrap="square" lIns="91425" tIns="91425" rIns="91425" bIns="91425" anchor="t" anchorCtr="0">
-            <a:spAutoFit/>
-          </a:bodyPr>
-          <a:lstStyle/>
-          <a:p>
-            <a:pPr marL="0" lvl="0" indent="0" algn="l" rtl="0">
-              <a:spcBef>
-                <a:spcPts val="0"/>
-              </a:spcBef>
-              <a:spcAft>
-                <a:spcPts val="0"/>
-              </a:spcAft>
-              <a:buNone/>
-            </a:pPr>
-            <a:r>
-              <a:rPr lang="en" sz="3600" b="1" dirty="0">
-                <a:latin typeface="Times New Roman" panose="02020603050405020304" pitchFamily="18" charset="0"/>
-                <a:cs typeface="Times New Roman" panose="02020603050405020304" pitchFamily="18" charset="0"/>
-              </a:rPr>
-              <a:t>No</a:t>
-            </a:r>
-            <a:r>
-              <a:rPr lang="en" sz="3600" b="1" i="1" dirty="0">
-                <a:latin typeface="Times New Roman" panose="02020603050405020304" pitchFamily="18" charset="0"/>
-                <a:cs typeface="Times New Roman" panose="02020603050405020304" pitchFamily="18" charset="0"/>
-              </a:rPr>
-              <a:t> L</a:t>
-            </a:r>
-            <a:r>
-              <a:rPr lang="en" sz="3600" b="1" i="1" baseline="-25000" dirty="0">
-                <a:latin typeface="Times New Roman" panose="02020603050405020304" pitchFamily="18" charset="0"/>
-                <a:cs typeface="Times New Roman" panose="02020603050405020304" pitchFamily="18" charset="0"/>
-              </a:rPr>
-              <a:t>A</a:t>
-            </a:r>
-            <a:r>
-              <a:rPr lang="en" sz="3600" b="1" dirty="0">
-                <a:latin typeface="Times New Roman" panose="02020603050405020304" pitchFamily="18" charset="0"/>
-                <a:cs typeface="Times New Roman" panose="02020603050405020304" pitchFamily="18" charset="0"/>
-              </a:rPr>
-              <a:t> Induction</a:t>
-            </a:r>
-            <a:endParaRPr sz="3600" b="1" dirty="0">
-              <a:latin typeface="Times New Roman" panose="02020603050405020304" pitchFamily="18" charset="0"/>
-              <a:cs typeface="Times New Roman" panose="02020603050405020304" pitchFamily="18" charset="0"/>
-            </a:endParaRPr>
-          </a:p>
-        </p:txBody>
-      </p:sp>
-      <p:pic>
-        <p:nvPicPr>
-          <p:cNvPr id="293" name="Picture 292" descr="A picture containing text, screenshot, colorfulness, font&#10;&#10;Description automatically generated">
-            <a:extLst>
-              <a:ext uri="{FF2B5EF4-FFF2-40B4-BE49-F238E27FC236}">
-                <a16:creationId xmlns:a16="http://schemas.microsoft.com/office/drawing/2014/main" id="{4A8B659D-9BFA-5720-EDB2-2BD5982DBA2C}"/>
-              </a:ext>
-            </a:extLst>
-          </p:cNvPr>
-          <p:cNvPicPr>
-            <a:picLocks noChangeAspect="1"/>
-          </p:cNvPicPr>
-          <p:nvPr/>
-        </p:nvPicPr>
-        <p:blipFill rotWithShape="1">
-          <a:blip r:embed="rId23"/>
-          <a:srcRect l="86889" r="6296" b="14070"/>
-          <a:stretch/>
-        </p:blipFill>
-        <p:spPr>
-          <a:xfrm>
-            <a:off x="30352687" y="19637727"/>
-            <a:ext cx="423285" cy="4249335"/>
-          </a:xfrm>
-          <a:prstGeom prst="rect">
-            <a:avLst/>
-          </a:prstGeom>
-        </p:spPr>
-      </p:pic>
-      <p:sp>
-        <p:nvSpPr>
-          <p:cNvPr id="308" name="Google Shape;320;p28">
-            <a:extLst>
-              <a:ext uri="{FF2B5EF4-FFF2-40B4-BE49-F238E27FC236}">
-                <a16:creationId xmlns:a16="http://schemas.microsoft.com/office/drawing/2014/main" id="{73F2A43B-5AE7-A8C9-94A7-8B09C37AD568}"/>
-              </a:ext>
-            </a:extLst>
-          </p:cNvPr>
-          <p:cNvSpPr txBox="1"/>
-          <p:nvPr/>
-        </p:nvSpPr>
-        <p:spPr>
-          <a:xfrm>
-            <a:off x="15870673" y="23336723"/>
-            <a:ext cx="3495450" cy="738633"/>
-          </a:xfrm>
-          <a:prstGeom prst="rect">
-            <a:avLst/>
-          </a:prstGeom>
-          <a:noFill/>
-          <a:ln>
-            <a:noFill/>
-          </a:ln>
-        </p:spPr>
-        <p:txBody>
-          <a:bodyPr spcFirstLastPara="1" wrap="square" lIns="91425" tIns="91425" rIns="91425" bIns="91425" anchor="t" anchorCtr="0">
-            <a:spAutoFit/>
-          </a:bodyPr>
-          <a:lstStyle/>
-          <a:p>
-            <a:pPr marL="0" lvl="0" indent="0" algn="l" rtl="0">
-              <a:spcBef>
-                <a:spcPts val="0"/>
-              </a:spcBef>
-              <a:spcAft>
-                <a:spcPts val="0"/>
-              </a:spcAft>
-              <a:buNone/>
-            </a:pPr>
-            <a:r>
-              <a:rPr lang="en" sz="3600" b="1" dirty="0">
-                <a:latin typeface="Times New Roman" panose="02020603050405020304" pitchFamily="18" charset="0"/>
-                <a:cs typeface="Times New Roman" panose="02020603050405020304" pitchFamily="18" charset="0"/>
-              </a:rPr>
-              <a:t>No</a:t>
-            </a:r>
-            <a:r>
-              <a:rPr lang="en" sz="3600" b="1" i="1" dirty="0">
-                <a:latin typeface="Times New Roman" panose="02020603050405020304" pitchFamily="18" charset="0"/>
-                <a:cs typeface="Times New Roman" panose="02020603050405020304" pitchFamily="18" charset="0"/>
-              </a:rPr>
-              <a:t> L</a:t>
-            </a:r>
-            <a:r>
-              <a:rPr lang="en" sz="3600" b="1" i="1" baseline="-25000" dirty="0">
-                <a:latin typeface="Times New Roman" panose="02020603050405020304" pitchFamily="18" charset="0"/>
-                <a:cs typeface="Times New Roman" panose="02020603050405020304" pitchFamily="18" charset="0"/>
-              </a:rPr>
-              <a:t>B</a:t>
-            </a:r>
-            <a:r>
-              <a:rPr lang="en" sz="3600" b="1" dirty="0">
-                <a:latin typeface="Times New Roman" panose="02020603050405020304" pitchFamily="18" charset="0"/>
-                <a:cs typeface="Times New Roman" panose="02020603050405020304" pitchFamily="18" charset="0"/>
-              </a:rPr>
-              <a:t> Induction</a:t>
-            </a:r>
-            <a:endParaRPr sz="3600" b="1" dirty="0">
-              <a:latin typeface="Times New Roman" panose="02020603050405020304" pitchFamily="18" charset="0"/>
-              <a:cs typeface="Times New Roman" panose="02020603050405020304" pitchFamily="18" charset="0"/>
-            </a:endParaRPr>
-          </a:p>
-        </p:txBody>
-      </p:sp>
       <p:grpSp>
         <p:nvGrpSpPr>
           <p:cNvPr id="363" name="Group 362">
@@ -7727,7 +6670,7 @@
         </p:nvGrpSpPr>
         <p:grpSpPr>
           <a:xfrm>
-            <a:off x="19330789" y="18847555"/>
+            <a:off x="20245189" y="19761957"/>
             <a:ext cx="10795338" cy="1838525"/>
             <a:chOff x="19364798" y="18852927"/>
             <a:chExt cx="10795338" cy="1838525"/>
@@ -7748,7 +6691,7 @@
             <p:nvPr/>
           </p:nvPicPr>
           <p:blipFill rotWithShape="1">
-            <a:blip r:embed="rId24"/>
+            <a:blip r:embed="rId23"/>
             <a:srcRect l="15650" t="7001" r="16708" b="19286"/>
             <a:stretch/>
           </p:blipFill>
@@ -7777,7 +6720,7 @@
             <p:nvPr/>
           </p:nvPicPr>
           <p:blipFill rotWithShape="1">
-            <a:blip r:embed="rId25"/>
+            <a:blip r:embed="rId24"/>
             <a:srcRect l="15543" t="6848" r="15753" b="17528"/>
             <a:stretch/>
           </p:blipFill>
@@ -7806,7 +6749,7 @@
             <p:nvPr/>
           </p:nvPicPr>
           <p:blipFill rotWithShape="1">
-            <a:blip r:embed="rId26"/>
+            <a:blip r:embed="rId25"/>
             <a:srcRect l="16040" t="8069" r="15927" b="18180"/>
             <a:stretch/>
           </p:blipFill>
@@ -7835,7 +6778,7 @@
             <p:nvPr/>
           </p:nvPicPr>
           <p:blipFill rotWithShape="1">
-            <a:blip r:embed="rId27"/>
+            <a:blip r:embed="rId26"/>
             <a:srcRect l="15989" t="7546" r="16744" b="18926"/>
             <a:stretch/>
           </p:blipFill>
@@ -7864,7 +6807,7 @@
             <p:nvPr/>
           </p:nvPicPr>
           <p:blipFill rotWithShape="1">
-            <a:blip r:embed="rId23"/>
+            <a:blip r:embed="rId22"/>
             <a:srcRect l="16076" t="7777" r="16754" b="18802"/>
             <a:stretch/>
           </p:blipFill>
@@ -7893,7 +6836,7 @@
         </p:nvGrpSpPr>
         <p:grpSpPr>
           <a:xfrm>
-            <a:off x="19336644" y="20937645"/>
+            <a:off x="20251044" y="21852045"/>
             <a:ext cx="10778866" cy="1844136"/>
             <a:chOff x="19386009" y="20879889"/>
             <a:chExt cx="10778866" cy="1844136"/>
@@ -7914,7 +6857,7 @@
             <p:nvPr/>
           </p:nvPicPr>
           <p:blipFill rotWithShape="1">
-            <a:blip r:embed="rId28"/>
+            <a:blip r:embed="rId27"/>
             <a:srcRect l="16154" t="6665" r="16971" b="17531"/>
             <a:stretch/>
           </p:blipFill>
@@ -7943,7 +6886,7 @@
             <p:nvPr/>
           </p:nvPicPr>
           <p:blipFill rotWithShape="1">
-            <a:blip r:embed="rId29"/>
+            <a:blip r:embed="rId28"/>
             <a:srcRect l="16747" t="6836" r="16922" b="16930"/>
             <a:stretch/>
           </p:blipFill>
@@ -7972,7 +6915,7 @@
             <p:nvPr/>
           </p:nvPicPr>
           <p:blipFill rotWithShape="1">
-            <a:blip r:embed="rId30"/>
+            <a:blip r:embed="rId29"/>
             <a:srcRect l="8282" t="18037" r="18461" b="16469"/>
             <a:stretch/>
           </p:blipFill>
@@ -8001,7 +6944,7 @@
             <p:nvPr/>
           </p:nvPicPr>
           <p:blipFill rotWithShape="1">
-            <a:blip r:embed="rId31"/>
+            <a:blip r:embed="rId30"/>
             <a:srcRect l="7711" t="17374" r="18282" b="15764"/>
             <a:stretch/>
           </p:blipFill>
@@ -8030,7 +6973,7 @@
             <p:nvPr/>
           </p:nvPicPr>
           <p:blipFill rotWithShape="1">
-            <a:blip r:embed="rId32"/>
+            <a:blip r:embed="rId31"/>
             <a:srcRect l="7642" t="17631" r="18189" b="15764"/>
             <a:stretch/>
           </p:blipFill>
@@ -8059,7 +7002,7 @@
         </p:nvGrpSpPr>
         <p:grpSpPr>
           <a:xfrm>
-            <a:off x="19330789" y="23021246"/>
+            <a:off x="20245189" y="23935648"/>
             <a:ext cx="10864416" cy="1842015"/>
             <a:chOff x="19337823" y="22966323"/>
             <a:chExt cx="10864416" cy="1842015"/>
@@ -8080,7 +7023,7 @@
             <p:nvPr/>
           </p:nvPicPr>
           <p:blipFill rotWithShape="1">
-            <a:blip r:embed="rId33"/>
+            <a:blip r:embed="rId32"/>
             <a:srcRect l="8083" t="17510" r="19724" b="17380"/>
             <a:stretch/>
           </p:blipFill>
@@ -8109,7 +7052,7 @@
             <p:nvPr/>
           </p:nvPicPr>
           <p:blipFill rotWithShape="1">
-            <a:blip r:embed="rId34"/>
+            <a:blip r:embed="rId33"/>
             <a:srcRect l="7624" t="17288" r="19755" b="16278"/>
             <a:stretch/>
           </p:blipFill>
@@ -8138,7 +7081,7 @@
             <p:nvPr/>
           </p:nvPicPr>
           <p:blipFill rotWithShape="1">
-            <a:blip r:embed="rId35"/>
+            <a:blip r:embed="rId34"/>
             <a:srcRect l="7517" t="18159" r="18561" b="17102"/>
             <a:stretch/>
           </p:blipFill>
@@ -8167,7 +7110,7 @@
             <p:nvPr/>
           </p:nvPicPr>
           <p:blipFill rotWithShape="1">
-            <a:blip r:embed="rId36"/>
+            <a:blip r:embed="rId35"/>
             <a:srcRect l="7931" t="17174" r="18292" b="17373"/>
             <a:stretch/>
           </p:blipFill>
@@ -8196,7 +7139,7 @@
             <p:nvPr/>
           </p:nvPicPr>
           <p:blipFill rotWithShape="1">
-            <a:blip r:embed="rId37"/>
+            <a:blip r:embed="rId36"/>
             <a:srcRect l="6562" t="16666" r="20520" b="17510"/>
             <a:stretch/>
           </p:blipFill>
@@ -8225,8 +7168,8 @@
         </p:nvSpPr>
         <p:spPr>
           <a:xfrm>
-            <a:off x="15693530" y="18613979"/>
-            <a:ext cx="911292" cy="646331"/>
+            <a:off x="16607930" y="19528381"/>
+            <a:ext cx="911292" cy="523220"/>
           </a:xfrm>
           <a:prstGeom prst="rect">
             <a:avLst/>
@@ -8241,7 +7184,7 @@
           <a:p>
             <a:pPr algn="ctr"/>
             <a:r>
-              <a:rPr lang="en-US" sz="3600" b="1" dirty="0">
+              <a:rPr lang="en-US" sz="2800" b="1" dirty="0">
                 <a:latin typeface="Times New Roman" panose="02020603050405020304" pitchFamily="18" charset="0"/>
                 <a:cs typeface="Times New Roman" panose="02020603050405020304" pitchFamily="18" charset="0"/>
               </a:rPr>
@@ -8264,8 +7207,8 @@
         </p:nvSpPr>
         <p:spPr>
           <a:xfrm>
-            <a:off x="15693530" y="20555862"/>
-            <a:ext cx="911292" cy="646331"/>
+            <a:off x="16607930" y="21470264"/>
+            <a:ext cx="911292" cy="523220"/>
           </a:xfrm>
           <a:prstGeom prst="rect">
             <a:avLst/>
@@ -8280,7 +7223,7 @@
           <a:p>
             <a:pPr algn="ctr"/>
             <a:r>
-              <a:rPr lang="en-US" sz="3600" b="1" dirty="0">
+              <a:rPr lang="en-US" sz="2800" b="1" dirty="0">
                 <a:latin typeface="Times New Roman" panose="02020603050405020304" pitchFamily="18" charset="0"/>
                 <a:cs typeface="Times New Roman" panose="02020603050405020304" pitchFamily="18" charset="0"/>
               </a:rPr>
@@ -8303,8 +7246,8 @@
         </p:nvSpPr>
         <p:spPr>
           <a:xfrm>
-            <a:off x="15693530" y="22706569"/>
-            <a:ext cx="911292" cy="646331"/>
+            <a:off x="16607930" y="23620971"/>
+            <a:ext cx="911292" cy="523220"/>
           </a:xfrm>
           <a:prstGeom prst="rect">
             <a:avLst/>
@@ -8319,7 +7262,7 @@
           <a:p>
             <a:pPr algn="ctr"/>
             <a:r>
-              <a:rPr lang="en-US" sz="3600" b="1" dirty="0">
+              <a:rPr lang="en-US" sz="2800" b="1" dirty="0">
                 <a:latin typeface="Times New Roman" panose="02020603050405020304" pitchFamily="18" charset="0"/>
                 <a:cs typeface="Times New Roman" panose="02020603050405020304" pitchFamily="18" charset="0"/>
               </a:rPr>
@@ -8342,8 +7285,8 @@
         </p:nvSpPr>
         <p:spPr>
           <a:xfrm>
-            <a:off x="159994" y="32082114"/>
-            <a:ext cx="15177565" cy="2246769"/>
+            <a:off x="1074396" y="33289122"/>
+            <a:ext cx="15093483" cy="2015936"/>
           </a:xfrm>
           <a:prstGeom prst="rect">
             <a:avLst/>
@@ -8356,48 +7299,41 @@
           </a:bodyPr>
           <a:lstStyle/>
           <a:p>
-            <a:r>
-              <a:rPr lang="en-US" sz="2800" b="1" dirty="0">
+            <a:pPr algn="just"/>
+            <a:r>
+              <a:rPr lang="en-US" sz="2500" b="1" dirty="0">
                 <a:latin typeface="Avenir Book" panose="02000503020000020003" pitchFamily="2" charset="0"/>
               </a:rPr>
               <a:t>Figure 3. Steady-state trade off between growth and induction. (a) </a:t>
             </a:r>
             <a:r>
-              <a:rPr lang="en-US" sz="2800" dirty="0">
+              <a:rPr lang="en-US" sz="2500" dirty="0">
                 <a:latin typeface="Avenir Book" panose="02000503020000020003" pitchFamily="2" charset="0"/>
               </a:rPr>
               <a:t>For the steady-state lysogen population to maintain a constant population size, larger induction rates must be compensated with larger growth rates (black line). </a:t>
             </a:r>
             <a:r>
-              <a:rPr lang="en-US" sz="2800" b="1" dirty="0">
+              <a:rPr lang="en-US" sz="2500" b="1" dirty="0">
                 <a:latin typeface="Avenir Book" panose="02000503020000020003" pitchFamily="2" charset="0"/>
               </a:rPr>
               <a:t>(b)</a:t>
             </a:r>
             <a:r>
-              <a:rPr lang="en-US" sz="2800" dirty="0">
+              <a:rPr lang="en-US" sz="2500" dirty="0">
                 <a:latin typeface="Avenir Book" panose="02000503020000020003" pitchFamily="2" charset="0"/>
               </a:rPr>
               <a:t> The steady-state phage population </a:t>
             </a:r>
             <a:r>
-              <a:rPr kumimoji="0" lang="en-US" sz="2800" b="0" i="0" u="none" strike="noStrike" kern="1200" cap="none" spc="0" normalizeH="0" baseline="0" noProof="0" dirty="0">
-                <a:ln>
-                  <a:noFill/>
-                </a:ln>
+              <a:rPr lang="en-US" sz="2500" dirty="0">
                 <a:solidFill>
                   <a:prstClr val="black"/>
                 </a:solidFill>
-                <a:effectLst/>
-                <a:uLnTx/>
-                <a:uFillTx/>
-                <a:latin typeface="Avenir Book" panose="02000503020000020003" pitchFamily="2" charset="0"/>
-                <a:ea typeface="+mn-ea"/>
-                <a:cs typeface="+mn-cs"/>
+                <a:latin typeface="Avenir Book" panose="02000503020000020003" pitchFamily="2" charset="0"/>
               </a:rPr>
               <a:t>increases with increasing induction. We perform invasion analysis from this growth-induction trade off to show the role of free phage given a fixed lysogen population density.</a:t>
             </a:r>
-            <a:endParaRPr lang="en-US" sz="2800" dirty="0">
+            <a:endParaRPr lang="en-US" sz="2500" dirty="0">
               <a:latin typeface="Avenir Book" panose="02000503020000020003" pitchFamily="2" charset="0"/>
             </a:endParaRPr>
           </a:p>
@@ -8409,6 +7345,36 @@
             <a:extLst>
               <a:ext uri="{FF2B5EF4-FFF2-40B4-BE49-F238E27FC236}">
                 <a16:creationId xmlns:a16="http://schemas.microsoft.com/office/drawing/2014/main" id="{0FED1BE1-A7A5-82D0-C552-E4701FAC45D5}"/>
+              </a:ext>
+            </a:extLst>
+          </p:cNvPr>
+          <p:cNvPicPr>
+            <a:picLocks noChangeAspect="1"/>
+          </p:cNvPicPr>
+          <p:nvPr/>
+        </p:nvPicPr>
+        <p:blipFill>
+          <a:blip r:embed="rId37"/>
+          <a:stretch>
+            <a:fillRect/>
+          </a:stretch>
+        </p:blipFill>
+        <p:spPr>
+          <a:xfrm>
+            <a:off x="16992673" y="8660841"/>
+            <a:ext cx="1138986" cy="760223"/>
+          </a:xfrm>
+          <a:prstGeom prst="rect">
+            <a:avLst/>
+          </a:prstGeom>
+        </p:spPr>
+      </p:pic>
+      <p:pic>
+        <p:nvPicPr>
+          <p:cNvPr id="355" name="Picture 354" descr="A qr code with a cat&#10;&#10;Description automatically generated">
+            <a:extLst>
+              <a:ext uri="{FF2B5EF4-FFF2-40B4-BE49-F238E27FC236}">
+                <a16:creationId xmlns:a16="http://schemas.microsoft.com/office/drawing/2014/main" id="{09CC06D3-3276-C10A-A867-5BC6E7207BEF}"/>
               </a:ext>
             </a:extLst>
           </p:cNvPr>
@@ -8425,44 +7391,14 @@
         </p:blipFill>
         <p:spPr>
           <a:xfrm>
-            <a:off x="15833955" y="6866516"/>
-            <a:ext cx="1383304" cy="923295"/>
+            <a:off x="1243775" y="4631760"/>
+            <a:ext cx="1938528" cy="1938528"/>
           </a:xfrm>
           <a:prstGeom prst="rect">
             <a:avLst/>
           </a:prstGeom>
         </p:spPr>
       </p:pic>
-      <p:pic>
-        <p:nvPicPr>
-          <p:cNvPr id="355" name="Picture 354" descr="A qr code with a cat&#10;&#10;Description automatically generated">
-            <a:extLst>
-              <a:ext uri="{FF2B5EF4-FFF2-40B4-BE49-F238E27FC236}">
-                <a16:creationId xmlns:a16="http://schemas.microsoft.com/office/drawing/2014/main" id="{09CC06D3-3276-C10A-A867-5BC6E7207BEF}"/>
-              </a:ext>
-            </a:extLst>
-          </p:cNvPr>
-          <p:cNvPicPr>
-            <a:picLocks noChangeAspect="1"/>
-          </p:cNvPicPr>
-          <p:nvPr/>
-        </p:nvPicPr>
-        <p:blipFill>
-          <a:blip r:embed="rId39"/>
-          <a:stretch>
-            <a:fillRect/>
-          </a:stretch>
-        </p:blipFill>
-        <p:spPr>
-          <a:xfrm>
-            <a:off x="329375" y="3717360"/>
-            <a:ext cx="1938528" cy="1938528"/>
-          </a:xfrm>
-          <a:prstGeom prst="rect">
-            <a:avLst/>
-          </a:prstGeom>
-        </p:spPr>
-      </p:pic>
       <p:sp>
         <p:nvSpPr>
           <p:cNvPr id="359" name="TextBox 358">
@@ -8477,8 +7413,8 @@
         </p:nvSpPr>
         <p:spPr>
           <a:xfrm>
-            <a:off x="30379897" y="23616038"/>
-            <a:ext cx="753140" cy="646331"/>
+            <a:off x="31292780" y="24718336"/>
+            <a:ext cx="753140" cy="523220"/>
           </a:xfrm>
           <a:prstGeom prst="rect">
             <a:avLst/>
@@ -8492,20 +7428,20 @@
           <a:lstStyle/>
           <a:p>
             <a:r>
-              <a:rPr lang="en" sz="3600" b="1" i="1" dirty="0">
+              <a:rPr lang="en" sz="2800" b="1" i="1" dirty="0">
                 <a:latin typeface="Times New Roman" panose="02020603050405020304" pitchFamily="18" charset="0"/>
                 <a:cs typeface="Times New Roman" panose="02020603050405020304" pitchFamily="18" charset="0"/>
               </a:rPr>
               <a:t>L</a:t>
             </a:r>
             <a:r>
-              <a:rPr lang="en" sz="3600" b="1" i="1" baseline="-25000" dirty="0">
+              <a:rPr lang="en" sz="2800" b="1" i="1" baseline="-25000" dirty="0">
                 <a:latin typeface="Times New Roman" panose="02020603050405020304" pitchFamily="18" charset="0"/>
                 <a:cs typeface="Times New Roman" panose="02020603050405020304" pitchFamily="18" charset="0"/>
               </a:rPr>
               <a:t>A</a:t>
             </a:r>
-            <a:endParaRPr lang="en-US" sz="3600" dirty="0"/>
+            <a:endParaRPr lang="en-US" sz="2800" dirty="0"/>
           </a:p>
         </p:txBody>
       </p:sp>
@@ -8523,8 +7459,8 @@
         </p:nvSpPr>
         <p:spPr>
           <a:xfrm>
-            <a:off x="30365388" y="19370952"/>
-            <a:ext cx="753140" cy="646331"/>
+            <a:off x="31279788" y="20285354"/>
+            <a:ext cx="753140" cy="523220"/>
           </a:xfrm>
           <a:prstGeom prst="rect">
             <a:avLst/>
@@ -8538,20 +7474,20 @@
           <a:lstStyle/>
           <a:p>
             <a:r>
-              <a:rPr lang="en" sz="3600" b="1" i="1" dirty="0">
+              <a:rPr lang="en" sz="2800" b="1" i="1" dirty="0">
                 <a:latin typeface="Times New Roman" panose="02020603050405020304" pitchFamily="18" charset="0"/>
                 <a:cs typeface="Times New Roman" panose="02020603050405020304" pitchFamily="18" charset="0"/>
               </a:rPr>
               <a:t>L</a:t>
             </a:r>
             <a:r>
-              <a:rPr lang="en" sz="3600" b="1" i="1" baseline="-25000" dirty="0">
+              <a:rPr lang="en" sz="2800" b="1" i="1" baseline="-25000" dirty="0">
                 <a:latin typeface="Times New Roman" panose="02020603050405020304" pitchFamily="18" charset="0"/>
                 <a:cs typeface="Times New Roman" panose="02020603050405020304" pitchFamily="18" charset="0"/>
               </a:rPr>
               <a:t>B</a:t>
             </a:r>
-            <a:endParaRPr lang="en-US" sz="3600" dirty="0"/>
+            <a:endParaRPr lang="en-US" sz="2800" dirty="0"/>
           </a:p>
         </p:txBody>
       </p:sp>
@@ -8569,7 +7505,7 @@
         </p:nvSpPr>
         <p:spPr>
           <a:xfrm>
-            <a:off x="30458664" y="14861569"/>
+            <a:off x="31373066" y="15922275"/>
             <a:ext cx="648653" cy="646331"/>
           </a:xfrm>
           <a:prstGeom prst="rect">
@@ -8609,49 +7545,1231 @@
       </p:sp>
       <p:sp>
         <p:nvSpPr>
-          <p:cNvPr id="369" name="Google Shape;597;p36">
-            <a:extLst>
-              <a:ext uri="{FF2B5EF4-FFF2-40B4-BE49-F238E27FC236}">
-                <a16:creationId xmlns:a16="http://schemas.microsoft.com/office/drawing/2014/main" id="{4E0D440B-0775-5DC1-86EC-FDCB9A11A8A6}"/>
-              </a:ext>
-            </a:extLst>
-          </p:cNvPr>
-          <p:cNvSpPr>
-            <a:spLocks noChangeAspect="1"/>
-          </p:cNvSpPr>
-          <p:nvPr/>
-        </p:nvSpPr>
-        <p:spPr>
-          <a:xfrm rot="16200000">
-            <a:off x="18005289" y="8957723"/>
-            <a:ext cx="177463" cy="164592"/>
-          </a:xfrm>
-          <a:prstGeom prst="ellipse">
-            <a:avLst/>
-          </a:prstGeom>
-          <a:solidFill>
-            <a:srgbClr val="598BC5"/>
-          </a:solidFill>
+          <p:cNvPr id="379" name="Google Shape;589;p36">
+            <a:extLst>
+              <a:ext uri="{FF2B5EF4-FFF2-40B4-BE49-F238E27FC236}">
+                <a16:creationId xmlns:a16="http://schemas.microsoft.com/office/drawing/2014/main" id="{11F4BD6E-FB76-601B-3744-0EA3190FB4E8}"/>
+              </a:ext>
+            </a:extLst>
+          </p:cNvPr>
+          <p:cNvSpPr txBox="1"/>
+          <p:nvPr/>
+        </p:nvSpPr>
+        <p:spPr>
+          <a:xfrm>
+            <a:off x="18987667" y="8634975"/>
+            <a:ext cx="2202002" cy="954077"/>
+          </a:xfrm>
+          <a:prstGeom prst="rect">
+            <a:avLst/>
+          </a:prstGeom>
+          <a:noFill/>
           <a:ln>
             <a:noFill/>
           </a:ln>
         </p:spPr>
         <p:txBody>
-          <a:bodyPr spcFirstLastPara="1" wrap="square" lIns="91425" tIns="91425" rIns="91425" bIns="91425" anchor="ctr" anchorCtr="0">
-            <a:noAutofit/>
+          <a:bodyPr spcFirstLastPara="1" wrap="square" lIns="91425" tIns="91425" rIns="91425" bIns="91425" anchor="t" anchorCtr="0">
+            <a:spAutoFit/>
           </a:bodyPr>
           <a:lstStyle/>
           <a:p>
-            <a:pPr marL="0" lvl="0" indent="0" algn="l" rtl="0">
-              <a:spcBef>
-                <a:spcPts val="0"/>
-              </a:spcBef>
-              <a:spcAft>
-                <a:spcPts val="0"/>
-              </a:spcAft>
-              <a:buNone/>
-            </a:pPr>
-            <a:endParaRPr/>
+            <a:pPr algn="ctr"/>
+            <a:r>
+              <a:rPr lang="en" sz="2500" b="1" dirty="0">
+                <a:latin typeface="Times New Roman" panose="02020603050405020304" pitchFamily="18" charset="0"/>
+                <a:cs typeface="Times New Roman" panose="02020603050405020304" pitchFamily="18" charset="0"/>
+              </a:rPr>
+              <a:t>Both </a:t>
+            </a:r>
+            <a:r>
+              <a:rPr lang="en" sz="2500" b="1" i="1" dirty="0">
+                <a:latin typeface="Times New Roman" panose="02020603050405020304" pitchFamily="18" charset="0"/>
+                <a:cs typeface="Times New Roman" panose="02020603050405020304" pitchFamily="18" charset="0"/>
+              </a:rPr>
+              <a:t>L</a:t>
+            </a:r>
+            <a:r>
+              <a:rPr lang="en" sz="2500" b="1" i="1" baseline="-25000" dirty="0">
+                <a:latin typeface="Times New Roman" panose="02020603050405020304" pitchFamily="18" charset="0"/>
+                <a:cs typeface="Times New Roman" panose="02020603050405020304" pitchFamily="18" charset="0"/>
+              </a:rPr>
+              <a:t>B</a:t>
+            </a:r>
+            <a:r>
+              <a:rPr lang="en" sz="2500" b="1" dirty="0">
+                <a:latin typeface="Times New Roman" panose="02020603050405020304" pitchFamily="18" charset="0"/>
+                <a:cs typeface="Times New Roman" panose="02020603050405020304" pitchFamily="18" charset="0"/>
+              </a:rPr>
+              <a:t>, </a:t>
+            </a:r>
+            <a:r>
+              <a:rPr lang="en" sz="2500" b="1" i="1" dirty="0">
+                <a:latin typeface="Times New Roman" panose="02020603050405020304" pitchFamily="18" charset="0"/>
+                <a:cs typeface="Times New Roman" panose="02020603050405020304" pitchFamily="18" charset="0"/>
+              </a:rPr>
+              <a:t>V</a:t>
+            </a:r>
+            <a:r>
+              <a:rPr lang="en" sz="2500" b="1" i="1" baseline="-25000" dirty="0">
+                <a:latin typeface="Times New Roman" panose="02020603050405020304" pitchFamily="18" charset="0"/>
+                <a:cs typeface="Times New Roman" panose="02020603050405020304" pitchFamily="18" charset="0"/>
+              </a:rPr>
+              <a:t>B</a:t>
+            </a:r>
+            <a:r>
+              <a:rPr lang="en" sz="2500" b="1" dirty="0">
+                <a:latin typeface="Times New Roman" panose="02020603050405020304" pitchFamily="18" charset="0"/>
+                <a:cs typeface="Times New Roman" panose="02020603050405020304" pitchFamily="18" charset="0"/>
+              </a:rPr>
+              <a:t> </a:t>
+            </a:r>
+            <a:endParaRPr sz="2500" b="1" dirty="0">
+              <a:latin typeface="Times New Roman" panose="02020603050405020304" pitchFamily="18" charset="0"/>
+              <a:cs typeface="Times New Roman" panose="02020603050405020304" pitchFamily="18" charset="0"/>
+            </a:endParaRPr>
+          </a:p>
+          <a:p>
+            <a:pPr algn="ctr"/>
+            <a:r>
+              <a:rPr lang="en" sz="2500" b="1" dirty="0">
+                <a:latin typeface="Times New Roman" panose="02020603050405020304" pitchFamily="18" charset="0"/>
+                <a:cs typeface="Times New Roman" panose="02020603050405020304" pitchFamily="18" charset="0"/>
+              </a:rPr>
+              <a:t>Invade</a:t>
+            </a:r>
+            <a:endParaRPr sz="2500" b="1" dirty="0">
+              <a:latin typeface="Times New Roman" panose="02020603050405020304" pitchFamily="18" charset="0"/>
+              <a:cs typeface="Times New Roman" panose="02020603050405020304" pitchFamily="18" charset="0"/>
+            </a:endParaRPr>
+          </a:p>
+        </p:txBody>
+      </p:sp>
+      <p:sp>
+        <p:nvSpPr>
+          <p:cNvPr id="382" name="Google Shape;587;p36">
+            <a:extLst>
+              <a:ext uri="{FF2B5EF4-FFF2-40B4-BE49-F238E27FC236}">
+                <a16:creationId xmlns:a16="http://schemas.microsoft.com/office/drawing/2014/main" id="{1B2084D4-C703-5A14-100B-B4DCCBBF99CB}"/>
+              </a:ext>
+            </a:extLst>
+          </p:cNvPr>
+          <p:cNvSpPr txBox="1"/>
+          <p:nvPr/>
+        </p:nvSpPr>
+        <p:spPr>
+          <a:xfrm>
+            <a:off x="20358251" y="10220913"/>
+            <a:ext cx="2127462" cy="954077"/>
+          </a:xfrm>
+          <a:prstGeom prst="rect">
+            <a:avLst/>
+          </a:prstGeom>
+          <a:noFill/>
+          <a:ln>
+            <a:noFill/>
+          </a:ln>
+        </p:spPr>
+        <p:txBody>
+          <a:bodyPr spcFirstLastPara="1" wrap="square" lIns="91425" tIns="91425" rIns="91425" bIns="91425" anchor="t" anchorCtr="0">
+            <a:spAutoFit/>
+          </a:bodyPr>
+          <a:lstStyle/>
+          <a:p>
+            <a:pPr algn="ctr"/>
+            <a:r>
+              <a:rPr lang="en" sz="2500" b="1" dirty="0">
+                <a:latin typeface="Times New Roman" panose="02020603050405020304" pitchFamily="18" charset="0"/>
+                <a:cs typeface="Times New Roman" panose="02020603050405020304" pitchFamily="18" charset="0"/>
+              </a:rPr>
+              <a:t>Only </a:t>
+            </a:r>
+            <a:r>
+              <a:rPr lang="en" sz="2500" b="1" i="1" dirty="0">
+                <a:latin typeface="Times New Roman" panose="02020603050405020304" pitchFamily="18" charset="0"/>
+                <a:cs typeface="Times New Roman" panose="02020603050405020304" pitchFamily="18" charset="0"/>
+              </a:rPr>
+              <a:t>V</a:t>
+            </a:r>
+            <a:r>
+              <a:rPr lang="en" sz="2500" b="1" i="1" baseline="-25000" dirty="0">
+                <a:latin typeface="Times New Roman" panose="02020603050405020304" pitchFamily="18" charset="0"/>
+                <a:cs typeface="Times New Roman" panose="02020603050405020304" pitchFamily="18" charset="0"/>
+              </a:rPr>
+              <a:t>B </a:t>
+            </a:r>
+            <a:r>
+              <a:rPr lang="en" sz="2500" b="1" dirty="0">
+                <a:latin typeface="Times New Roman" panose="02020603050405020304" pitchFamily="18" charset="0"/>
+                <a:cs typeface="Times New Roman" panose="02020603050405020304" pitchFamily="18" charset="0"/>
+              </a:rPr>
+              <a:t>Invades</a:t>
+            </a:r>
+            <a:endParaRPr sz="2500" b="1" dirty="0">
+              <a:latin typeface="Times New Roman" panose="02020603050405020304" pitchFamily="18" charset="0"/>
+              <a:cs typeface="Times New Roman" panose="02020603050405020304" pitchFamily="18" charset="0"/>
+            </a:endParaRPr>
+          </a:p>
+        </p:txBody>
+      </p:sp>
+      <p:pic>
+        <p:nvPicPr>
+          <p:cNvPr id="396" name="Google Shape;537;p35">
+            <a:extLst>
+              <a:ext uri="{FF2B5EF4-FFF2-40B4-BE49-F238E27FC236}">
+                <a16:creationId xmlns:a16="http://schemas.microsoft.com/office/drawing/2014/main" id="{BA22AA29-334B-8C92-CC8F-6FC78EB4AC82}"/>
+              </a:ext>
+            </a:extLst>
+          </p:cNvPr>
+          <p:cNvPicPr preferRelativeResize="0"/>
+          <p:nvPr/>
+        </p:nvPicPr>
+        <p:blipFill>
+          <a:blip r:embed="rId17">
+            <a:alphaModFix/>
+          </a:blip>
+          <a:stretch>
+            <a:fillRect/>
+          </a:stretch>
+        </p:blipFill>
+        <p:spPr>
+          <a:xfrm>
+            <a:off x="24377078" y="13703751"/>
+            <a:ext cx="248146" cy="209527"/>
+          </a:xfrm>
+          <a:prstGeom prst="rect">
+            <a:avLst/>
+          </a:prstGeom>
+          <a:noFill/>
+          <a:ln>
+            <a:noFill/>
+          </a:ln>
+        </p:spPr>
+      </p:pic>
+      <p:pic>
+        <p:nvPicPr>
+          <p:cNvPr id="397" name="Google Shape;538;p35">
+            <a:extLst>
+              <a:ext uri="{FF2B5EF4-FFF2-40B4-BE49-F238E27FC236}">
+                <a16:creationId xmlns:a16="http://schemas.microsoft.com/office/drawing/2014/main" id="{F5B0C4B0-D6A3-A816-1075-02BAE65C9E33}"/>
+              </a:ext>
+            </a:extLst>
+          </p:cNvPr>
+          <p:cNvPicPr preferRelativeResize="0"/>
+          <p:nvPr/>
+        </p:nvPicPr>
+        <p:blipFill>
+          <a:blip r:embed="rId18">
+            <a:alphaModFix/>
+          </a:blip>
+          <a:stretch>
+            <a:fillRect/>
+          </a:stretch>
+        </p:blipFill>
+        <p:spPr>
+          <a:xfrm>
+            <a:off x="24360638" y="13324235"/>
+            <a:ext cx="275053" cy="209527"/>
+          </a:xfrm>
+          <a:prstGeom prst="rect">
+            <a:avLst/>
+          </a:prstGeom>
+          <a:noFill/>
+          <a:ln>
+            <a:noFill/>
+          </a:ln>
+        </p:spPr>
+      </p:pic>
+      <p:pic>
+        <p:nvPicPr>
+          <p:cNvPr id="398" name="Google Shape;543;p35">
+            <a:extLst>
+              <a:ext uri="{FF2B5EF4-FFF2-40B4-BE49-F238E27FC236}">
+                <a16:creationId xmlns:a16="http://schemas.microsoft.com/office/drawing/2014/main" id="{89A3CEB2-F88D-748E-DDDE-E28692FEDC27}"/>
+              </a:ext>
+            </a:extLst>
+          </p:cNvPr>
+          <p:cNvPicPr preferRelativeResize="0"/>
+          <p:nvPr/>
+        </p:nvPicPr>
+        <p:blipFill>
+          <a:blip r:embed="rId19">
+            <a:alphaModFix/>
+          </a:blip>
+          <a:stretch>
+            <a:fillRect/>
+          </a:stretch>
+        </p:blipFill>
+        <p:spPr>
+          <a:xfrm>
+            <a:off x="24371101" y="14523671"/>
+            <a:ext cx="254125" cy="209527"/>
+          </a:xfrm>
+          <a:prstGeom prst="rect">
+            <a:avLst/>
+          </a:prstGeom>
+          <a:noFill/>
+          <a:ln>
+            <a:noFill/>
+          </a:ln>
+        </p:spPr>
+      </p:pic>
+      <p:cxnSp>
+        <p:nvCxnSpPr>
+          <p:cNvPr id="402" name="Straight Arrow Connector 401">
+            <a:extLst>
+              <a:ext uri="{FF2B5EF4-FFF2-40B4-BE49-F238E27FC236}">
+                <a16:creationId xmlns:a16="http://schemas.microsoft.com/office/drawing/2014/main" id="{5B18EAE5-7D7A-C7B8-29F5-1C8105D063CE}"/>
+              </a:ext>
+            </a:extLst>
+          </p:cNvPr>
+          <p:cNvCxnSpPr/>
+          <p:nvPr/>
+        </p:nvCxnSpPr>
+        <p:spPr>
+          <a:xfrm>
+            <a:off x="24652620" y="15296579"/>
+            <a:ext cx="0" cy="625694"/>
+          </a:xfrm>
+          <a:prstGeom prst="straightConnector1">
+            <a:avLst/>
+          </a:prstGeom>
+          <a:ln w="101600">
+            <a:solidFill>
+              <a:srgbClr val="7F7F7F"/>
+            </a:solidFill>
+            <a:prstDash val="solid"/>
+            <a:tailEnd type="triangle"/>
+          </a:ln>
+        </p:spPr>
+        <p:style>
+          <a:lnRef idx="1">
+            <a:schemeClr val="accent1"/>
+          </a:lnRef>
+          <a:fillRef idx="0">
+            <a:schemeClr val="accent1"/>
+          </a:fillRef>
+          <a:effectRef idx="0">
+            <a:schemeClr val="accent1"/>
+          </a:effectRef>
+          <a:fontRef idx="minor">
+            <a:schemeClr val="tx1"/>
+          </a:fontRef>
+        </p:style>
+      </p:cxnSp>
+      <p:cxnSp>
+        <p:nvCxnSpPr>
+          <p:cNvPr id="403" name="Straight Arrow Connector 402">
+            <a:extLst>
+              <a:ext uri="{FF2B5EF4-FFF2-40B4-BE49-F238E27FC236}">
+                <a16:creationId xmlns:a16="http://schemas.microsoft.com/office/drawing/2014/main" id="{EA0F6486-89DF-A900-9FCF-8C8E80967122}"/>
+              </a:ext>
+            </a:extLst>
+          </p:cNvPr>
+          <p:cNvCxnSpPr/>
+          <p:nvPr/>
+        </p:nvCxnSpPr>
+        <p:spPr>
+          <a:xfrm>
+            <a:off x="29877433" y="15296579"/>
+            <a:ext cx="0" cy="625694"/>
+          </a:xfrm>
+          <a:prstGeom prst="straightConnector1">
+            <a:avLst/>
+          </a:prstGeom>
+          <a:ln w="101600">
+            <a:solidFill>
+              <a:srgbClr val="4E84C1"/>
+            </a:solidFill>
+            <a:prstDash val="solid"/>
+            <a:tailEnd type="triangle"/>
+          </a:ln>
+        </p:spPr>
+        <p:style>
+          <a:lnRef idx="1">
+            <a:schemeClr val="accent1"/>
+          </a:lnRef>
+          <a:fillRef idx="0">
+            <a:schemeClr val="accent1"/>
+          </a:fillRef>
+          <a:effectRef idx="0">
+            <a:schemeClr val="accent1"/>
+          </a:effectRef>
+          <a:fontRef idx="minor">
+            <a:schemeClr val="tx1"/>
+          </a:fontRef>
+        </p:style>
+      </p:cxnSp>
+      <p:cxnSp>
+        <p:nvCxnSpPr>
+          <p:cNvPr id="410" name="Straight Arrow Connector 409">
+            <a:extLst>
+              <a:ext uri="{FF2B5EF4-FFF2-40B4-BE49-F238E27FC236}">
+                <a16:creationId xmlns:a16="http://schemas.microsoft.com/office/drawing/2014/main" id="{2205BF4A-AF1A-15E3-8626-9201F3283475}"/>
+              </a:ext>
+            </a:extLst>
+          </p:cNvPr>
+          <p:cNvCxnSpPr/>
+          <p:nvPr/>
+        </p:nvCxnSpPr>
+        <p:spPr>
+          <a:xfrm>
+            <a:off x="19549778" y="15262537"/>
+            <a:ext cx="0" cy="625694"/>
+          </a:xfrm>
+          <a:prstGeom prst="straightConnector1">
+            <a:avLst/>
+          </a:prstGeom>
+          <a:ln w="101600">
+            <a:solidFill>
+              <a:srgbClr val="7F7F7F"/>
+            </a:solidFill>
+            <a:prstDash val="solid"/>
+            <a:tailEnd type="triangle"/>
+          </a:ln>
+        </p:spPr>
+        <p:style>
+          <a:lnRef idx="1">
+            <a:schemeClr val="accent1"/>
+          </a:lnRef>
+          <a:fillRef idx="0">
+            <a:schemeClr val="accent1"/>
+          </a:fillRef>
+          <a:effectRef idx="0">
+            <a:schemeClr val="accent1"/>
+          </a:effectRef>
+          <a:fontRef idx="minor">
+            <a:schemeClr val="tx1"/>
+          </a:fontRef>
+        </p:style>
+      </p:cxnSp>
+      <p:cxnSp>
+        <p:nvCxnSpPr>
+          <p:cNvPr id="412" name="Straight Arrow Connector 411">
+            <a:extLst>
+              <a:ext uri="{FF2B5EF4-FFF2-40B4-BE49-F238E27FC236}">
+                <a16:creationId xmlns:a16="http://schemas.microsoft.com/office/drawing/2014/main" id="{FC09312C-D9B0-C506-F455-45E78FC2CCAF}"/>
+              </a:ext>
+            </a:extLst>
+          </p:cNvPr>
+          <p:cNvCxnSpPr/>
+          <p:nvPr/>
+        </p:nvCxnSpPr>
+        <p:spPr>
+          <a:xfrm>
+            <a:off x="20496718" y="15249090"/>
+            <a:ext cx="0" cy="625694"/>
+          </a:xfrm>
+          <a:prstGeom prst="straightConnector1">
+            <a:avLst/>
+          </a:prstGeom>
+          <a:ln w="101600">
+            <a:solidFill>
+              <a:srgbClr val="4E84C1"/>
+            </a:solidFill>
+            <a:prstDash val="solid"/>
+            <a:tailEnd type="triangle"/>
+          </a:ln>
+        </p:spPr>
+        <p:style>
+          <a:lnRef idx="1">
+            <a:schemeClr val="accent1"/>
+          </a:lnRef>
+          <a:fillRef idx="0">
+            <a:schemeClr val="accent1"/>
+          </a:fillRef>
+          <a:effectRef idx="0">
+            <a:schemeClr val="accent1"/>
+          </a:effectRef>
+          <a:fontRef idx="minor">
+            <a:schemeClr val="tx1"/>
+          </a:fontRef>
+        </p:style>
+      </p:cxnSp>
+      <p:cxnSp>
+        <p:nvCxnSpPr>
+          <p:cNvPr id="413" name="Straight Arrow Connector 412">
+            <a:extLst>
+              <a:ext uri="{FF2B5EF4-FFF2-40B4-BE49-F238E27FC236}">
+                <a16:creationId xmlns:a16="http://schemas.microsoft.com/office/drawing/2014/main" id="{E01EAB5F-AF67-AED3-A344-0BED0FB48AC7}"/>
+              </a:ext>
+            </a:extLst>
+          </p:cNvPr>
+          <p:cNvCxnSpPr>
+            <a:cxnSpLocks/>
+          </p:cNvCxnSpPr>
+          <p:nvPr/>
+        </p:nvCxnSpPr>
+        <p:spPr>
+          <a:xfrm>
+            <a:off x="20204848" y="14470476"/>
+            <a:ext cx="0" cy="1431202"/>
+          </a:xfrm>
+          <a:prstGeom prst="straightConnector1">
+            <a:avLst/>
+          </a:prstGeom>
+          <a:ln w="101600">
+            <a:solidFill>
+              <a:srgbClr val="999999"/>
+            </a:solidFill>
+            <a:prstDash val="solid"/>
+            <a:headEnd type="oval"/>
+            <a:tailEnd type="triangle"/>
+          </a:ln>
+        </p:spPr>
+        <p:style>
+          <a:lnRef idx="1">
+            <a:schemeClr val="accent1"/>
+          </a:lnRef>
+          <a:fillRef idx="0">
+            <a:schemeClr val="accent1"/>
+          </a:fillRef>
+          <a:effectRef idx="0">
+            <a:schemeClr val="accent1"/>
+          </a:effectRef>
+          <a:fontRef idx="minor">
+            <a:schemeClr val="tx1"/>
+          </a:fontRef>
+        </p:style>
+      </p:cxnSp>
+      <p:pic>
+        <p:nvPicPr>
+          <p:cNvPr id="417" name="Google Shape;537;p35">
+            <a:extLst>
+              <a:ext uri="{FF2B5EF4-FFF2-40B4-BE49-F238E27FC236}">
+                <a16:creationId xmlns:a16="http://schemas.microsoft.com/office/drawing/2014/main" id="{E7B41E73-2CA2-A071-E80A-2D9163AAB708}"/>
+              </a:ext>
+            </a:extLst>
+          </p:cNvPr>
+          <p:cNvPicPr preferRelativeResize="0"/>
+          <p:nvPr/>
+        </p:nvPicPr>
+        <p:blipFill>
+          <a:blip r:embed="rId17">
+            <a:alphaModFix/>
+          </a:blip>
+          <a:stretch>
+            <a:fillRect/>
+          </a:stretch>
+        </p:blipFill>
+        <p:spPr>
+          <a:xfrm>
+            <a:off x="28687173" y="13704041"/>
+            <a:ext cx="248146" cy="209527"/>
+          </a:xfrm>
+          <a:prstGeom prst="rect">
+            <a:avLst/>
+          </a:prstGeom>
+          <a:noFill/>
+          <a:ln>
+            <a:noFill/>
+          </a:ln>
+        </p:spPr>
+      </p:pic>
+      <p:pic>
+        <p:nvPicPr>
+          <p:cNvPr id="418" name="Google Shape;538;p35">
+            <a:extLst>
+              <a:ext uri="{FF2B5EF4-FFF2-40B4-BE49-F238E27FC236}">
+                <a16:creationId xmlns:a16="http://schemas.microsoft.com/office/drawing/2014/main" id="{3070F200-42E8-B801-9206-426FBA0AF248}"/>
+              </a:ext>
+            </a:extLst>
+          </p:cNvPr>
+          <p:cNvPicPr preferRelativeResize="0"/>
+          <p:nvPr/>
+        </p:nvPicPr>
+        <p:blipFill>
+          <a:blip r:embed="rId18">
+            <a:alphaModFix/>
+          </a:blip>
+          <a:stretch>
+            <a:fillRect/>
+          </a:stretch>
+        </p:blipFill>
+        <p:spPr>
+          <a:xfrm>
+            <a:off x="28670733" y="13324525"/>
+            <a:ext cx="275053" cy="209527"/>
+          </a:xfrm>
+          <a:prstGeom prst="rect">
+            <a:avLst/>
+          </a:prstGeom>
+          <a:noFill/>
+          <a:ln>
+            <a:noFill/>
+          </a:ln>
+        </p:spPr>
+      </p:pic>
+      <p:pic>
+        <p:nvPicPr>
+          <p:cNvPr id="419" name="Google Shape;543;p35">
+            <a:extLst>
+              <a:ext uri="{FF2B5EF4-FFF2-40B4-BE49-F238E27FC236}">
+                <a16:creationId xmlns:a16="http://schemas.microsoft.com/office/drawing/2014/main" id="{549BF509-E6D2-F1CC-62D4-B1F17E440C16}"/>
+              </a:ext>
+            </a:extLst>
+          </p:cNvPr>
+          <p:cNvPicPr preferRelativeResize="0"/>
+          <p:nvPr/>
+        </p:nvPicPr>
+        <p:blipFill>
+          <a:blip r:embed="rId19">
+            <a:alphaModFix/>
+          </a:blip>
+          <a:stretch>
+            <a:fillRect/>
+          </a:stretch>
+        </p:blipFill>
+        <p:spPr>
+          <a:xfrm>
+            <a:off x="28681196" y="14523961"/>
+            <a:ext cx="254125" cy="209527"/>
+          </a:xfrm>
+          <a:prstGeom prst="rect">
+            <a:avLst/>
+          </a:prstGeom>
+          <a:noFill/>
+          <a:ln>
+            <a:noFill/>
+          </a:ln>
+        </p:spPr>
+      </p:pic>
+      <p:pic>
+        <p:nvPicPr>
+          <p:cNvPr id="420" name="Google Shape;537;p35">
+            <a:extLst>
+              <a:ext uri="{FF2B5EF4-FFF2-40B4-BE49-F238E27FC236}">
+                <a16:creationId xmlns:a16="http://schemas.microsoft.com/office/drawing/2014/main" id="{AF3206EA-162F-EB0C-140A-315536AEC866}"/>
+              </a:ext>
+            </a:extLst>
+          </p:cNvPr>
+          <p:cNvPicPr preferRelativeResize="0"/>
+          <p:nvPr/>
+        </p:nvPicPr>
+        <p:blipFill>
+          <a:blip r:embed="rId17">
+            <a:alphaModFix/>
+          </a:blip>
+          <a:stretch>
+            <a:fillRect/>
+          </a:stretch>
+        </p:blipFill>
+        <p:spPr>
+          <a:xfrm>
+            <a:off x="28297989" y="9719577"/>
+            <a:ext cx="248146" cy="209527"/>
+          </a:xfrm>
+          <a:prstGeom prst="rect">
+            <a:avLst/>
+          </a:prstGeom>
+          <a:noFill/>
+          <a:ln>
+            <a:noFill/>
+          </a:ln>
+        </p:spPr>
+      </p:pic>
+      <p:pic>
+        <p:nvPicPr>
+          <p:cNvPr id="421" name="Google Shape;538;p35">
+            <a:extLst>
+              <a:ext uri="{FF2B5EF4-FFF2-40B4-BE49-F238E27FC236}">
+                <a16:creationId xmlns:a16="http://schemas.microsoft.com/office/drawing/2014/main" id="{FA64901B-3CCF-4A82-3FE3-57599D1640A4}"/>
+              </a:ext>
+            </a:extLst>
+          </p:cNvPr>
+          <p:cNvPicPr preferRelativeResize="0"/>
+          <p:nvPr/>
+        </p:nvPicPr>
+        <p:blipFill>
+          <a:blip r:embed="rId18">
+            <a:alphaModFix/>
+          </a:blip>
+          <a:stretch>
+            <a:fillRect/>
+          </a:stretch>
+        </p:blipFill>
+        <p:spPr>
+          <a:xfrm>
+            <a:off x="28284537" y="8782178"/>
+            <a:ext cx="275053" cy="209527"/>
+          </a:xfrm>
+          <a:prstGeom prst="rect">
+            <a:avLst/>
+          </a:prstGeom>
+          <a:noFill/>
+          <a:ln>
+            <a:noFill/>
+          </a:ln>
+        </p:spPr>
+      </p:pic>
+      <p:pic>
+        <p:nvPicPr>
+          <p:cNvPr id="422" name="Google Shape;543;p35">
+            <a:extLst>
+              <a:ext uri="{FF2B5EF4-FFF2-40B4-BE49-F238E27FC236}">
+                <a16:creationId xmlns:a16="http://schemas.microsoft.com/office/drawing/2014/main" id="{5AA3D644-F3F7-975E-7DE8-BC79CD7B4C16}"/>
+              </a:ext>
+            </a:extLst>
+          </p:cNvPr>
+          <p:cNvPicPr preferRelativeResize="0"/>
+          <p:nvPr/>
+        </p:nvPicPr>
+        <p:blipFill>
+          <a:blip r:embed="rId19">
+            <a:alphaModFix/>
+          </a:blip>
+          <a:stretch>
+            <a:fillRect/>
+          </a:stretch>
+        </p:blipFill>
+        <p:spPr>
+          <a:xfrm>
+            <a:off x="28313612" y="10398576"/>
+            <a:ext cx="254125" cy="209527"/>
+          </a:xfrm>
+          <a:prstGeom prst="rect">
+            <a:avLst/>
+          </a:prstGeom>
+          <a:noFill/>
+          <a:ln>
+            <a:noFill/>
+          </a:ln>
+        </p:spPr>
+      </p:pic>
+      <p:sp>
+        <p:nvSpPr>
+          <p:cNvPr id="424" name="TextBox 423">
+            <a:extLst>
+              <a:ext uri="{FF2B5EF4-FFF2-40B4-BE49-F238E27FC236}">
+                <a16:creationId xmlns:a16="http://schemas.microsoft.com/office/drawing/2014/main" id="{98CBE7F3-DEF1-C272-1605-62BFE9E66AE1}"/>
+              </a:ext>
+            </a:extLst>
+          </p:cNvPr>
+          <p:cNvSpPr txBox="1"/>
+          <p:nvPr/>
+        </p:nvSpPr>
+        <p:spPr>
+          <a:xfrm>
+            <a:off x="8852433" y="26323136"/>
+            <a:ext cx="811459" cy="523220"/>
+          </a:xfrm>
+          <a:prstGeom prst="rect">
+            <a:avLst/>
+          </a:prstGeom>
+          <a:noFill/>
+        </p:spPr>
+        <p:txBody>
+          <a:bodyPr wrap="square">
+            <a:spAutoFit/>
+          </a:bodyPr>
+          <a:lstStyle/>
+          <a:p>
+            <a:pPr algn="ctr"/>
+            <a:r>
+              <a:rPr lang="en-US" sz="2800" b="1" dirty="0">
+                <a:latin typeface="Times New Roman" panose="02020603050405020304" pitchFamily="18" charset="0"/>
+                <a:cs typeface="Times New Roman" panose="02020603050405020304" pitchFamily="18" charset="0"/>
+              </a:rPr>
+              <a:t>(b) </a:t>
+            </a:r>
+          </a:p>
+        </p:txBody>
+      </p:sp>
+      <p:sp>
+        <p:nvSpPr>
+          <p:cNvPr id="426" name="TextBox 425">
+            <a:extLst>
+              <a:ext uri="{FF2B5EF4-FFF2-40B4-BE49-F238E27FC236}">
+                <a16:creationId xmlns:a16="http://schemas.microsoft.com/office/drawing/2014/main" id="{7E52A43A-9D88-E439-F14F-96D8876C2461}"/>
+              </a:ext>
+            </a:extLst>
+          </p:cNvPr>
+          <p:cNvSpPr txBox="1"/>
+          <p:nvPr/>
+        </p:nvSpPr>
+        <p:spPr>
+          <a:xfrm>
+            <a:off x="11167225" y="26500430"/>
+            <a:ext cx="3066447" cy="477054"/>
+          </a:xfrm>
+          <a:prstGeom prst="rect">
+            <a:avLst/>
+          </a:prstGeom>
+          <a:noFill/>
+        </p:spPr>
+        <p:txBody>
+          <a:bodyPr wrap="square">
+            <a:spAutoFit/>
+          </a:bodyPr>
+          <a:lstStyle/>
+          <a:p>
+            <a:pPr algn="ctr"/>
+            <a:r>
+              <a:rPr lang="en-US" sz="2500" b="1" dirty="0">
+                <a:latin typeface="Times New Roman" panose="02020603050405020304" pitchFamily="18" charset="0"/>
+                <a:cs typeface="Times New Roman" panose="02020603050405020304" pitchFamily="18" charset="0"/>
+              </a:rPr>
+              <a:t>Phage Population</a:t>
+            </a:r>
+            <a:endParaRPr lang="en-US" sz="2500" dirty="0"/>
+          </a:p>
+        </p:txBody>
+      </p:sp>
+      <p:sp>
+        <p:nvSpPr>
+          <p:cNvPr id="428" name="TextBox 427">
+            <a:extLst>
+              <a:ext uri="{FF2B5EF4-FFF2-40B4-BE49-F238E27FC236}">
+                <a16:creationId xmlns:a16="http://schemas.microsoft.com/office/drawing/2014/main" id="{B1889333-C20A-749C-7E3C-7065A5FCCC9B}"/>
+              </a:ext>
+            </a:extLst>
+          </p:cNvPr>
+          <p:cNvSpPr txBox="1"/>
+          <p:nvPr/>
+        </p:nvSpPr>
+        <p:spPr>
+          <a:xfrm>
+            <a:off x="3757049" y="26500430"/>
+            <a:ext cx="3735021" cy="477054"/>
+          </a:xfrm>
+          <a:prstGeom prst="rect">
+            <a:avLst/>
+          </a:prstGeom>
+          <a:noFill/>
+        </p:spPr>
+        <p:txBody>
+          <a:bodyPr wrap="square">
+            <a:spAutoFit/>
+          </a:bodyPr>
+          <a:lstStyle/>
+          <a:p>
+            <a:pPr algn="ctr"/>
+            <a:r>
+              <a:rPr lang="en-US" sz="2500" b="1" dirty="0">
+                <a:latin typeface="Times New Roman" panose="02020603050405020304" pitchFamily="18" charset="0"/>
+                <a:cs typeface="Times New Roman" panose="02020603050405020304" pitchFamily="18" charset="0"/>
+              </a:rPr>
+              <a:t> Lysogen Population</a:t>
+            </a:r>
+          </a:p>
+        </p:txBody>
+      </p:sp>
+      <p:grpSp>
+        <p:nvGrpSpPr>
+          <p:cNvPr id="429" name="Group 428">
+            <a:extLst>
+              <a:ext uri="{FF2B5EF4-FFF2-40B4-BE49-F238E27FC236}">
+                <a16:creationId xmlns:a16="http://schemas.microsoft.com/office/drawing/2014/main" id="{F5690A96-5598-FD6F-DF5F-F8FBC9C08FA7}"/>
+              </a:ext>
+            </a:extLst>
+          </p:cNvPr>
+          <p:cNvGrpSpPr/>
+          <p:nvPr/>
+        </p:nvGrpSpPr>
+        <p:grpSpPr>
+          <a:xfrm>
+            <a:off x="5355908" y="32443729"/>
+            <a:ext cx="6975463" cy="610345"/>
+            <a:chOff x="4811514" y="31251577"/>
+            <a:chExt cx="6975463" cy="610345"/>
+          </a:xfrm>
+        </p:grpSpPr>
+        <p:sp>
+          <p:nvSpPr>
+            <p:cNvPr id="430" name="Google Shape;320;p28">
+              <a:extLst>
+                <a:ext uri="{FF2B5EF4-FFF2-40B4-BE49-F238E27FC236}">
+                  <a16:creationId xmlns:a16="http://schemas.microsoft.com/office/drawing/2014/main" id="{F5A4B613-891A-3A64-D6FC-E4411A311B67}"/>
+                </a:ext>
+              </a:extLst>
+            </p:cNvPr>
+            <p:cNvSpPr txBox="1"/>
+            <p:nvPr/>
+          </p:nvSpPr>
+          <p:spPr>
+            <a:xfrm>
+              <a:off x="4811514" y="31251577"/>
+              <a:ext cx="6061602" cy="569356"/>
+            </a:xfrm>
+            <a:prstGeom prst="rect">
+              <a:avLst/>
+            </a:prstGeom>
+            <a:noFill/>
+            <a:ln>
+              <a:noFill/>
+            </a:ln>
+          </p:spPr>
+          <p:txBody>
+            <a:bodyPr spcFirstLastPara="1" wrap="square" lIns="91425" tIns="91425" rIns="91425" bIns="91425" anchor="t" anchorCtr="0">
+              <a:spAutoFit/>
+            </a:bodyPr>
+            <a:lstStyle/>
+            <a:p>
+              <a:r>
+                <a:rPr lang="en" sz="2500" b="1" dirty="0">
+                  <a:latin typeface="Times New Roman" panose="02020603050405020304" pitchFamily="18" charset="0"/>
+                  <a:cs typeface="Times New Roman" panose="02020603050405020304" pitchFamily="18" charset="0"/>
+                </a:rPr>
+                <a:t>Lysogen Induction Rate,</a:t>
+              </a:r>
+              <a:endParaRPr sz="2500" b="1" dirty="0">
+                <a:latin typeface="Times New Roman" panose="02020603050405020304" pitchFamily="18" charset="0"/>
+                <a:cs typeface="Times New Roman" panose="02020603050405020304" pitchFamily="18" charset="0"/>
+              </a:endParaRPr>
+            </a:p>
+          </p:txBody>
+        </p:sp>
+        <p:pic>
+          <p:nvPicPr>
+            <p:cNvPr id="431" name="Picture 430">
+              <a:extLst>
+                <a:ext uri="{FF2B5EF4-FFF2-40B4-BE49-F238E27FC236}">
+                  <a16:creationId xmlns:a16="http://schemas.microsoft.com/office/drawing/2014/main" id="{EDD709A6-AB24-E759-0438-5A3759F7C977}"/>
+                </a:ext>
+              </a:extLst>
+            </p:cNvPr>
+            <p:cNvPicPr>
+              <a:picLocks noChangeAspect="1"/>
+            </p:cNvPicPr>
+            <p:nvPr/>
+          </p:nvPicPr>
+          <p:blipFill>
+            <a:blip r:embed="rId21"/>
+            <a:stretch>
+              <a:fillRect/>
+            </a:stretch>
+          </p:blipFill>
+          <p:spPr>
+            <a:xfrm>
+              <a:off x="8498611" y="31251577"/>
+              <a:ext cx="3288366" cy="610345"/>
+            </a:xfrm>
+            <a:prstGeom prst="rect">
+              <a:avLst/>
+            </a:prstGeom>
+          </p:spPr>
+        </p:pic>
+      </p:grpSp>
+      <p:sp>
+        <p:nvSpPr>
+          <p:cNvPr id="432" name="Google Shape;317;p28">
+            <a:extLst>
+              <a:ext uri="{FF2B5EF4-FFF2-40B4-BE49-F238E27FC236}">
+                <a16:creationId xmlns:a16="http://schemas.microsoft.com/office/drawing/2014/main" id="{FDF77FC0-A636-C968-04C7-97E80C7030E7}"/>
+              </a:ext>
+            </a:extLst>
+          </p:cNvPr>
+          <p:cNvSpPr txBox="1"/>
+          <p:nvPr/>
+        </p:nvSpPr>
+        <p:spPr>
+          <a:xfrm rot="16200000">
+            <a:off x="-1062701" y="28078774"/>
+            <a:ext cx="5794155" cy="569356"/>
+          </a:xfrm>
+          <a:prstGeom prst="rect">
+            <a:avLst/>
+          </a:prstGeom>
+          <a:noFill/>
+          <a:ln>
+            <a:noFill/>
+          </a:ln>
+        </p:spPr>
+        <p:txBody>
+          <a:bodyPr spcFirstLastPara="1" wrap="square" lIns="91425" tIns="91425" rIns="91425" bIns="91425" anchor="t" anchorCtr="0">
+            <a:spAutoFit/>
+          </a:bodyPr>
+          <a:lstStyle/>
+          <a:p>
+            <a:r>
+              <a:rPr lang="en" sz="2500" b="1" dirty="0">
+                <a:latin typeface="Times New Roman" panose="02020603050405020304" pitchFamily="18" charset="0"/>
+                <a:cs typeface="Times New Roman" panose="02020603050405020304" pitchFamily="18" charset="0"/>
+              </a:rPr>
+              <a:t>Lysogen Growth Rate,</a:t>
+            </a:r>
+            <a:endParaRPr sz="2500" b="1" dirty="0">
+              <a:latin typeface="Times New Roman" panose="02020603050405020304" pitchFamily="18" charset="0"/>
+              <a:cs typeface="Times New Roman" panose="02020603050405020304" pitchFamily="18" charset="0"/>
+            </a:endParaRPr>
+          </a:p>
+        </p:txBody>
+      </p:sp>
+      <p:pic>
+        <p:nvPicPr>
+          <p:cNvPr id="433" name="Picture 432">
+            <a:extLst>
+              <a:ext uri="{FF2B5EF4-FFF2-40B4-BE49-F238E27FC236}">
+                <a16:creationId xmlns:a16="http://schemas.microsoft.com/office/drawing/2014/main" id="{9C484679-3C46-D5E3-E445-EA7F13522BD8}"/>
+              </a:ext>
+            </a:extLst>
+          </p:cNvPr>
+          <p:cNvPicPr>
+            <a:picLocks noChangeAspect="1"/>
+          </p:cNvPicPr>
+          <p:nvPr/>
+        </p:nvPicPr>
+        <p:blipFill>
+          <a:blip r:embed="rId39"/>
+          <a:stretch>
+            <a:fillRect/>
+          </a:stretch>
+        </p:blipFill>
+        <p:spPr>
+          <a:xfrm>
+            <a:off x="1163449" y="27228342"/>
+            <a:ext cx="1109254" cy="683156"/>
+          </a:xfrm>
+          <a:prstGeom prst="rect">
+            <a:avLst/>
+          </a:prstGeom>
+          <a:ln w="38100">
+            <a:noFill/>
+          </a:ln>
+        </p:spPr>
+      </p:pic>
+      <p:sp>
+        <p:nvSpPr>
+          <p:cNvPr id="434" name="TextBox 433">
+            <a:extLst>
+              <a:ext uri="{FF2B5EF4-FFF2-40B4-BE49-F238E27FC236}">
+                <a16:creationId xmlns:a16="http://schemas.microsoft.com/office/drawing/2014/main" id="{95538012-52E6-F018-F2F9-1569B0C89C3D}"/>
+              </a:ext>
+            </a:extLst>
+          </p:cNvPr>
+          <p:cNvSpPr txBox="1"/>
+          <p:nvPr/>
+        </p:nvSpPr>
+        <p:spPr>
+          <a:xfrm>
+            <a:off x="20978793" y="19289610"/>
+            <a:ext cx="813043" cy="523220"/>
+          </a:xfrm>
+          <a:prstGeom prst="rect">
+            <a:avLst/>
+          </a:prstGeom>
+          <a:noFill/>
+        </p:spPr>
+        <p:txBody>
+          <a:bodyPr wrap="none" rtlCol="0">
+            <a:spAutoFit/>
+          </a:bodyPr>
+          <a:lstStyle/>
+          <a:p>
+            <a:r>
+              <a:rPr lang="en-US" sz="2800" b="1" dirty="0">
+                <a:latin typeface="Times New Roman" panose="02020603050405020304" pitchFamily="18" charset="0"/>
+                <a:cs typeface="Times New Roman" panose="02020603050405020304" pitchFamily="18" charset="0"/>
+              </a:rPr>
+              <a:t>0 </a:t>
+            </a:r>
+            <a:r>
+              <a:rPr lang="en-US" sz="2800" b="1" dirty="0" err="1">
+                <a:latin typeface="Times New Roman" panose="02020603050405020304" pitchFamily="18" charset="0"/>
+                <a:cs typeface="Times New Roman" panose="02020603050405020304" pitchFamily="18" charset="0"/>
+              </a:rPr>
+              <a:t>hr</a:t>
+            </a:r>
+            <a:endParaRPr lang="en-US" sz="2800" b="1" dirty="0">
+              <a:latin typeface="Times New Roman" panose="02020603050405020304" pitchFamily="18" charset="0"/>
+              <a:cs typeface="Times New Roman" panose="02020603050405020304" pitchFamily="18" charset="0"/>
+            </a:endParaRPr>
+          </a:p>
+        </p:txBody>
+      </p:sp>
+      <p:sp>
+        <p:nvSpPr>
+          <p:cNvPr id="435" name="TextBox 434">
+            <a:extLst>
+              <a:ext uri="{FF2B5EF4-FFF2-40B4-BE49-F238E27FC236}">
+                <a16:creationId xmlns:a16="http://schemas.microsoft.com/office/drawing/2014/main" id="{B73D5FAB-3DEF-62FB-BB60-70636A4EE425}"/>
+              </a:ext>
+            </a:extLst>
+          </p:cNvPr>
+          <p:cNvSpPr txBox="1"/>
+          <p:nvPr/>
+        </p:nvSpPr>
+        <p:spPr>
+          <a:xfrm>
+            <a:off x="22945237" y="19298442"/>
+            <a:ext cx="992579" cy="523220"/>
+          </a:xfrm>
+          <a:prstGeom prst="rect">
+            <a:avLst/>
+          </a:prstGeom>
+          <a:noFill/>
+        </p:spPr>
+        <p:txBody>
+          <a:bodyPr wrap="none" rtlCol="0">
+            <a:spAutoFit/>
+          </a:bodyPr>
+          <a:lstStyle/>
+          <a:p>
+            <a:r>
+              <a:rPr lang="en-US" sz="2800" b="1" dirty="0">
+                <a:latin typeface="Times New Roman" panose="02020603050405020304" pitchFamily="18" charset="0"/>
+                <a:cs typeface="Times New Roman" panose="02020603050405020304" pitchFamily="18" charset="0"/>
+              </a:rPr>
+              <a:t>24 </a:t>
+            </a:r>
+            <a:r>
+              <a:rPr lang="en-US" sz="2800" b="1" dirty="0" err="1">
+                <a:latin typeface="Times New Roman" panose="02020603050405020304" pitchFamily="18" charset="0"/>
+                <a:cs typeface="Times New Roman" panose="02020603050405020304" pitchFamily="18" charset="0"/>
+              </a:rPr>
+              <a:t>hr</a:t>
+            </a:r>
+            <a:endParaRPr lang="en-US" sz="2800" b="1" dirty="0">
+              <a:latin typeface="Times New Roman" panose="02020603050405020304" pitchFamily="18" charset="0"/>
+              <a:cs typeface="Times New Roman" panose="02020603050405020304" pitchFamily="18" charset="0"/>
+            </a:endParaRPr>
+          </a:p>
+        </p:txBody>
+      </p:sp>
+      <p:sp>
+        <p:nvSpPr>
+          <p:cNvPr id="436" name="TextBox 435">
+            <a:extLst>
+              <a:ext uri="{FF2B5EF4-FFF2-40B4-BE49-F238E27FC236}">
+                <a16:creationId xmlns:a16="http://schemas.microsoft.com/office/drawing/2014/main" id="{459B13BC-54B9-A339-1569-1328DE9C6583}"/>
+              </a:ext>
+            </a:extLst>
+          </p:cNvPr>
+          <p:cNvSpPr txBox="1"/>
+          <p:nvPr/>
+        </p:nvSpPr>
+        <p:spPr>
+          <a:xfrm>
+            <a:off x="25205539" y="19289610"/>
+            <a:ext cx="992579" cy="523220"/>
+          </a:xfrm>
+          <a:prstGeom prst="rect">
+            <a:avLst/>
+          </a:prstGeom>
+          <a:noFill/>
+        </p:spPr>
+        <p:txBody>
+          <a:bodyPr wrap="none" rtlCol="0">
+            <a:spAutoFit/>
+          </a:bodyPr>
+          <a:lstStyle/>
+          <a:p>
+            <a:r>
+              <a:rPr lang="en-US" sz="2800" b="1" dirty="0">
+                <a:latin typeface="Times New Roman" panose="02020603050405020304" pitchFamily="18" charset="0"/>
+                <a:cs typeface="Times New Roman" panose="02020603050405020304" pitchFamily="18" charset="0"/>
+              </a:rPr>
+              <a:t>72 </a:t>
+            </a:r>
+            <a:r>
+              <a:rPr lang="en-US" sz="2800" b="1" dirty="0" err="1">
+                <a:latin typeface="Times New Roman" panose="02020603050405020304" pitchFamily="18" charset="0"/>
+                <a:cs typeface="Times New Roman" panose="02020603050405020304" pitchFamily="18" charset="0"/>
+              </a:rPr>
+              <a:t>hr</a:t>
+            </a:r>
+            <a:endParaRPr lang="en-US" sz="2800" b="1" dirty="0">
+              <a:latin typeface="Times New Roman" panose="02020603050405020304" pitchFamily="18" charset="0"/>
+              <a:cs typeface="Times New Roman" panose="02020603050405020304" pitchFamily="18" charset="0"/>
+            </a:endParaRPr>
+          </a:p>
+        </p:txBody>
+      </p:sp>
+      <p:sp>
+        <p:nvSpPr>
+          <p:cNvPr id="437" name="TextBox 436">
+            <a:extLst>
+              <a:ext uri="{FF2B5EF4-FFF2-40B4-BE49-F238E27FC236}">
+                <a16:creationId xmlns:a16="http://schemas.microsoft.com/office/drawing/2014/main" id="{89556013-23B2-0D46-DA0B-42DDB574F987}"/>
+              </a:ext>
+            </a:extLst>
+          </p:cNvPr>
+          <p:cNvSpPr txBox="1"/>
+          <p:nvPr/>
+        </p:nvSpPr>
+        <p:spPr>
+          <a:xfrm>
+            <a:off x="27274034" y="19298442"/>
+            <a:ext cx="1172116" cy="523220"/>
+          </a:xfrm>
+          <a:prstGeom prst="rect">
+            <a:avLst/>
+          </a:prstGeom>
+          <a:noFill/>
+        </p:spPr>
+        <p:txBody>
+          <a:bodyPr wrap="none" rtlCol="0">
+            <a:spAutoFit/>
+          </a:bodyPr>
+          <a:lstStyle/>
+          <a:p>
+            <a:r>
+              <a:rPr lang="en-US" sz="2800" b="1" dirty="0">
+                <a:latin typeface="Times New Roman" panose="02020603050405020304" pitchFamily="18" charset="0"/>
+                <a:cs typeface="Times New Roman" panose="02020603050405020304" pitchFamily="18" charset="0"/>
+              </a:rPr>
+              <a:t>120 </a:t>
+            </a:r>
+            <a:r>
+              <a:rPr lang="en-US" sz="2800" b="1" dirty="0" err="1">
+                <a:latin typeface="Times New Roman" panose="02020603050405020304" pitchFamily="18" charset="0"/>
+                <a:cs typeface="Times New Roman" panose="02020603050405020304" pitchFamily="18" charset="0"/>
+              </a:rPr>
+              <a:t>hr</a:t>
+            </a:r>
+            <a:endParaRPr lang="en-US" sz="2800" b="1" dirty="0">
+              <a:latin typeface="Times New Roman" panose="02020603050405020304" pitchFamily="18" charset="0"/>
+              <a:cs typeface="Times New Roman" panose="02020603050405020304" pitchFamily="18" charset="0"/>
+            </a:endParaRPr>
+          </a:p>
+        </p:txBody>
+      </p:sp>
+      <p:sp>
+        <p:nvSpPr>
+          <p:cNvPr id="438" name="TextBox 437">
+            <a:extLst>
+              <a:ext uri="{FF2B5EF4-FFF2-40B4-BE49-F238E27FC236}">
+                <a16:creationId xmlns:a16="http://schemas.microsoft.com/office/drawing/2014/main" id="{102680BF-181F-81C0-8406-F09DD4486401}"/>
+              </a:ext>
+            </a:extLst>
+          </p:cNvPr>
+          <p:cNvSpPr txBox="1"/>
+          <p:nvPr/>
+        </p:nvSpPr>
+        <p:spPr>
+          <a:xfrm>
+            <a:off x="29448970" y="19316047"/>
+            <a:ext cx="1172116" cy="523220"/>
+          </a:xfrm>
+          <a:prstGeom prst="rect">
+            <a:avLst/>
+          </a:prstGeom>
+          <a:noFill/>
+        </p:spPr>
+        <p:txBody>
+          <a:bodyPr wrap="none" rtlCol="0">
+            <a:spAutoFit/>
+          </a:bodyPr>
+          <a:lstStyle/>
+          <a:p>
+            <a:r>
+              <a:rPr lang="en-US" sz="2800" b="1" dirty="0">
+                <a:latin typeface="Times New Roman" panose="02020603050405020304" pitchFamily="18" charset="0"/>
+                <a:cs typeface="Times New Roman" panose="02020603050405020304" pitchFamily="18" charset="0"/>
+              </a:rPr>
+              <a:t>200 </a:t>
+            </a:r>
+            <a:r>
+              <a:rPr lang="en-US" sz="2800" b="1" dirty="0" err="1">
+                <a:latin typeface="Times New Roman" panose="02020603050405020304" pitchFamily="18" charset="0"/>
+                <a:cs typeface="Times New Roman" panose="02020603050405020304" pitchFamily="18" charset="0"/>
+              </a:rPr>
+              <a:t>hr</a:t>
+            </a:r>
+            <a:endParaRPr lang="en-US" sz="2800" b="1" dirty="0">
+              <a:latin typeface="Times New Roman" panose="02020603050405020304" pitchFamily="18" charset="0"/>
+              <a:cs typeface="Times New Roman" panose="02020603050405020304" pitchFamily="18" charset="0"/>
+            </a:endParaRPr>
           </a:p>
         </p:txBody>
       </p:sp>

--- a/JDH_poster_draft.pptx
+++ b/JDH_poster_draft.pptx
@@ -2973,10 +2973,10 @@
       </p:grpSpPr>
       <p:pic>
         <p:nvPicPr>
-          <p:cNvPr id="400" name="Picture 399">
-            <a:extLst>
-              <a:ext uri="{FF2B5EF4-FFF2-40B4-BE49-F238E27FC236}">
-                <a16:creationId xmlns:a16="http://schemas.microsoft.com/office/drawing/2014/main" id="{B9D58ADB-86EF-A5CF-8F69-31544B1C3744}"/>
+          <p:cNvPr id="459" name="Picture 458">
+            <a:extLst>
+              <a:ext uri="{FF2B5EF4-FFF2-40B4-BE49-F238E27FC236}">
+                <a16:creationId xmlns:a16="http://schemas.microsoft.com/office/drawing/2014/main" id="{1B2F7D55-0991-56AF-4CF6-4D6E38C13EE4}"/>
               </a:ext>
             </a:extLst>
           </p:cNvPr>
@@ -2993,8 +2993,8 @@
         </p:blipFill>
         <p:spPr>
           <a:xfrm>
-            <a:off x="27636326" y="12952173"/>
-            <a:ext cx="4237387" cy="3255264"/>
+            <a:off x="2839389" y="26610821"/>
+            <a:ext cx="12407232" cy="5500372"/>
           </a:xfrm>
           <a:prstGeom prst="rect">
             <a:avLst/>
@@ -3003,10 +3003,10 @@
       </p:pic>
       <p:pic>
         <p:nvPicPr>
-          <p:cNvPr id="416" name="Picture 415">
-            <a:extLst>
-              <a:ext uri="{FF2B5EF4-FFF2-40B4-BE49-F238E27FC236}">
-                <a16:creationId xmlns:a16="http://schemas.microsoft.com/office/drawing/2014/main" id="{B497DCD6-FCF3-5EC8-F791-FD52965A1730}"/>
+          <p:cNvPr id="455" name="Picture 454">
+            <a:extLst>
+              <a:ext uri="{FF2B5EF4-FFF2-40B4-BE49-F238E27FC236}">
+                <a16:creationId xmlns:a16="http://schemas.microsoft.com/office/drawing/2014/main" id="{AAA315A1-34A6-3EBF-3677-FD109878A384}"/>
               </a:ext>
             </a:extLst>
           </p:cNvPr>
@@ -3023,8 +3023,8 @@
         </p:blipFill>
         <p:spPr>
           <a:xfrm>
-            <a:off x="18205692" y="12917086"/>
-            <a:ext cx="4303300" cy="3255264"/>
+            <a:off x="18169024" y="12922862"/>
+            <a:ext cx="4340352" cy="3255264"/>
           </a:xfrm>
           <a:prstGeom prst="rect">
             <a:avLst/>
@@ -3033,10 +3033,10 @@
       </p:pic>
       <p:pic>
         <p:nvPicPr>
-          <p:cNvPr id="395" name="Picture 394">
-            <a:extLst>
-              <a:ext uri="{FF2B5EF4-FFF2-40B4-BE49-F238E27FC236}">
-                <a16:creationId xmlns:a16="http://schemas.microsoft.com/office/drawing/2014/main" id="{179D2ED8-39D3-0570-BE86-5CF13AAD0769}"/>
+          <p:cNvPr id="446" name="Picture 445">
+            <a:extLst>
+              <a:ext uri="{FF2B5EF4-FFF2-40B4-BE49-F238E27FC236}">
+                <a16:creationId xmlns:a16="http://schemas.microsoft.com/office/drawing/2014/main" id="{DA068B06-CB6C-7985-BA5E-DF6C00680B64}"/>
               </a:ext>
             </a:extLst>
           </p:cNvPr>
@@ -3053,8 +3053,8 @@
         </p:blipFill>
         <p:spPr>
           <a:xfrm>
-            <a:off x="23347288" y="12954444"/>
-            <a:ext cx="4237387" cy="3255264"/>
+            <a:off x="27587825" y="12966641"/>
+            <a:ext cx="4269695" cy="3255264"/>
           </a:xfrm>
           <a:prstGeom prst="rect">
             <a:avLst/>
@@ -3063,10 +3063,10 @@
       </p:pic>
       <p:pic>
         <p:nvPicPr>
-          <p:cNvPr id="393" name="Picture 392">
-            <a:extLst>
-              <a:ext uri="{FF2B5EF4-FFF2-40B4-BE49-F238E27FC236}">
-                <a16:creationId xmlns:a16="http://schemas.microsoft.com/office/drawing/2014/main" id="{482A40E5-273F-0049-9804-0229C0C9745F}"/>
+          <p:cNvPr id="448" name="Picture 447">
+            <a:extLst>
+              <a:ext uri="{FF2B5EF4-FFF2-40B4-BE49-F238E27FC236}">
+                <a16:creationId xmlns:a16="http://schemas.microsoft.com/office/drawing/2014/main" id="{022BDBC8-8C10-23CF-E743-E77D08BBB281}"/>
               </a:ext>
             </a:extLst>
           </p:cNvPr>
@@ -3083,8 +3083,8 @@
         </p:blipFill>
         <p:spPr>
           <a:xfrm>
-            <a:off x="18304546" y="8417953"/>
-            <a:ext cx="4208591" cy="3255264"/>
+            <a:off x="23215720" y="12966641"/>
+            <a:ext cx="4269695" cy="3255264"/>
           </a:xfrm>
           <a:prstGeom prst="rect">
             <a:avLst/>
@@ -3093,10 +3093,10 @@
       </p:pic>
       <p:pic>
         <p:nvPicPr>
-          <p:cNvPr id="388" name="Picture 387">
-            <a:extLst>
-              <a:ext uri="{FF2B5EF4-FFF2-40B4-BE49-F238E27FC236}">
-                <a16:creationId xmlns:a16="http://schemas.microsoft.com/office/drawing/2014/main" id="{93E0FE1A-F24B-3E43-20CD-C0C88F3C9763}"/>
+          <p:cNvPr id="442" name="Picture 441">
+            <a:extLst>
+              <a:ext uri="{FF2B5EF4-FFF2-40B4-BE49-F238E27FC236}">
+                <a16:creationId xmlns:a16="http://schemas.microsoft.com/office/drawing/2014/main" id="{CE596BD8-CA7F-1434-3FA1-3BBB7E702F27}"/>
               </a:ext>
             </a:extLst>
           </p:cNvPr>
@@ -3113,8 +3113,8 @@
         </p:blipFill>
         <p:spPr>
           <a:xfrm>
-            <a:off x="27518862" y="8417258"/>
-            <a:ext cx="4267141" cy="3255264"/>
+            <a:off x="27460825" y="8444098"/>
+            <a:ext cx="4269695" cy="3255264"/>
           </a:xfrm>
           <a:prstGeom prst="rect">
             <a:avLst/>
@@ -3123,10 +3123,10 @@
       </p:pic>
       <p:pic>
         <p:nvPicPr>
-          <p:cNvPr id="376" name="Picture 375">
-            <a:extLst>
-              <a:ext uri="{FF2B5EF4-FFF2-40B4-BE49-F238E27FC236}">
-                <a16:creationId xmlns:a16="http://schemas.microsoft.com/office/drawing/2014/main" id="{447D31A7-E908-3B95-5DC1-D81AA39D9601}"/>
+          <p:cNvPr id="444" name="Picture 443">
+            <a:extLst>
+              <a:ext uri="{FF2B5EF4-FFF2-40B4-BE49-F238E27FC236}">
+                <a16:creationId xmlns:a16="http://schemas.microsoft.com/office/drawing/2014/main" id="{2BFDD001-A094-0EFA-8154-94905A0E5589}"/>
               </a:ext>
             </a:extLst>
           </p:cNvPr>
@@ -3143,8 +3143,38 @@
         </p:blipFill>
         <p:spPr>
           <a:xfrm>
-            <a:off x="23257554" y="8411622"/>
-            <a:ext cx="4261306" cy="3250813"/>
+            <a:off x="23165106" y="8446200"/>
+            <a:ext cx="4269695" cy="3255264"/>
+          </a:xfrm>
+          <a:prstGeom prst="rect">
+            <a:avLst/>
+          </a:prstGeom>
+        </p:spPr>
+      </p:pic>
+      <p:pic>
+        <p:nvPicPr>
+          <p:cNvPr id="440" name="Picture 439">
+            <a:extLst>
+              <a:ext uri="{FF2B5EF4-FFF2-40B4-BE49-F238E27FC236}">
+                <a16:creationId xmlns:a16="http://schemas.microsoft.com/office/drawing/2014/main" id="{09C23625-DFD4-943B-69DA-C9FDCA84D822}"/>
+              </a:ext>
+            </a:extLst>
+          </p:cNvPr>
+          <p:cNvPicPr>
+            <a:picLocks noChangeAspect="1"/>
+          </p:cNvPicPr>
+          <p:nvPr/>
+        </p:nvPicPr>
+        <p:blipFill>
+          <a:blip r:embed="rId8"/>
+          <a:stretch>
+            <a:fillRect/>
+          </a:stretch>
+        </p:blipFill>
+        <p:spPr>
+          <a:xfrm>
+            <a:off x="18170452" y="8446407"/>
+            <a:ext cx="4373779" cy="3255264"/>
           </a:xfrm>
           <a:prstGeom prst="rect">
             <a:avLst/>
@@ -3258,7 +3288,7 @@
           <p:nvPr/>
         </p:nvPicPr>
         <p:blipFill>
-          <a:blip r:embed="rId8">
+          <a:blip r:embed="rId9">
             <a:extLst>
               <a:ext uri="{28A0092B-C50C-407E-A947-70E740481C1C}">
                 <a14:useLocalDpi xmlns:a14="http://schemas.microsoft.com/office/drawing/2010/main" val="0"/>
@@ -3665,7 +3695,7 @@
           <p:nvPr/>
         </p:nvPicPr>
         <p:blipFill>
-          <a:blip r:embed="rId9"/>
+          <a:blip r:embed="rId10"/>
           <a:stretch>
             <a:fillRect/>
           </a:stretch>
@@ -4275,7 +4305,7 @@
           <p:nvPr/>
         </p:nvPicPr>
         <p:blipFill>
-          <a:blip r:embed="rId10"/>
+          <a:blip r:embed="rId11"/>
           <a:stretch>
             <a:fillRect/>
           </a:stretch>
@@ -4305,7 +4335,7 @@
           <p:nvPr/>
         </p:nvPicPr>
         <p:blipFill>
-          <a:blip r:embed="rId11"/>
+          <a:blip r:embed="rId12"/>
           <a:stretch>
             <a:fillRect/>
           </a:stretch>
@@ -4516,7 +4546,7 @@
             <p:nvPr/>
           </p:nvPicPr>
           <p:blipFill>
-            <a:blip r:embed="rId12"/>
+            <a:blip r:embed="rId13"/>
             <a:stretch>
               <a:fillRect/>
             </a:stretch>
@@ -4641,7 +4671,7 @@
             <p:nvPr/>
           </p:nvPicPr>
           <p:blipFill>
-            <a:blip r:embed="rId13"/>
+            <a:blip r:embed="rId14"/>
             <a:stretch>
               <a:fillRect/>
             </a:stretch>
@@ -4708,7 +4738,7 @@
             <p:nvPr/>
           </p:nvPicPr>
           <p:blipFill>
-            <a:blip r:embed="rId14"/>
+            <a:blip r:embed="rId15"/>
             <a:stretch>
               <a:fillRect/>
             </a:stretch>
@@ -4918,41 +4948,6 @@
       </p:sp>
       <p:pic>
         <p:nvPicPr>
-          <p:cNvPr id="147" name="Google Shape;310;p28">
-            <a:extLst>
-              <a:ext uri="{FF2B5EF4-FFF2-40B4-BE49-F238E27FC236}">
-                <a16:creationId xmlns:a16="http://schemas.microsoft.com/office/drawing/2014/main" id="{214602AA-05DC-9EC9-C49E-5E83F34EFD11}"/>
-              </a:ext>
-            </a:extLst>
-          </p:cNvPr>
-          <p:cNvPicPr preferRelativeResize="0">
-            <a:picLocks noChangeAspect="1"/>
-          </p:cNvPicPr>
-          <p:nvPr/>
-        </p:nvPicPr>
-        <p:blipFill rotWithShape="1">
-          <a:blip r:embed="rId15">
-            <a:alphaModFix/>
-          </a:blip>
-          <a:srcRect r="48348"/>
-          <a:stretch/>
-        </p:blipFill>
-        <p:spPr>
-          <a:xfrm>
-            <a:off x="2449704" y="26554343"/>
-            <a:ext cx="6762676" cy="5799859"/>
-          </a:xfrm>
-          <a:prstGeom prst="rect">
-            <a:avLst/>
-          </a:prstGeom>
-          <a:noFill/>
-          <a:ln>
-            <a:noFill/>
-          </a:ln>
-        </p:spPr>
-      </p:pic>
-      <p:pic>
-        <p:nvPicPr>
           <p:cNvPr id="148" name="Picture 147">
             <a:extLst>
               <a:ext uri="{FF2B5EF4-FFF2-40B4-BE49-F238E27FC236}">
@@ -4986,41 +4981,6 @@
           </a:ln>
         </p:spPr>
       </p:pic>
-      <p:pic>
-        <p:nvPicPr>
-          <p:cNvPr id="150" name="Google Shape;310;p28">
-            <a:extLst>
-              <a:ext uri="{FF2B5EF4-FFF2-40B4-BE49-F238E27FC236}">
-                <a16:creationId xmlns:a16="http://schemas.microsoft.com/office/drawing/2014/main" id="{B6F770F4-6934-CA21-647F-A4B56044DCB1}"/>
-              </a:ext>
-            </a:extLst>
-          </p:cNvPr>
-          <p:cNvPicPr preferRelativeResize="0">
-            <a:picLocks noChangeAspect="1"/>
-          </p:cNvPicPr>
-          <p:nvPr/>
-        </p:nvPicPr>
-        <p:blipFill rotWithShape="1">
-          <a:blip r:embed="rId15">
-            <a:alphaModFix/>
-          </a:blip>
-          <a:srcRect l="51652"/>
-          <a:stretch/>
-        </p:blipFill>
-        <p:spPr>
-          <a:xfrm>
-            <a:off x="9191306" y="26577204"/>
-            <a:ext cx="6280131" cy="5754139"/>
-          </a:xfrm>
-          <a:prstGeom prst="rect">
-            <a:avLst/>
-          </a:prstGeom>
-          <a:noFill/>
-          <a:ln>
-            <a:noFill/>
-          </a:ln>
-        </p:spPr>
-      </p:pic>
       <p:sp>
         <p:nvSpPr>
           <p:cNvPr id="152" name="TextBox 151">
@@ -5073,7 +5033,7 @@
         </p:nvSpPr>
         <p:spPr>
           <a:xfrm>
-            <a:off x="16742664" y="16901579"/>
+            <a:off x="16742664" y="16850779"/>
             <a:ext cx="15087599" cy="2015936"/>
           </a:xfrm>
           <a:prstGeom prst="rect">
@@ -5419,7 +5379,7 @@
             <a:avLst/>
           </a:prstGeom>
           <a:noFill/>
-          <a:ln w="101600" cap="flat" cmpd="sng">
+          <a:ln w="63500" cap="flat" cmpd="sng">
             <a:solidFill>
               <a:schemeClr val="tx1"/>
             </a:solidFill>
@@ -5639,7 +5599,7 @@
         </p:nvSpPr>
         <p:spPr>
           <a:xfrm>
-            <a:off x="17330194" y="16105849"/>
+            <a:off x="17330194" y="16131249"/>
             <a:ext cx="6561696" cy="569356"/>
           </a:xfrm>
           <a:prstGeom prst="rect">
@@ -5752,7 +5712,7 @@
         </p:nvSpPr>
         <p:spPr>
           <a:xfrm>
-            <a:off x="18131659" y="12342330"/>
+            <a:off x="18131659" y="12240730"/>
             <a:ext cx="911292" cy="523220"/>
           </a:xfrm>
           <a:prstGeom prst="rect">
@@ -5858,7 +5818,7 @@
         </p:nvSpPr>
         <p:spPr>
           <a:xfrm>
-            <a:off x="24823112" y="16099293"/>
+            <a:off x="24823112" y="16124693"/>
             <a:ext cx="1899457" cy="569356"/>
           </a:xfrm>
           <a:prstGeom prst="rect">
@@ -5911,7 +5871,7 @@
         </p:nvSpPr>
         <p:spPr>
           <a:xfrm>
-            <a:off x="28960453" y="16111241"/>
+            <a:off x="28960453" y="16136641"/>
             <a:ext cx="1938855" cy="569356"/>
           </a:xfrm>
           <a:prstGeom prst="rect">
@@ -5994,7 +5954,7 @@
         </p:nvSpPr>
         <p:spPr>
           <a:xfrm>
-            <a:off x="24479325" y="11581827"/>
+            <a:off x="24479325" y="11632627"/>
             <a:ext cx="2243242" cy="569356"/>
           </a:xfrm>
           <a:prstGeom prst="rect">
@@ -6047,7 +6007,7 @@
         </p:nvSpPr>
         <p:spPr>
           <a:xfrm>
-            <a:off x="28890285" y="11588231"/>
+            <a:off x="28890285" y="11639031"/>
             <a:ext cx="2243242" cy="569356"/>
           </a:xfrm>
           <a:prstGeom prst="rect">
@@ -6108,7 +6068,7 @@
         </p:blipFill>
         <p:spPr>
           <a:xfrm>
-            <a:off x="30618275" y="14961918"/>
+            <a:off x="30618275" y="14860318"/>
             <a:ext cx="281033" cy="209527"/>
           </a:xfrm>
           <a:prstGeom prst="rect">
@@ -7361,7 +7321,7 @@
         </p:blipFill>
         <p:spPr>
           <a:xfrm>
-            <a:off x="16992673" y="8660841"/>
+            <a:off x="16967273" y="8660841"/>
             <a:ext cx="1138986" cy="760223"/>
           </a:xfrm>
           <a:prstGeom prst="rect">
@@ -7493,58 +7453,6 @@
       </p:sp>
       <p:sp>
         <p:nvSpPr>
-          <p:cNvPr id="364" name="Rectangle 363">
-            <a:extLst>
-              <a:ext uri="{FF2B5EF4-FFF2-40B4-BE49-F238E27FC236}">
-                <a16:creationId xmlns:a16="http://schemas.microsoft.com/office/drawing/2014/main" id="{B0DBAEF1-BB10-19BD-51EF-D98D77D8692F}"/>
-              </a:ext>
-            </a:extLst>
-          </p:cNvPr>
-          <p:cNvSpPr/>
-          <p:nvPr/>
-        </p:nvSpPr>
-        <p:spPr>
-          <a:xfrm>
-            <a:off x="31373066" y="15922275"/>
-            <a:ext cx="648653" cy="646331"/>
-          </a:xfrm>
-          <a:prstGeom prst="rect">
-            <a:avLst/>
-          </a:prstGeom>
-          <a:solidFill>
-            <a:schemeClr val="bg1"/>
-          </a:solidFill>
-          <a:ln>
-            <a:noFill/>
-          </a:ln>
-        </p:spPr>
-        <p:style>
-          <a:lnRef idx="2">
-            <a:schemeClr val="accent1">
-              <a:shade val="50000"/>
-            </a:schemeClr>
-          </a:lnRef>
-          <a:fillRef idx="1">
-            <a:schemeClr val="accent1"/>
-          </a:fillRef>
-          <a:effectRef idx="0">
-            <a:schemeClr val="accent1"/>
-          </a:effectRef>
-          <a:fontRef idx="minor">
-            <a:schemeClr val="lt1"/>
-          </a:fontRef>
-        </p:style>
-        <p:txBody>
-          <a:bodyPr rtlCol="0" anchor="ctr"/>
-          <a:lstStyle/>
-          <a:p>
-            <a:pPr algn="ctr"/>
-            <a:endParaRPr lang="en-US"/>
-          </a:p>
-        </p:txBody>
-      </p:sp>
-      <p:sp>
-        <p:nvSpPr>
           <p:cNvPr id="379" name="Google Shape;589;p36">
             <a:extLst>
               <a:ext uri="{FF2B5EF4-FFF2-40B4-BE49-F238E27FC236}">
@@ -7557,8 +7465,8 @@
         </p:nvSpPr>
         <p:spPr>
           <a:xfrm>
-            <a:off x="18987667" y="8634975"/>
-            <a:ext cx="2202002" cy="954077"/>
+            <a:off x="18523528" y="8915388"/>
+            <a:ext cx="3039776" cy="492412"/>
           </a:xfrm>
           <a:prstGeom prst="rect">
             <a:avLst/>
@@ -7576,73 +7484,59 @@
           <a:p>
             <a:pPr algn="ctr"/>
             <a:r>
-              <a:rPr lang="en" sz="2500" b="1" dirty="0">
+              <a:rPr lang="en" sz="2000" b="1" dirty="0">
                 <a:latin typeface="Times New Roman" panose="02020603050405020304" pitchFamily="18" charset="0"/>
                 <a:cs typeface="Times New Roman" panose="02020603050405020304" pitchFamily="18" charset="0"/>
               </a:rPr>
               <a:t>Both </a:t>
             </a:r>
             <a:r>
-              <a:rPr lang="en" sz="2500" b="1" i="1" dirty="0">
+              <a:rPr lang="en" sz="2000" b="1" i="1" dirty="0">
                 <a:latin typeface="Times New Roman" panose="02020603050405020304" pitchFamily="18" charset="0"/>
                 <a:cs typeface="Times New Roman" panose="02020603050405020304" pitchFamily="18" charset="0"/>
               </a:rPr>
               <a:t>L</a:t>
             </a:r>
             <a:r>
-              <a:rPr lang="en" sz="2500" b="1" i="1" baseline="-25000" dirty="0">
+              <a:rPr lang="en" sz="2000" b="1" i="1" baseline="-25000" dirty="0">
                 <a:latin typeface="Times New Roman" panose="02020603050405020304" pitchFamily="18" charset="0"/>
                 <a:cs typeface="Times New Roman" panose="02020603050405020304" pitchFamily="18" charset="0"/>
               </a:rPr>
               <a:t>B</a:t>
             </a:r>
             <a:r>
-              <a:rPr lang="en" sz="2500" b="1" dirty="0">
+              <a:rPr lang="en" sz="2000" b="1" dirty="0">
                 <a:latin typeface="Times New Roman" panose="02020603050405020304" pitchFamily="18" charset="0"/>
                 <a:cs typeface="Times New Roman" panose="02020603050405020304" pitchFamily="18" charset="0"/>
               </a:rPr>
               <a:t>, </a:t>
             </a:r>
             <a:r>
-              <a:rPr lang="en" sz="2500" b="1" i="1" dirty="0">
+              <a:rPr lang="en" sz="2000" b="1" i="1" dirty="0">
                 <a:latin typeface="Times New Roman" panose="02020603050405020304" pitchFamily="18" charset="0"/>
                 <a:cs typeface="Times New Roman" panose="02020603050405020304" pitchFamily="18" charset="0"/>
               </a:rPr>
               <a:t>V</a:t>
             </a:r>
             <a:r>
-              <a:rPr lang="en" sz="2500" b="1" i="1" baseline="-25000" dirty="0">
+              <a:rPr lang="en" sz="2000" b="1" i="1" baseline="-25000" dirty="0">
                 <a:latin typeface="Times New Roman" panose="02020603050405020304" pitchFamily="18" charset="0"/>
                 <a:cs typeface="Times New Roman" panose="02020603050405020304" pitchFamily="18" charset="0"/>
               </a:rPr>
               <a:t>B</a:t>
             </a:r>
             <a:r>
-              <a:rPr lang="en" sz="2500" b="1" dirty="0">
+              <a:rPr lang="en" sz="2000" b="1" dirty="0">
                 <a:latin typeface="Times New Roman" panose="02020603050405020304" pitchFamily="18" charset="0"/>
                 <a:cs typeface="Times New Roman" panose="02020603050405020304" pitchFamily="18" charset="0"/>
               </a:rPr>
-              <a:t> </a:t>
-            </a:r>
-            <a:endParaRPr sz="2500" b="1" dirty="0">
+              <a:t> Invade</a:t>
+            </a:r>
+            <a:endParaRPr sz="2000" b="1" dirty="0">
               <a:latin typeface="Times New Roman" panose="02020603050405020304" pitchFamily="18" charset="0"/>
               <a:cs typeface="Times New Roman" panose="02020603050405020304" pitchFamily="18" charset="0"/>
             </a:endParaRPr>
           </a:p>
-          <a:p>
-            <a:pPr algn="ctr"/>
-            <a:r>
-              <a:rPr lang="en" sz="2500" b="1" dirty="0">
-                <a:latin typeface="Times New Roman" panose="02020603050405020304" pitchFamily="18" charset="0"/>
-                <a:cs typeface="Times New Roman" panose="02020603050405020304" pitchFamily="18" charset="0"/>
-              </a:rPr>
-              <a:t>Invade</a:t>
-            </a:r>
-            <a:endParaRPr sz="2500" b="1" dirty="0">
-              <a:latin typeface="Times New Roman" panose="02020603050405020304" pitchFamily="18" charset="0"/>
-              <a:cs typeface="Times New Roman" panose="02020603050405020304" pitchFamily="18" charset="0"/>
-            </a:endParaRPr>
-          </a:p>
         </p:txBody>
       </p:sp>
       <p:sp>
@@ -7659,8 +7553,8 @@
         </p:nvSpPr>
         <p:spPr>
           <a:xfrm>
-            <a:off x="20358251" y="10220913"/>
-            <a:ext cx="2127462" cy="954077"/>
+            <a:off x="20002323" y="10578115"/>
+            <a:ext cx="2127462" cy="492412"/>
           </a:xfrm>
           <a:prstGeom prst="rect">
             <a:avLst/>
@@ -7678,34 +7572,34 @@
           <a:p>
             <a:pPr algn="ctr"/>
             <a:r>
-              <a:rPr lang="en" sz="2500" b="1" dirty="0">
+              <a:rPr lang="en" sz="2000" b="1" dirty="0">
                 <a:latin typeface="Times New Roman" panose="02020603050405020304" pitchFamily="18" charset="0"/>
                 <a:cs typeface="Times New Roman" panose="02020603050405020304" pitchFamily="18" charset="0"/>
               </a:rPr>
               <a:t>Only </a:t>
             </a:r>
             <a:r>
-              <a:rPr lang="en" sz="2500" b="1" i="1" dirty="0">
+              <a:rPr lang="en" sz="2000" b="1" i="1" dirty="0">
                 <a:latin typeface="Times New Roman" panose="02020603050405020304" pitchFamily="18" charset="0"/>
                 <a:cs typeface="Times New Roman" panose="02020603050405020304" pitchFamily="18" charset="0"/>
               </a:rPr>
               <a:t>V</a:t>
             </a:r>
             <a:r>
-              <a:rPr lang="en" sz="2500" b="1" i="1" baseline="-25000" dirty="0">
+              <a:rPr lang="en" sz="2000" b="1" i="1" baseline="-25000" dirty="0">
                 <a:latin typeface="Times New Roman" panose="02020603050405020304" pitchFamily="18" charset="0"/>
                 <a:cs typeface="Times New Roman" panose="02020603050405020304" pitchFamily="18" charset="0"/>
               </a:rPr>
               <a:t>B </a:t>
             </a:r>
             <a:r>
-              <a:rPr lang="en" sz="2500" b="1" dirty="0">
+              <a:rPr lang="en" sz="2000" b="1" dirty="0">
                 <a:latin typeface="Times New Roman" panose="02020603050405020304" pitchFamily="18" charset="0"/>
                 <a:cs typeface="Times New Roman" panose="02020603050405020304" pitchFamily="18" charset="0"/>
               </a:rPr>
               <a:t>Invades</a:t>
             </a:r>
-            <a:endParaRPr sz="2500" b="1" dirty="0">
+            <a:endParaRPr sz="2000" b="1" dirty="0">
               <a:latin typeface="Times New Roman" panose="02020603050405020304" pitchFamily="18" charset="0"/>
               <a:cs typeface="Times New Roman" panose="02020603050405020304" pitchFamily="18" charset="0"/>
             </a:endParaRPr>
@@ -7734,7 +7628,7 @@
         </p:blipFill>
         <p:spPr>
           <a:xfrm>
-            <a:off x="24377078" y="13703751"/>
+            <a:off x="24377078" y="13602151"/>
             <a:ext cx="248146" cy="209527"/>
           </a:xfrm>
           <a:prstGeom prst="rect">
@@ -7768,7 +7662,7 @@
         </p:blipFill>
         <p:spPr>
           <a:xfrm>
-            <a:off x="24360638" y="13324235"/>
+            <a:off x="24360638" y="13222635"/>
             <a:ext cx="275053" cy="209527"/>
           </a:xfrm>
           <a:prstGeom prst="rect">
@@ -7802,7 +7696,7 @@
         </p:blipFill>
         <p:spPr>
           <a:xfrm>
-            <a:off x="24371101" y="14523671"/>
+            <a:off x="24371101" y="14422071"/>
             <a:ext cx="254125" cy="209527"/>
           </a:xfrm>
           <a:prstGeom prst="rect">
@@ -7828,13 +7722,13 @@
         </p:nvCxnSpPr>
         <p:spPr>
           <a:xfrm>
-            <a:off x="24652620" y="15296579"/>
+            <a:off x="24652620" y="15194979"/>
             <a:ext cx="0" cy="625694"/>
           </a:xfrm>
           <a:prstGeom prst="straightConnector1">
             <a:avLst/>
           </a:prstGeom>
-          <a:ln w="101600">
+          <a:ln w="63500">
             <a:solidFill>
               <a:srgbClr val="7F7F7F"/>
             </a:solidFill>
@@ -7871,13 +7765,13 @@
         </p:nvCxnSpPr>
         <p:spPr>
           <a:xfrm>
-            <a:off x="29877433" y="15296579"/>
+            <a:off x="29877433" y="15194979"/>
             <a:ext cx="0" cy="625694"/>
           </a:xfrm>
           <a:prstGeom prst="straightConnector1">
             <a:avLst/>
           </a:prstGeom>
-          <a:ln w="101600">
+          <a:ln w="63500">
             <a:solidFill>
               <a:srgbClr val="4E84C1"/>
             </a:solidFill>
@@ -7909,18 +7803,20 @@
               </a:ext>
             </a:extLst>
           </p:cNvPr>
-          <p:cNvCxnSpPr/>
+          <p:cNvCxnSpPr>
+            <a:cxnSpLocks/>
+          </p:cNvCxnSpPr>
           <p:nvPr/>
         </p:nvCxnSpPr>
         <p:spPr>
           <a:xfrm>
-            <a:off x="19549778" y="15262537"/>
-            <a:ext cx="0" cy="625694"/>
+            <a:off x="19615094" y="14487095"/>
+            <a:ext cx="0" cy="1364560"/>
           </a:xfrm>
           <a:prstGeom prst="straightConnector1">
             <a:avLst/>
           </a:prstGeom>
-          <a:ln w="101600">
+          <a:ln w="63500">
             <a:solidFill>
               <a:srgbClr val="7F7F7F"/>
             </a:solidFill>
@@ -7952,18 +7848,20 @@
               </a:ext>
             </a:extLst>
           </p:cNvPr>
-          <p:cNvCxnSpPr/>
+          <p:cNvCxnSpPr>
+            <a:cxnSpLocks/>
+          </p:cNvCxnSpPr>
           <p:nvPr/>
         </p:nvCxnSpPr>
         <p:spPr>
           <a:xfrm>
-            <a:off x="20496718" y="15249090"/>
-            <a:ext cx="0" cy="625694"/>
+            <a:off x="20513047" y="14495223"/>
+            <a:ext cx="0" cy="1351113"/>
           </a:xfrm>
           <a:prstGeom prst="straightConnector1">
             <a:avLst/>
           </a:prstGeom>
-          <a:ln w="101600">
+          <a:ln w="63500">
             <a:solidFill>
               <a:srgbClr val="4E84C1"/>
             </a:solidFill>
@@ -8002,13 +7900,13 @@
         </p:nvCxnSpPr>
         <p:spPr>
           <a:xfrm>
-            <a:off x="20204848" y="14470476"/>
+            <a:off x="20204848" y="14409643"/>
             <a:ext cx="0" cy="1431202"/>
           </a:xfrm>
           <a:prstGeom prst="straightConnector1">
             <a:avLst/>
           </a:prstGeom>
-          <a:ln w="101600">
+          <a:ln w="63500">
             <a:solidFill>
               <a:srgbClr val="999999"/>
             </a:solidFill>
@@ -8054,7 +7952,7 @@
         </p:blipFill>
         <p:spPr>
           <a:xfrm>
-            <a:off x="28687173" y="13704041"/>
+            <a:off x="28687173" y="13602441"/>
             <a:ext cx="248146" cy="209527"/>
           </a:xfrm>
           <a:prstGeom prst="rect">
@@ -8088,7 +7986,7 @@
         </p:blipFill>
         <p:spPr>
           <a:xfrm>
-            <a:off x="28670733" y="13324525"/>
+            <a:off x="28670733" y="13222925"/>
             <a:ext cx="275053" cy="209527"/>
           </a:xfrm>
           <a:prstGeom prst="rect">
@@ -8122,7 +8020,7 @@
         </p:blipFill>
         <p:spPr>
           <a:xfrm>
-            <a:off x="28681196" y="14523961"/>
+            <a:off x="28681196" y="14422361"/>
             <a:ext cx="254125" cy="209527"/>
           </a:xfrm>
           <a:prstGeom prst="rect">

--- a/JDH_poster_draft.pptx
+++ b/JDH_poster_draft.pptx
@@ -2973,10 +2973,10 @@
       </p:grpSpPr>
       <p:pic>
         <p:nvPicPr>
-          <p:cNvPr id="459" name="Picture 458">
-            <a:extLst>
-              <a:ext uri="{FF2B5EF4-FFF2-40B4-BE49-F238E27FC236}">
-                <a16:creationId xmlns:a16="http://schemas.microsoft.com/office/drawing/2014/main" id="{1B2F7D55-0991-56AF-4CF6-4D6E38C13EE4}"/>
+          <p:cNvPr id="466" name="Picture 465">
+            <a:extLst>
+              <a:ext uri="{FF2B5EF4-FFF2-40B4-BE49-F238E27FC236}">
+                <a16:creationId xmlns:a16="http://schemas.microsoft.com/office/drawing/2014/main" id="{1716A961-5F60-AA75-F674-9672179537D3}"/>
               </a:ext>
             </a:extLst>
           </p:cNvPr>
@@ -2993,8 +2993,8 @@
         </p:blipFill>
         <p:spPr>
           <a:xfrm>
-            <a:off x="2839389" y="26610821"/>
-            <a:ext cx="12407232" cy="5500372"/>
+            <a:off x="18169024" y="8448812"/>
+            <a:ext cx="4401917" cy="3255264"/>
           </a:xfrm>
           <a:prstGeom prst="rect">
             <a:avLst/>
@@ -3003,10 +3003,10 @@
       </p:pic>
       <p:pic>
         <p:nvPicPr>
-          <p:cNvPr id="455" name="Picture 454">
-            <a:extLst>
-              <a:ext uri="{FF2B5EF4-FFF2-40B4-BE49-F238E27FC236}">
-                <a16:creationId xmlns:a16="http://schemas.microsoft.com/office/drawing/2014/main" id="{AAA315A1-34A6-3EBF-3677-FD109878A384}"/>
+          <p:cNvPr id="459" name="Picture 458">
+            <a:extLst>
+              <a:ext uri="{FF2B5EF4-FFF2-40B4-BE49-F238E27FC236}">
+                <a16:creationId xmlns:a16="http://schemas.microsoft.com/office/drawing/2014/main" id="{1B2F7D55-0991-56AF-4CF6-4D6E38C13EE4}"/>
               </a:ext>
             </a:extLst>
           </p:cNvPr>
@@ -3023,8 +3023,8 @@
         </p:blipFill>
         <p:spPr>
           <a:xfrm>
-            <a:off x="18169024" y="12922862"/>
-            <a:ext cx="4340352" cy="3255264"/>
+            <a:off x="2839389" y="26610821"/>
+            <a:ext cx="12407232" cy="5500372"/>
           </a:xfrm>
           <a:prstGeom prst="rect">
             <a:avLst/>
@@ -3033,10 +3033,10 @@
       </p:pic>
       <p:pic>
         <p:nvPicPr>
-          <p:cNvPr id="446" name="Picture 445">
-            <a:extLst>
-              <a:ext uri="{FF2B5EF4-FFF2-40B4-BE49-F238E27FC236}">
-                <a16:creationId xmlns:a16="http://schemas.microsoft.com/office/drawing/2014/main" id="{DA068B06-CB6C-7985-BA5E-DF6C00680B64}"/>
+          <p:cNvPr id="455" name="Picture 454">
+            <a:extLst>
+              <a:ext uri="{FF2B5EF4-FFF2-40B4-BE49-F238E27FC236}">
+                <a16:creationId xmlns:a16="http://schemas.microsoft.com/office/drawing/2014/main" id="{AAA315A1-34A6-3EBF-3677-FD109878A384}"/>
               </a:ext>
             </a:extLst>
           </p:cNvPr>
@@ -3053,8 +3053,8 @@
         </p:blipFill>
         <p:spPr>
           <a:xfrm>
-            <a:off x="27587825" y="12966641"/>
-            <a:ext cx="4269695" cy="3255264"/>
+            <a:off x="18169024" y="12922862"/>
+            <a:ext cx="4340352" cy="3255264"/>
           </a:xfrm>
           <a:prstGeom prst="rect">
             <a:avLst/>
@@ -3063,10 +3063,10 @@
       </p:pic>
       <p:pic>
         <p:nvPicPr>
-          <p:cNvPr id="448" name="Picture 447">
-            <a:extLst>
-              <a:ext uri="{FF2B5EF4-FFF2-40B4-BE49-F238E27FC236}">
-                <a16:creationId xmlns:a16="http://schemas.microsoft.com/office/drawing/2014/main" id="{022BDBC8-8C10-23CF-E743-E77D08BBB281}"/>
+          <p:cNvPr id="446" name="Picture 445">
+            <a:extLst>
+              <a:ext uri="{FF2B5EF4-FFF2-40B4-BE49-F238E27FC236}">
+                <a16:creationId xmlns:a16="http://schemas.microsoft.com/office/drawing/2014/main" id="{DA068B06-CB6C-7985-BA5E-DF6C00680B64}"/>
               </a:ext>
             </a:extLst>
           </p:cNvPr>
@@ -3083,7 +3083,7 @@
         </p:blipFill>
         <p:spPr>
           <a:xfrm>
-            <a:off x="23215720" y="12966641"/>
+            <a:off x="27587825" y="12966641"/>
             <a:ext cx="4269695" cy="3255264"/>
           </a:xfrm>
           <a:prstGeom prst="rect">
@@ -3093,10 +3093,10 @@
       </p:pic>
       <p:pic>
         <p:nvPicPr>
-          <p:cNvPr id="442" name="Picture 441">
-            <a:extLst>
-              <a:ext uri="{FF2B5EF4-FFF2-40B4-BE49-F238E27FC236}">
-                <a16:creationId xmlns:a16="http://schemas.microsoft.com/office/drawing/2014/main" id="{CE596BD8-CA7F-1434-3FA1-3BBB7E702F27}"/>
+          <p:cNvPr id="448" name="Picture 447">
+            <a:extLst>
+              <a:ext uri="{FF2B5EF4-FFF2-40B4-BE49-F238E27FC236}">
+                <a16:creationId xmlns:a16="http://schemas.microsoft.com/office/drawing/2014/main" id="{022BDBC8-8C10-23CF-E743-E77D08BBB281}"/>
               </a:ext>
             </a:extLst>
           </p:cNvPr>
@@ -3113,7 +3113,7 @@
         </p:blipFill>
         <p:spPr>
           <a:xfrm>
-            <a:off x="27460825" y="8444098"/>
+            <a:off x="23215720" y="12966641"/>
             <a:ext cx="4269695" cy="3255264"/>
           </a:xfrm>
           <a:prstGeom prst="rect">
@@ -3123,10 +3123,10 @@
       </p:pic>
       <p:pic>
         <p:nvPicPr>
-          <p:cNvPr id="444" name="Picture 443">
-            <a:extLst>
-              <a:ext uri="{FF2B5EF4-FFF2-40B4-BE49-F238E27FC236}">
-                <a16:creationId xmlns:a16="http://schemas.microsoft.com/office/drawing/2014/main" id="{2BFDD001-A094-0EFA-8154-94905A0E5589}"/>
+          <p:cNvPr id="442" name="Picture 441">
+            <a:extLst>
+              <a:ext uri="{FF2B5EF4-FFF2-40B4-BE49-F238E27FC236}">
+                <a16:creationId xmlns:a16="http://schemas.microsoft.com/office/drawing/2014/main" id="{CE596BD8-CA7F-1434-3FA1-3BBB7E702F27}"/>
               </a:ext>
             </a:extLst>
           </p:cNvPr>
@@ -3143,7 +3143,7 @@
         </p:blipFill>
         <p:spPr>
           <a:xfrm>
-            <a:off x="23165106" y="8446200"/>
+            <a:off x="27460825" y="8444098"/>
             <a:ext cx="4269695" cy="3255264"/>
           </a:xfrm>
           <a:prstGeom prst="rect">
@@ -3153,10 +3153,10 @@
       </p:pic>
       <p:pic>
         <p:nvPicPr>
-          <p:cNvPr id="440" name="Picture 439">
-            <a:extLst>
-              <a:ext uri="{FF2B5EF4-FFF2-40B4-BE49-F238E27FC236}">
-                <a16:creationId xmlns:a16="http://schemas.microsoft.com/office/drawing/2014/main" id="{09C23625-DFD4-943B-69DA-C9FDCA84D822}"/>
+          <p:cNvPr id="444" name="Picture 443">
+            <a:extLst>
+              <a:ext uri="{FF2B5EF4-FFF2-40B4-BE49-F238E27FC236}">
+                <a16:creationId xmlns:a16="http://schemas.microsoft.com/office/drawing/2014/main" id="{2BFDD001-A094-0EFA-8154-94905A0E5589}"/>
               </a:ext>
             </a:extLst>
           </p:cNvPr>
@@ -3173,8 +3173,8 @@
         </p:blipFill>
         <p:spPr>
           <a:xfrm>
-            <a:off x="18170452" y="8446407"/>
-            <a:ext cx="4373779" cy="3255264"/>
+            <a:off x="23165106" y="8446200"/>
+            <a:ext cx="4269695" cy="3255264"/>
           </a:xfrm>
           <a:prstGeom prst="rect">
             <a:avLst/>
